--- a/hw01.pptx
+++ b/hw01.pptx
@@ -4,8 +4,18 @@
   <p:sldMasterIdLst>
     <p:sldMasterId id="2147483648" r:id="rId1"/>
   </p:sldMasterIdLst>
+  <p:notesMasterIdLst>
+    <p:notesMasterId r:id="rId10"/>
+  </p:notesMasterIdLst>
   <p:sldIdLst>
     <p:sldId id="256" r:id="rId2"/>
+    <p:sldId id="257" r:id="rId3"/>
+    <p:sldId id="258" r:id="rId4"/>
+    <p:sldId id="259" r:id="rId5"/>
+    <p:sldId id="260" r:id="rId6"/>
+    <p:sldId id="261" r:id="rId7"/>
+    <p:sldId id="262" r:id="rId8"/>
+    <p:sldId id="263" r:id="rId9"/>
   </p:sldIdLst>
   <p:sldSz cx="12192000" cy="6858000"/>
   <p:notesSz cx="6858000" cy="9144000"/>
@@ -104,7 +114,2243 @@
       </a:defRPr>
     </a:lvl9pPr>
   </p:defaultTextStyle>
+  <p:extLst>
+    <p:ext uri="{EFAFB233-063F-42B5-8137-9DF3F51BA10A}">
+      <p15:sldGuideLst xmlns:p15="http://schemas.microsoft.com/office/powerpoint/2012/main"/>
+    </p:ext>
+  </p:extLst>
 </p:presentation>
+</file>
+
+<file path=ppt/notesMasters/notesMaster1.xml><?xml version="1.0" encoding="utf-8"?>
+<p:notesMaster xmlns:a="http://schemas.openxmlformats.org/drawingml/2006/main" xmlns:r="http://schemas.openxmlformats.org/officeDocument/2006/relationships" xmlns:p="http://schemas.openxmlformats.org/presentationml/2006/main">
+  <p:cSld>
+    <p:bg>
+      <p:bgRef idx="1001">
+        <a:schemeClr val="bg1"/>
+      </p:bgRef>
+    </p:bg>
+    <p:spTree>
+      <p:nvGrpSpPr>
+        <p:cNvPr id="1" name=""/>
+        <p:cNvGrpSpPr/>
+        <p:nvPr/>
+      </p:nvGrpSpPr>
+      <p:grpSpPr>
+        <a:xfrm>
+          <a:off x="0" y="0"/>
+          <a:ext cx="0" cy="0"/>
+          <a:chOff x="0" y="0"/>
+          <a:chExt cx="0" cy="0"/>
+        </a:xfrm>
+      </p:grpSpPr>
+      <p:sp>
+        <p:nvSpPr>
+          <p:cNvPr id="2" name="頁首版面配置區 1"/>
+          <p:cNvSpPr>
+            <a:spLocks noGrp="1"/>
+          </p:cNvSpPr>
+          <p:nvPr>
+            <p:ph type="hdr" sz="quarter"/>
+          </p:nvPr>
+        </p:nvSpPr>
+        <p:spPr>
+          <a:xfrm>
+            <a:off x="0" y="0"/>
+            <a:ext cx="2971800" cy="458788"/>
+          </a:xfrm>
+          <a:prstGeom prst="rect">
+            <a:avLst/>
+          </a:prstGeom>
+        </p:spPr>
+        <p:txBody>
+          <a:bodyPr vert="horz" lIns="91440" tIns="45720" rIns="91440" bIns="45720" rtlCol="0"/>
+          <a:lstStyle>
+            <a:lvl1pPr algn="l">
+              <a:defRPr sz="1200"/>
+            </a:lvl1pPr>
+          </a:lstStyle>
+          <a:p>
+            <a:endParaRPr lang="zh-TW" altLang="en-US"/>
+          </a:p>
+        </p:txBody>
+      </p:sp>
+      <p:sp>
+        <p:nvSpPr>
+          <p:cNvPr id="3" name="日期版面配置區 2"/>
+          <p:cNvSpPr>
+            <a:spLocks noGrp="1"/>
+          </p:cNvSpPr>
+          <p:nvPr>
+            <p:ph type="dt" idx="1"/>
+          </p:nvPr>
+        </p:nvSpPr>
+        <p:spPr>
+          <a:xfrm>
+            <a:off x="3884613" y="0"/>
+            <a:ext cx="2971800" cy="458788"/>
+          </a:xfrm>
+          <a:prstGeom prst="rect">
+            <a:avLst/>
+          </a:prstGeom>
+        </p:spPr>
+        <p:txBody>
+          <a:bodyPr vert="horz" lIns="91440" tIns="45720" rIns="91440" bIns="45720" rtlCol="0"/>
+          <a:lstStyle>
+            <a:lvl1pPr algn="r">
+              <a:defRPr sz="1200"/>
+            </a:lvl1pPr>
+          </a:lstStyle>
+          <a:p>
+            <a:fld id="{66B67B9B-FC1C-4B2B-B81B-2ED2DA6C8B6F}" type="datetimeFigureOut">
+              <a:rPr lang="zh-TW" altLang="en-US" smtClean="0"/>
+              <a:t>2024/10/21</a:t>
+            </a:fld>
+            <a:endParaRPr lang="zh-TW" altLang="en-US"/>
+          </a:p>
+        </p:txBody>
+      </p:sp>
+      <p:sp>
+        <p:nvSpPr>
+          <p:cNvPr id="4" name="投影片影像版面配置區 3"/>
+          <p:cNvSpPr>
+            <a:spLocks noGrp="1" noRot="1" noChangeAspect="1"/>
+          </p:cNvSpPr>
+          <p:nvPr>
+            <p:ph type="sldImg" idx="2"/>
+          </p:nvPr>
+        </p:nvSpPr>
+        <p:spPr>
+          <a:xfrm>
+            <a:off x="685800" y="1143000"/>
+            <a:ext cx="5486400" cy="3086100"/>
+          </a:xfrm>
+          <a:prstGeom prst="rect">
+            <a:avLst/>
+          </a:prstGeom>
+          <a:noFill/>
+          <a:ln w="12700">
+            <a:solidFill>
+              <a:prstClr val="black"/>
+            </a:solidFill>
+          </a:ln>
+        </p:spPr>
+        <p:txBody>
+          <a:bodyPr vert="horz" lIns="91440" tIns="45720" rIns="91440" bIns="45720" rtlCol="0" anchor="ctr"/>
+          <a:lstStyle/>
+          <a:p>
+            <a:endParaRPr lang="zh-TW" altLang="en-US"/>
+          </a:p>
+        </p:txBody>
+      </p:sp>
+      <p:sp>
+        <p:nvSpPr>
+          <p:cNvPr id="5" name="備忘稿版面配置區 4"/>
+          <p:cNvSpPr>
+            <a:spLocks noGrp="1"/>
+          </p:cNvSpPr>
+          <p:nvPr>
+            <p:ph type="body" sz="quarter" idx="3"/>
+          </p:nvPr>
+        </p:nvSpPr>
+        <p:spPr>
+          <a:xfrm>
+            <a:off x="685800" y="4400550"/>
+            <a:ext cx="5486400" cy="3600450"/>
+          </a:xfrm>
+          <a:prstGeom prst="rect">
+            <a:avLst/>
+          </a:prstGeom>
+        </p:spPr>
+        <p:txBody>
+          <a:bodyPr vert="horz" lIns="91440" tIns="45720" rIns="91440" bIns="45720" rtlCol="0"/>
+          <a:lstStyle/>
+          <a:p>
+            <a:pPr lvl="0"/>
+            <a:r>
+              <a:rPr lang="zh-TW" altLang="en-US"/>
+              <a:t>按一下以編輯母片文字樣式</a:t>
+            </a:r>
+          </a:p>
+          <a:p>
+            <a:pPr lvl="1"/>
+            <a:r>
+              <a:rPr lang="zh-TW" altLang="en-US"/>
+              <a:t>第二層</a:t>
+            </a:r>
+          </a:p>
+          <a:p>
+            <a:pPr lvl="2"/>
+            <a:r>
+              <a:rPr lang="zh-TW" altLang="en-US"/>
+              <a:t>第三層</a:t>
+            </a:r>
+          </a:p>
+          <a:p>
+            <a:pPr lvl="3"/>
+            <a:r>
+              <a:rPr lang="zh-TW" altLang="en-US"/>
+              <a:t>第四層</a:t>
+            </a:r>
+          </a:p>
+          <a:p>
+            <a:pPr lvl="4"/>
+            <a:r>
+              <a:rPr lang="zh-TW" altLang="en-US"/>
+              <a:t>第五層</a:t>
+            </a:r>
+          </a:p>
+        </p:txBody>
+      </p:sp>
+      <p:sp>
+        <p:nvSpPr>
+          <p:cNvPr id="6" name="頁尾版面配置區 5"/>
+          <p:cNvSpPr>
+            <a:spLocks noGrp="1"/>
+          </p:cNvSpPr>
+          <p:nvPr>
+            <p:ph type="ftr" sz="quarter" idx="4"/>
+          </p:nvPr>
+        </p:nvSpPr>
+        <p:spPr>
+          <a:xfrm>
+            <a:off x="0" y="8685213"/>
+            <a:ext cx="2971800" cy="458787"/>
+          </a:xfrm>
+          <a:prstGeom prst="rect">
+            <a:avLst/>
+          </a:prstGeom>
+        </p:spPr>
+        <p:txBody>
+          <a:bodyPr vert="horz" lIns="91440" tIns="45720" rIns="91440" bIns="45720" rtlCol="0" anchor="b"/>
+          <a:lstStyle>
+            <a:lvl1pPr algn="l">
+              <a:defRPr sz="1200"/>
+            </a:lvl1pPr>
+          </a:lstStyle>
+          <a:p>
+            <a:endParaRPr lang="zh-TW" altLang="en-US"/>
+          </a:p>
+        </p:txBody>
+      </p:sp>
+      <p:sp>
+        <p:nvSpPr>
+          <p:cNvPr id="7" name="投影片編號版面配置區 6"/>
+          <p:cNvSpPr>
+            <a:spLocks noGrp="1"/>
+          </p:cNvSpPr>
+          <p:nvPr>
+            <p:ph type="sldNum" sz="quarter" idx="5"/>
+          </p:nvPr>
+        </p:nvSpPr>
+        <p:spPr>
+          <a:xfrm>
+            <a:off x="3884613" y="8685213"/>
+            <a:ext cx="2971800" cy="458787"/>
+          </a:xfrm>
+          <a:prstGeom prst="rect">
+            <a:avLst/>
+          </a:prstGeom>
+        </p:spPr>
+        <p:txBody>
+          <a:bodyPr vert="horz" lIns="91440" tIns="45720" rIns="91440" bIns="45720" rtlCol="0" anchor="b"/>
+          <a:lstStyle>
+            <a:lvl1pPr algn="r">
+              <a:defRPr sz="1200"/>
+            </a:lvl1pPr>
+          </a:lstStyle>
+          <a:p>
+            <a:fld id="{A33D6E49-B626-4B80-9E21-BA59F75776F8}" type="slidenum">
+              <a:rPr lang="zh-TW" altLang="en-US" smtClean="0"/>
+              <a:t>‹#›</a:t>
+            </a:fld>
+            <a:endParaRPr lang="zh-TW" altLang="en-US"/>
+          </a:p>
+        </p:txBody>
+      </p:sp>
+    </p:spTree>
+    <p:extLst>
+      <p:ext uri="{BB962C8B-B14F-4D97-AF65-F5344CB8AC3E}">
+        <p14:creationId xmlns:p14="http://schemas.microsoft.com/office/powerpoint/2010/main" val="1644077716"/>
+      </p:ext>
+    </p:extLst>
+  </p:cSld>
+  <p:clrMap bg1="lt1" tx1="dk1" bg2="lt2" tx2="dk2" accent1="accent1" accent2="accent2" accent3="accent3" accent4="accent4" accent5="accent5" accent6="accent6" hlink="hlink" folHlink="folHlink"/>
+  <p:notesStyle>
+    <a:lvl1pPr marL="0" algn="l" defTabSz="914400" rtl="0" eaLnBrk="1" latinLnBrk="0" hangingPunct="1">
+      <a:defRPr sz="1200" kern="1200">
+        <a:solidFill>
+          <a:schemeClr val="tx1"/>
+        </a:solidFill>
+        <a:latin typeface="+mn-lt"/>
+        <a:ea typeface="+mn-ea"/>
+        <a:cs typeface="+mn-cs"/>
+      </a:defRPr>
+    </a:lvl1pPr>
+    <a:lvl2pPr marL="457200" algn="l" defTabSz="914400" rtl="0" eaLnBrk="1" latinLnBrk="0" hangingPunct="1">
+      <a:defRPr sz="1200" kern="1200">
+        <a:solidFill>
+          <a:schemeClr val="tx1"/>
+        </a:solidFill>
+        <a:latin typeface="+mn-lt"/>
+        <a:ea typeface="+mn-ea"/>
+        <a:cs typeface="+mn-cs"/>
+      </a:defRPr>
+    </a:lvl2pPr>
+    <a:lvl3pPr marL="914400" algn="l" defTabSz="914400" rtl="0" eaLnBrk="1" latinLnBrk="0" hangingPunct="1">
+      <a:defRPr sz="1200" kern="1200">
+        <a:solidFill>
+          <a:schemeClr val="tx1"/>
+        </a:solidFill>
+        <a:latin typeface="+mn-lt"/>
+        <a:ea typeface="+mn-ea"/>
+        <a:cs typeface="+mn-cs"/>
+      </a:defRPr>
+    </a:lvl3pPr>
+    <a:lvl4pPr marL="1371600" algn="l" defTabSz="914400" rtl="0" eaLnBrk="1" latinLnBrk="0" hangingPunct="1">
+      <a:defRPr sz="1200" kern="1200">
+        <a:solidFill>
+          <a:schemeClr val="tx1"/>
+        </a:solidFill>
+        <a:latin typeface="+mn-lt"/>
+        <a:ea typeface="+mn-ea"/>
+        <a:cs typeface="+mn-cs"/>
+      </a:defRPr>
+    </a:lvl4pPr>
+    <a:lvl5pPr marL="1828800" algn="l" defTabSz="914400" rtl="0" eaLnBrk="1" latinLnBrk="0" hangingPunct="1">
+      <a:defRPr sz="1200" kern="1200">
+        <a:solidFill>
+          <a:schemeClr val="tx1"/>
+        </a:solidFill>
+        <a:latin typeface="+mn-lt"/>
+        <a:ea typeface="+mn-ea"/>
+        <a:cs typeface="+mn-cs"/>
+      </a:defRPr>
+    </a:lvl5pPr>
+    <a:lvl6pPr marL="2286000" algn="l" defTabSz="914400" rtl="0" eaLnBrk="1" latinLnBrk="0" hangingPunct="1">
+      <a:defRPr sz="1200" kern="1200">
+        <a:solidFill>
+          <a:schemeClr val="tx1"/>
+        </a:solidFill>
+        <a:latin typeface="+mn-lt"/>
+        <a:ea typeface="+mn-ea"/>
+        <a:cs typeface="+mn-cs"/>
+      </a:defRPr>
+    </a:lvl6pPr>
+    <a:lvl7pPr marL="2743200" algn="l" defTabSz="914400" rtl="0" eaLnBrk="1" latinLnBrk="0" hangingPunct="1">
+      <a:defRPr sz="1200" kern="1200">
+        <a:solidFill>
+          <a:schemeClr val="tx1"/>
+        </a:solidFill>
+        <a:latin typeface="+mn-lt"/>
+        <a:ea typeface="+mn-ea"/>
+        <a:cs typeface="+mn-cs"/>
+      </a:defRPr>
+    </a:lvl7pPr>
+    <a:lvl8pPr marL="3200400" algn="l" defTabSz="914400" rtl="0" eaLnBrk="1" latinLnBrk="0" hangingPunct="1">
+      <a:defRPr sz="1200" kern="1200">
+        <a:solidFill>
+          <a:schemeClr val="tx1"/>
+        </a:solidFill>
+        <a:latin typeface="+mn-lt"/>
+        <a:ea typeface="+mn-ea"/>
+        <a:cs typeface="+mn-cs"/>
+      </a:defRPr>
+    </a:lvl8pPr>
+    <a:lvl9pPr marL="3657600" algn="l" defTabSz="914400" rtl="0" eaLnBrk="1" latinLnBrk="0" hangingPunct="1">
+      <a:defRPr sz="1200" kern="1200">
+        <a:solidFill>
+          <a:schemeClr val="tx1"/>
+        </a:solidFill>
+        <a:latin typeface="+mn-lt"/>
+        <a:ea typeface="+mn-ea"/>
+        <a:cs typeface="+mn-cs"/>
+      </a:defRPr>
+    </a:lvl9pPr>
+  </p:notesStyle>
+</p:notesMaster>
+</file>
+
+<file path=ppt/notesSlides/notesSlide1.xml><?xml version="1.0" encoding="utf-8"?>
+<p:notes xmlns:a="http://schemas.openxmlformats.org/drawingml/2006/main" xmlns:r="http://schemas.openxmlformats.org/officeDocument/2006/relationships" xmlns:p="http://schemas.openxmlformats.org/presentationml/2006/main">
+  <p:cSld>
+    <p:spTree>
+      <p:nvGrpSpPr>
+        <p:cNvPr id="1" name=""/>
+        <p:cNvGrpSpPr/>
+        <p:nvPr/>
+      </p:nvGrpSpPr>
+      <p:grpSpPr>
+        <a:xfrm>
+          <a:off x="0" y="0"/>
+          <a:ext cx="0" cy="0"/>
+          <a:chOff x="0" y="0"/>
+          <a:chExt cx="0" cy="0"/>
+        </a:xfrm>
+      </p:grpSpPr>
+      <p:sp>
+        <p:nvSpPr>
+          <p:cNvPr id="2" name="投影片影像版面配置區 1"/>
+          <p:cNvSpPr>
+            <a:spLocks noGrp="1" noRot="1" noChangeAspect="1"/>
+          </p:cNvSpPr>
+          <p:nvPr>
+            <p:ph type="sldImg"/>
+          </p:nvPr>
+        </p:nvSpPr>
+        <p:spPr/>
+      </p:sp>
+      <p:sp>
+        <p:nvSpPr>
+          <p:cNvPr id="3" name="備忘稿版面配置區 2"/>
+          <p:cNvSpPr>
+            <a:spLocks noGrp="1"/>
+          </p:cNvSpPr>
+          <p:nvPr>
+            <p:ph type="body" idx="1"/>
+          </p:nvPr>
+        </p:nvSpPr>
+        <p:spPr/>
+        <p:txBody>
+          <a:bodyPr/>
+          <a:lstStyle/>
+          <a:p>
+            <a:endParaRPr lang="zh-TW" altLang="en-US" dirty="0"/>
+          </a:p>
+        </p:txBody>
+      </p:sp>
+      <p:sp>
+        <p:nvSpPr>
+          <p:cNvPr id="4" name="投影片編號版面配置區 3"/>
+          <p:cNvSpPr>
+            <a:spLocks noGrp="1"/>
+          </p:cNvSpPr>
+          <p:nvPr>
+            <p:ph type="sldNum" sz="quarter" idx="5"/>
+          </p:nvPr>
+        </p:nvSpPr>
+        <p:spPr/>
+        <p:txBody>
+          <a:bodyPr/>
+          <a:lstStyle/>
+          <a:p>
+            <a:fld id="{A33D6E49-B626-4B80-9E21-BA59F75776F8}" type="slidenum">
+              <a:rPr lang="zh-TW" altLang="en-US" smtClean="0"/>
+              <a:t>1</a:t>
+            </a:fld>
+            <a:endParaRPr lang="zh-TW" altLang="en-US"/>
+          </a:p>
+        </p:txBody>
+      </p:sp>
+    </p:spTree>
+    <p:extLst>
+      <p:ext uri="{BB962C8B-B14F-4D97-AF65-F5344CB8AC3E}">
+        <p14:creationId xmlns:p14="http://schemas.microsoft.com/office/powerpoint/2010/main" val="655022308"/>
+      </p:ext>
+    </p:extLst>
+  </p:cSld>
+  <p:clrMapOvr>
+    <a:masterClrMapping/>
+  </p:clrMapOvr>
+</p:notes>
+</file>
+
+<file path=ppt/notesSlides/notesSlide2.xml><?xml version="1.0" encoding="utf-8"?>
+<p:notes xmlns:a="http://schemas.openxmlformats.org/drawingml/2006/main" xmlns:r="http://schemas.openxmlformats.org/officeDocument/2006/relationships" xmlns:p="http://schemas.openxmlformats.org/presentationml/2006/main">
+  <p:cSld>
+    <p:spTree>
+      <p:nvGrpSpPr>
+        <p:cNvPr id="1" name=""/>
+        <p:cNvGrpSpPr/>
+        <p:nvPr/>
+      </p:nvGrpSpPr>
+      <p:grpSpPr>
+        <a:xfrm>
+          <a:off x="0" y="0"/>
+          <a:ext cx="0" cy="0"/>
+          <a:chOff x="0" y="0"/>
+          <a:chExt cx="0" cy="0"/>
+        </a:xfrm>
+      </p:grpSpPr>
+      <p:sp>
+        <p:nvSpPr>
+          <p:cNvPr id="2" name="投影片影像版面配置區 1"/>
+          <p:cNvSpPr>
+            <a:spLocks noGrp="1" noRot="1" noChangeAspect="1"/>
+          </p:cNvSpPr>
+          <p:nvPr>
+            <p:ph type="sldImg"/>
+          </p:nvPr>
+        </p:nvSpPr>
+        <p:spPr/>
+      </p:sp>
+      <p:sp>
+        <p:nvSpPr>
+          <p:cNvPr id="3" name="備忘稿版面配置區 2"/>
+          <p:cNvSpPr>
+            <a:spLocks noGrp="1"/>
+          </p:cNvSpPr>
+          <p:nvPr>
+            <p:ph type="body" idx="1"/>
+          </p:nvPr>
+        </p:nvSpPr>
+        <p:spPr/>
+        <p:txBody>
+          <a:bodyPr/>
+          <a:lstStyle/>
+          <a:p>
+            <a:r>
+              <a:rPr lang="zh-TW" altLang="en-US" b="0" i="0" dirty="0">
+                <a:solidFill>
+                  <a:srgbClr val="282523"/>
+                </a:solidFill>
+                <a:effectLst/>
+                <a:latin typeface="Ginto"/>
+              </a:rPr>
+              <a:t>小藍是一名醫學系六年級的學生，立志要成為心臟外科醫師。主角小藍是男生擁有深藍色短髮、白皮膚細長臉、戴細框眼鏡、藍紫色眼睛</a:t>
+            </a:r>
+            <a:r>
+              <a:rPr lang="en-US" altLang="zh-TW" b="0" i="0" dirty="0">
+                <a:solidFill>
+                  <a:srgbClr val="282523"/>
+                </a:solidFill>
+                <a:effectLst/>
+                <a:latin typeface="Ginto"/>
+              </a:rPr>
+              <a:t>(</a:t>
+            </a:r>
+            <a:r>
+              <a:rPr lang="zh-TW" altLang="en-US" b="0" i="0" dirty="0">
+                <a:solidFill>
+                  <a:srgbClr val="282523"/>
+                </a:solidFill>
+                <a:effectLst/>
+                <a:latin typeface="Ginto"/>
+              </a:rPr>
+              <a:t>和頭髮很像</a:t>
+            </a:r>
+            <a:r>
+              <a:rPr lang="en-US" altLang="zh-TW" b="0" i="0" dirty="0">
+                <a:solidFill>
+                  <a:srgbClr val="282523"/>
+                </a:solidFill>
+                <a:effectLst/>
+                <a:latin typeface="Ginto"/>
+              </a:rPr>
+              <a:t>)</a:t>
+            </a:r>
+            <a:r>
+              <a:rPr lang="zh-TW" altLang="en-US" b="0" i="0" dirty="0">
+                <a:solidFill>
+                  <a:srgbClr val="282523"/>
+                </a:solidFill>
+                <a:effectLst/>
+                <a:latin typeface="Ginto"/>
+              </a:rPr>
+              <a:t>看起來很和善並帶著微笑，並且是日本動漫風格，穿著深藍色和淺藍色相間的短袖，請根據前面描述生成小藍和適合他的腳色設定</a:t>
+            </a:r>
+            <a:r>
+              <a:rPr lang="en-US" altLang="zh-TW" b="0" i="0" dirty="0">
+                <a:solidFill>
+                  <a:srgbClr val="282523"/>
+                </a:solidFill>
+                <a:effectLst/>
+                <a:latin typeface="Ginto"/>
+              </a:rPr>
+              <a:t>(</a:t>
+            </a:r>
+            <a:r>
+              <a:rPr lang="zh-TW" altLang="en-US" b="0" i="0" dirty="0">
+                <a:solidFill>
+                  <a:srgbClr val="282523"/>
+                </a:solidFill>
+                <a:effectLst/>
+                <a:latin typeface="Ginto"/>
+              </a:rPr>
+              <a:t>醫學系、想成為心臟外科醫生</a:t>
+            </a:r>
+            <a:r>
+              <a:rPr lang="en-US" altLang="zh-TW" b="0" i="0" dirty="0">
+                <a:solidFill>
+                  <a:srgbClr val="282523"/>
+                </a:solidFill>
+                <a:effectLst/>
+                <a:latin typeface="Ginto"/>
+              </a:rPr>
+              <a:t>)</a:t>
+            </a:r>
+            <a:r>
+              <a:rPr lang="zh-TW" altLang="en-US" b="0" i="0" dirty="0">
+                <a:solidFill>
+                  <a:srgbClr val="282523"/>
+                </a:solidFill>
+                <a:effectLst/>
+                <a:latin typeface="Ginto"/>
+              </a:rPr>
+              <a:t>場景，讓我可以看圖說故事。讓我可以看圖說故事</a:t>
+            </a:r>
+            <a:r>
+              <a:rPr lang="en-US" altLang="zh-TW" b="0" i="0" dirty="0">
+                <a:solidFill>
+                  <a:srgbClr val="282523"/>
+                </a:solidFill>
+                <a:effectLst/>
+                <a:latin typeface="Ginto"/>
+              </a:rPr>
+              <a:t>(</a:t>
+            </a:r>
+            <a:r>
+              <a:rPr lang="zh-TW" altLang="en-US" b="0" i="0" dirty="0">
+                <a:solidFill>
+                  <a:srgbClr val="282523"/>
+                </a:solidFill>
+                <a:effectLst/>
+                <a:latin typeface="Ginto"/>
+              </a:rPr>
+              <a:t>圖片中千萬不能有任何文字</a:t>
+            </a:r>
+            <a:r>
+              <a:rPr lang="en-US" altLang="zh-TW" b="0" i="0" dirty="0">
+                <a:solidFill>
+                  <a:srgbClr val="282523"/>
+                </a:solidFill>
+                <a:effectLst/>
+                <a:latin typeface="Ginto"/>
+              </a:rPr>
+              <a:t>)</a:t>
+            </a:r>
+            <a:r>
+              <a:rPr lang="zh-TW" altLang="en-US" b="0" i="0" dirty="0">
+                <a:solidFill>
+                  <a:srgbClr val="282523"/>
+                </a:solidFill>
+                <a:effectLst/>
+                <a:latin typeface="Ginto"/>
+              </a:rPr>
+              <a:t>。</a:t>
+            </a:r>
+            <a:endParaRPr lang="zh-TW" altLang="en-US" dirty="0"/>
+          </a:p>
+        </p:txBody>
+      </p:sp>
+      <p:sp>
+        <p:nvSpPr>
+          <p:cNvPr id="4" name="投影片編號版面配置區 3"/>
+          <p:cNvSpPr>
+            <a:spLocks noGrp="1"/>
+          </p:cNvSpPr>
+          <p:nvPr>
+            <p:ph type="sldNum" sz="quarter" idx="5"/>
+          </p:nvPr>
+        </p:nvSpPr>
+        <p:spPr/>
+        <p:txBody>
+          <a:bodyPr/>
+          <a:lstStyle/>
+          <a:p>
+            <a:fld id="{A33D6E49-B626-4B80-9E21-BA59F75776F8}" type="slidenum">
+              <a:rPr lang="zh-TW" altLang="en-US" smtClean="0"/>
+              <a:t>2</a:t>
+            </a:fld>
+            <a:endParaRPr lang="zh-TW" altLang="en-US"/>
+          </a:p>
+        </p:txBody>
+      </p:sp>
+    </p:spTree>
+    <p:extLst>
+      <p:ext uri="{BB962C8B-B14F-4D97-AF65-F5344CB8AC3E}">
+        <p14:creationId xmlns:p14="http://schemas.microsoft.com/office/powerpoint/2010/main" val="662748137"/>
+      </p:ext>
+    </p:extLst>
+  </p:cSld>
+  <p:clrMapOvr>
+    <a:masterClrMapping/>
+  </p:clrMapOvr>
+</p:notes>
+</file>
+
+<file path=ppt/notesSlides/notesSlide3.xml><?xml version="1.0" encoding="utf-8"?>
+<p:notes xmlns:a="http://schemas.openxmlformats.org/drawingml/2006/main" xmlns:r="http://schemas.openxmlformats.org/officeDocument/2006/relationships" xmlns:p="http://schemas.openxmlformats.org/presentationml/2006/main">
+  <p:cSld>
+    <p:spTree>
+      <p:nvGrpSpPr>
+        <p:cNvPr id="1" name=""/>
+        <p:cNvGrpSpPr/>
+        <p:nvPr/>
+      </p:nvGrpSpPr>
+      <p:grpSpPr>
+        <a:xfrm>
+          <a:off x="0" y="0"/>
+          <a:ext cx="0" cy="0"/>
+          <a:chOff x="0" y="0"/>
+          <a:chExt cx="0" cy="0"/>
+        </a:xfrm>
+      </p:grpSpPr>
+      <p:sp>
+        <p:nvSpPr>
+          <p:cNvPr id="2" name="投影片影像版面配置區 1"/>
+          <p:cNvSpPr>
+            <a:spLocks noGrp="1" noRot="1" noChangeAspect="1"/>
+          </p:cNvSpPr>
+          <p:nvPr>
+            <p:ph type="sldImg"/>
+          </p:nvPr>
+        </p:nvSpPr>
+        <p:spPr/>
+      </p:sp>
+      <p:sp>
+        <p:nvSpPr>
+          <p:cNvPr id="3" name="備忘稿版面配置區 2"/>
+          <p:cNvSpPr>
+            <a:spLocks noGrp="1"/>
+          </p:cNvSpPr>
+          <p:nvPr>
+            <p:ph type="body" idx="1"/>
+          </p:nvPr>
+        </p:nvSpPr>
+        <p:spPr/>
+        <p:txBody>
+          <a:bodyPr/>
+          <a:lstStyle/>
+          <a:p>
+            <a:pPr algn="l"/>
+            <a:r>
+              <a:rPr lang="zh-TW" altLang="en-US" b="0" i="0" dirty="0">
+                <a:solidFill>
+                  <a:srgbClr val="282523"/>
+                </a:solidFill>
+                <a:effectLst/>
+                <a:latin typeface="Ginto"/>
+              </a:rPr>
+              <a:t>小藍對主動脈瓣的位置一直搞錯，小藍把書上描述主動脈瓣的部分一次次看過還是無法準確判斷主動脈瓣。主角小藍是男生擁有深藍色短髮、白皮膚細長臉、戴細框眼鏡、藍紫色眼睛</a:t>
+            </a:r>
+            <a:r>
+              <a:rPr lang="en-US" altLang="zh-TW" b="0" i="0" dirty="0">
+                <a:solidFill>
+                  <a:srgbClr val="282523"/>
+                </a:solidFill>
+                <a:effectLst/>
+                <a:latin typeface="Ginto"/>
+              </a:rPr>
+              <a:t>(</a:t>
+            </a:r>
+            <a:r>
+              <a:rPr lang="zh-TW" altLang="en-US" b="0" i="0" dirty="0">
+                <a:solidFill>
+                  <a:srgbClr val="282523"/>
+                </a:solidFill>
+                <a:effectLst/>
+                <a:latin typeface="Ginto"/>
+              </a:rPr>
+              <a:t>和頭髮很像</a:t>
+            </a:r>
+            <a:r>
+              <a:rPr lang="en-US" altLang="zh-TW" b="0" i="0" dirty="0">
+                <a:solidFill>
+                  <a:srgbClr val="282523"/>
+                </a:solidFill>
+                <a:effectLst/>
+                <a:latin typeface="Ginto"/>
+              </a:rPr>
+              <a:t>)</a:t>
+            </a:r>
+            <a:r>
+              <a:rPr lang="zh-TW" altLang="en-US" b="0" i="0" dirty="0">
+                <a:solidFill>
+                  <a:srgbClr val="282523"/>
+                </a:solidFill>
+                <a:effectLst/>
+                <a:latin typeface="Ginto"/>
+              </a:rPr>
+              <a:t>看起來很和善並帶著微笑，並且是日本動漫風格，請根據前面描述生成小藍和適合他的腳色設定</a:t>
+            </a:r>
+            <a:r>
+              <a:rPr lang="en-US" altLang="zh-TW" b="0" i="0" dirty="0">
+                <a:solidFill>
+                  <a:srgbClr val="282523"/>
+                </a:solidFill>
+                <a:effectLst/>
+                <a:latin typeface="Ginto"/>
+              </a:rPr>
+              <a:t>(</a:t>
+            </a:r>
+            <a:r>
+              <a:rPr lang="zh-TW" altLang="en-US" b="0" i="0" dirty="0">
+                <a:solidFill>
+                  <a:srgbClr val="282523"/>
+                </a:solidFill>
+                <a:effectLst/>
+                <a:latin typeface="Ginto"/>
+              </a:rPr>
+              <a:t>醫學系、想成為心臟外科醫生</a:t>
+            </a:r>
+            <a:r>
+              <a:rPr lang="en-US" altLang="zh-TW" b="0" i="0" dirty="0">
+                <a:solidFill>
+                  <a:srgbClr val="282523"/>
+                </a:solidFill>
+                <a:effectLst/>
+                <a:latin typeface="Ginto"/>
+              </a:rPr>
+              <a:t>)</a:t>
+            </a:r>
+            <a:r>
+              <a:rPr lang="zh-TW" altLang="en-US" b="0" i="0" dirty="0">
+                <a:solidFill>
+                  <a:srgbClr val="282523"/>
+                </a:solidFill>
+                <a:effectLst/>
+                <a:latin typeface="Ginto"/>
+              </a:rPr>
+              <a:t>場景</a:t>
+            </a:r>
+            <a:r>
+              <a:rPr lang="en-US" altLang="zh-TW" b="0" i="0" dirty="0">
+                <a:solidFill>
+                  <a:srgbClr val="282523"/>
+                </a:solidFill>
+                <a:effectLst/>
+                <a:latin typeface="Ginto"/>
+              </a:rPr>
+              <a:t>(</a:t>
+            </a:r>
+            <a:r>
+              <a:rPr lang="zh-TW" altLang="en-US" b="0" i="0" dirty="0">
+                <a:solidFill>
+                  <a:srgbClr val="282523"/>
+                </a:solidFill>
+                <a:effectLst/>
+                <a:latin typeface="Ginto"/>
+              </a:rPr>
+              <a:t>包含</a:t>
+            </a:r>
+            <a:r>
+              <a:rPr lang="en-US" altLang="zh-TW" b="0" i="0" dirty="0">
+                <a:solidFill>
+                  <a:srgbClr val="282523"/>
+                </a:solidFill>
+                <a:effectLst/>
+                <a:latin typeface="Ginto"/>
+              </a:rPr>
+              <a:t>Q</a:t>
+            </a:r>
+            <a:r>
+              <a:rPr lang="zh-TW" altLang="en-US" b="0" i="0" dirty="0">
+                <a:solidFill>
+                  <a:srgbClr val="282523"/>
+                </a:solidFill>
+                <a:effectLst/>
+                <a:latin typeface="Ginto"/>
+              </a:rPr>
+              <a:t>版的主動脈瓣</a:t>
+            </a:r>
+            <a:r>
+              <a:rPr lang="en-US" altLang="zh-TW" b="0" i="0" dirty="0">
+                <a:solidFill>
+                  <a:srgbClr val="282523"/>
+                </a:solidFill>
+                <a:effectLst/>
+                <a:latin typeface="Ginto"/>
+              </a:rPr>
+              <a:t>)</a:t>
+            </a:r>
+            <a:r>
+              <a:rPr lang="zh-TW" altLang="en-US" b="0" i="0" dirty="0">
+                <a:solidFill>
+                  <a:srgbClr val="282523"/>
+                </a:solidFill>
+                <a:effectLst/>
+                <a:latin typeface="Ginto"/>
+              </a:rPr>
+              <a:t>還有疑惑的表情人物旁邊有問號，讓我可以看圖說故事。讓我可以看圖說故事</a:t>
+            </a:r>
+            <a:r>
+              <a:rPr lang="en-US" altLang="zh-TW" b="0" i="0" dirty="0">
+                <a:solidFill>
+                  <a:srgbClr val="282523"/>
+                </a:solidFill>
+                <a:effectLst/>
+                <a:latin typeface="Ginto"/>
+              </a:rPr>
+              <a:t>(</a:t>
+            </a:r>
+            <a:r>
+              <a:rPr lang="zh-TW" altLang="en-US" b="0" i="0" dirty="0">
+                <a:solidFill>
+                  <a:srgbClr val="282523"/>
+                </a:solidFill>
+                <a:effectLst/>
+                <a:latin typeface="Ginto"/>
+              </a:rPr>
+              <a:t>圖片中千萬不能有任何文字</a:t>
+            </a:r>
+            <a:r>
+              <a:rPr lang="en-US" altLang="zh-TW" b="0" i="0" dirty="0">
+                <a:solidFill>
+                  <a:srgbClr val="282523"/>
+                </a:solidFill>
+                <a:effectLst/>
+                <a:latin typeface="Ginto"/>
+              </a:rPr>
+              <a:t>)</a:t>
+            </a:r>
+            <a:r>
+              <a:rPr lang="zh-TW" altLang="en-US" b="0" i="0" dirty="0">
+                <a:solidFill>
+                  <a:srgbClr val="282523"/>
+                </a:solidFill>
+                <a:effectLst/>
+                <a:latin typeface="Ginto"/>
+              </a:rPr>
+              <a:t>。</a:t>
+            </a:r>
+            <a:endParaRPr lang="zh-TW" altLang="en-US" b="0" i="0" dirty="0">
+              <a:solidFill>
+                <a:srgbClr val="282523"/>
+              </a:solidFill>
+              <a:effectLst/>
+              <a:highlight>
+                <a:srgbClr val="F8F4F2"/>
+              </a:highlight>
+              <a:latin typeface="Ginto"/>
+            </a:endParaRPr>
+          </a:p>
+        </p:txBody>
+      </p:sp>
+      <p:sp>
+        <p:nvSpPr>
+          <p:cNvPr id="4" name="投影片編號版面配置區 3"/>
+          <p:cNvSpPr>
+            <a:spLocks noGrp="1"/>
+          </p:cNvSpPr>
+          <p:nvPr>
+            <p:ph type="sldNum" sz="quarter" idx="5"/>
+          </p:nvPr>
+        </p:nvSpPr>
+        <p:spPr/>
+        <p:txBody>
+          <a:bodyPr/>
+          <a:lstStyle/>
+          <a:p>
+            <a:fld id="{A33D6E49-B626-4B80-9E21-BA59F75776F8}" type="slidenum">
+              <a:rPr lang="zh-TW" altLang="en-US" smtClean="0"/>
+              <a:t>3</a:t>
+            </a:fld>
+            <a:endParaRPr lang="zh-TW" altLang="en-US"/>
+          </a:p>
+        </p:txBody>
+      </p:sp>
+    </p:spTree>
+    <p:extLst>
+      <p:ext uri="{BB962C8B-B14F-4D97-AF65-F5344CB8AC3E}">
+        <p14:creationId xmlns:p14="http://schemas.microsoft.com/office/powerpoint/2010/main" val="3878831978"/>
+      </p:ext>
+    </p:extLst>
+  </p:cSld>
+  <p:clrMapOvr>
+    <a:masterClrMapping/>
+  </p:clrMapOvr>
+</p:notes>
+</file>
+
+<file path=ppt/notesSlides/notesSlide4.xml><?xml version="1.0" encoding="utf-8"?>
+<p:notes xmlns:a="http://schemas.openxmlformats.org/drawingml/2006/main" xmlns:r="http://schemas.openxmlformats.org/officeDocument/2006/relationships" xmlns:p="http://schemas.openxmlformats.org/presentationml/2006/main">
+  <p:cSld>
+    <p:spTree>
+      <p:nvGrpSpPr>
+        <p:cNvPr id="1" name=""/>
+        <p:cNvGrpSpPr/>
+        <p:nvPr/>
+      </p:nvGrpSpPr>
+      <p:grpSpPr>
+        <a:xfrm>
+          <a:off x="0" y="0"/>
+          <a:ext cx="0" cy="0"/>
+          <a:chOff x="0" y="0"/>
+          <a:chExt cx="0" cy="0"/>
+        </a:xfrm>
+      </p:grpSpPr>
+      <p:sp>
+        <p:nvSpPr>
+          <p:cNvPr id="2" name="投影片影像版面配置區 1"/>
+          <p:cNvSpPr>
+            <a:spLocks noGrp="1" noRot="1" noChangeAspect="1"/>
+          </p:cNvSpPr>
+          <p:nvPr>
+            <p:ph type="sldImg"/>
+          </p:nvPr>
+        </p:nvSpPr>
+        <p:spPr/>
+      </p:sp>
+      <p:sp>
+        <p:nvSpPr>
+          <p:cNvPr id="3" name="備忘稿版面配置區 2"/>
+          <p:cNvSpPr>
+            <a:spLocks noGrp="1"/>
+          </p:cNvSpPr>
+          <p:nvPr>
+            <p:ph type="body" idx="1"/>
+          </p:nvPr>
+        </p:nvSpPr>
+        <p:spPr/>
+        <p:txBody>
+          <a:bodyPr/>
+          <a:lstStyle/>
+          <a:p>
+            <a:pPr marL="0" marR="0" lvl="0" indent="0" algn="l" defTabSz="914400" rtl="0" eaLnBrk="1" fontAlgn="auto" latinLnBrk="0" hangingPunct="1">
+              <a:lnSpc>
+                <a:spcPct val="100000"/>
+              </a:lnSpc>
+              <a:spcBef>
+                <a:spcPts val="0"/>
+              </a:spcBef>
+              <a:spcAft>
+                <a:spcPts val="0"/>
+              </a:spcAft>
+              <a:buClrTx/>
+              <a:buSzTx/>
+              <a:buFontTx/>
+              <a:buNone/>
+              <a:tabLst/>
+              <a:defRPr/>
+            </a:pPr>
+            <a:r>
+              <a:rPr lang="zh-TW" altLang="en-US" b="0" i="0" dirty="0">
+                <a:solidFill>
+                  <a:srgbClr val="282523"/>
+                </a:solidFill>
+                <a:effectLst/>
+                <a:highlight>
+                  <a:srgbClr val="F8F4F2"/>
+                </a:highlight>
+                <a:latin typeface="Ginto"/>
+              </a:rPr>
+              <a:t>小藍對主動脈瓣的位置一直搞錯，小藍把書上描述主動脈瓣的章節看了又看。主角小藍是男生擁有深藍色短髮、白皮膚細長臉、戴細框眼鏡、藍紫色眼睛</a:t>
+            </a:r>
+            <a:r>
+              <a:rPr lang="en-US" altLang="zh-TW" b="0" i="0" dirty="0">
+                <a:solidFill>
+                  <a:srgbClr val="282523"/>
+                </a:solidFill>
+                <a:effectLst/>
+                <a:highlight>
+                  <a:srgbClr val="F8F4F2"/>
+                </a:highlight>
+                <a:latin typeface="Ginto"/>
+              </a:rPr>
+              <a:t>(</a:t>
+            </a:r>
+            <a:r>
+              <a:rPr lang="zh-TW" altLang="en-US" b="0" i="0" dirty="0">
+                <a:solidFill>
+                  <a:srgbClr val="282523"/>
+                </a:solidFill>
+                <a:effectLst/>
+                <a:highlight>
+                  <a:srgbClr val="F8F4F2"/>
+                </a:highlight>
+                <a:latin typeface="Ginto"/>
+              </a:rPr>
+              <a:t>和頭髮很像</a:t>
+            </a:r>
+            <a:r>
+              <a:rPr lang="en-US" altLang="zh-TW" b="0" i="0" dirty="0">
+                <a:solidFill>
+                  <a:srgbClr val="282523"/>
+                </a:solidFill>
+                <a:effectLst/>
+                <a:highlight>
+                  <a:srgbClr val="F8F4F2"/>
+                </a:highlight>
+                <a:latin typeface="Ginto"/>
+              </a:rPr>
+              <a:t>)</a:t>
+            </a:r>
+            <a:r>
+              <a:rPr lang="zh-TW" altLang="en-US" b="0" i="0" dirty="0">
+                <a:solidFill>
+                  <a:srgbClr val="282523"/>
+                </a:solidFill>
+                <a:effectLst/>
+                <a:highlight>
+                  <a:srgbClr val="F8F4F2"/>
+                </a:highlight>
+                <a:latin typeface="Ginto"/>
+              </a:rPr>
+              <a:t>，並且是日本動漫風格，請根據前面描述生成小藍和適合他的腳色設定</a:t>
+            </a:r>
+            <a:r>
+              <a:rPr lang="en-US" altLang="zh-TW" b="0" i="0" dirty="0">
+                <a:solidFill>
+                  <a:srgbClr val="282523"/>
+                </a:solidFill>
+                <a:effectLst/>
+                <a:highlight>
+                  <a:srgbClr val="F8F4F2"/>
+                </a:highlight>
+                <a:latin typeface="Ginto"/>
+              </a:rPr>
+              <a:t>(</a:t>
+            </a:r>
+            <a:r>
+              <a:rPr lang="zh-TW" altLang="en-US" b="0" i="0" dirty="0">
+                <a:solidFill>
+                  <a:srgbClr val="282523"/>
+                </a:solidFill>
+                <a:effectLst/>
+                <a:highlight>
+                  <a:srgbClr val="F8F4F2"/>
+                </a:highlight>
+                <a:latin typeface="Ginto"/>
+              </a:rPr>
+              <a:t>醫學系、想成為心臟外科醫生</a:t>
+            </a:r>
+            <a:r>
+              <a:rPr lang="en-US" altLang="zh-TW" b="0" i="0" dirty="0">
+                <a:solidFill>
+                  <a:srgbClr val="282523"/>
+                </a:solidFill>
+                <a:effectLst/>
+                <a:highlight>
+                  <a:srgbClr val="F8F4F2"/>
+                </a:highlight>
+                <a:latin typeface="Ginto"/>
+              </a:rPr>
+              <a:t>)</a:t>
+            </a:r>
+            <a:r>
+              <a:rPr lang="zh-TW" altLang="en-US" b="0" i="0" dirty="0">
+                <a:solidFill>
+                  <a:srgbClr val="282523"/>
+                </a:solidFill>
+                <a:effectLst/>
+                <a:highlight>
+                  <a:srgbClr val="F8F4F2"/>
+                </a:highlight>
+                <a:latin typeface="Ginto"/>
+              </a:rPr>
+              <a:t>場景</a:t>
+            </a:r>
+            <a:r>
+              <a:rPr lang="en-US" altLang="zh-TW" b="0" i="0" dirty="0">
+                <a:solidFill>
+                  <a:srgbClr val="282523"/>
+                </a:solidFill>
+                <a:effectLst/>
+                <a:highlight>
+                  <a:srgbClr val="F8F4F2"/>
+                </a:highlight>
+                <a:latin typeface="Ginto"/>
+              </a:rPr>
+              <a:t>(</a:t>
+            </a:r>
+            <a:r>
+              <a:rPr lang="zh-TW" altLang="en-US" b="0" i="0" dirty="0">
+                <a:solidFill>
+                  <a:srgbClr val="282523"/>
+                </a:solidFill>
+                <a:effectLst/>
+                <a:highlight>
+                  <a:srgbClr val="F8F4F2"/>
+                </a:highlight>
+                <a:latin typeface="Ginto"/>
+              </a:rPr>
+              <a:t>認真看著書</a:t>
+            </a:r>
+            <a:r>
+              <a:rPr lang="en-US" altLang="zh-TW" b="0" i="0" dirty="0">
+                <a:solidFill>
+                  <a:srgbClr val="282523"/>
+                </a:solidFill>
+                <a:effectLst/>
+                <a:highlight>
+                  <a:srgbClr val="F8F4F2"/>
+                </a:highlight>
+                <a:latin typeface="Ginto"/>
+              </a:rPr>
+              <a:t>)</a:t>
+            </a:r>
+            <a:r>
+              <a:rPr lang="zh-TW" altLang="en-US" b="0" i="0" dirty="0">
+                <a:solidFill>
+                  <a:srgbClr val="282523"/>
+                </a:solidFill>
+                <a:effectLst/>
+                <a:highlight>
+                  <a:srgbClr val="F8F4F2"/>
+                </a:highlight>
+                <a:latin typeface="Ginto"/>
+              </a:rPr>
+              <a:t>，讓我可以看圖說故事。讓我可以看圖說故事</a:t>
+            </a:r>
+            <a:r>
+              <a:rPr lang="en-US" altLang="zh-TW" b="0" i="0" dirty="0">
+                <a:solidFill>
+                  <a:srgbClr val="282523"/>
+                </a:solidFill>
+                <a:effectLst/>
+                <a:highlight>
+                  <a:srgbClr val="F8F4F2"/>
+                </a:highlight>
+                <a:latin typeface="Ginto"/>
+              </a:rPr>
+              <a:t>(</a:t>
+            </a:r>
+            <a:r>
+              <a:rPr lang="zh-TW" altLang="en-US" b="0" i="0" dirty="0">
+                <a:solidFill>
+                  <a:srgbClr val="282523"/>
+                </a:solidFill>
+                <a:effectLst/>
+                <a:highlight>
+                  <a:srgbClr val="F8F4F2"/>
+                </a:highlight>
+                <a:latin typeface="Ginto"/>
+              </a:rPr>
+              <a:t>圖片中千萬不能有任何文字</a:t>
+            </a:r>
+            <a:r>
+              <a:rPr lang="en-US" altLang="zh-TW" b="0" i="0" dirty="0">
+                <a:solidFill>
+                  <a:srgbClr val="282523"/>
+                </a:solidFill>
+                <a:effectLst/>
+                <a:highlight>
+                  <a:srgbClr val="F8F4F2"/>
+                </a:highlight>
+                <a:latin typeface="Ginto"/>
+              </a:rPr>
+              <a:t>)</a:t>
+            </a:r>
+            <a:r>
+              <a:rPr lang="zh-TW" altLang="en-US" b="0" i="0" dirty="0">
+                <a:solidFill>
+                  <a:srgbClr val="282523"/>
+                </a:solidFill>
+                <a:effectLst/>
+                <a:highlight>
+                  <a:srgbClr val="F8F4F2"/>
+                </a:highlight>
+                <a:latin typeface="Ginto"/>
+              </a:rPr>
+              <a:t>。</a:t>
+            </a:r>
+          </a:p>
+          <a:p>
+            <a:endParaRPr lang="zh-TW" altLang="en-US" dirty="0"/>
+          </a:p>
+        </p:txBody>
+      </p:sp>
+      <p:sp>
+        <p:nvSpPr>
+          <p:cNvPr id="4" name="投影片編號版面配置區 3"/>
+          <p:cNvSpPr>
+            <a:spLocks noGrp="1"/>
+          </p:cNvSpPr>
+          <p:nvPr>
+            <p:ph type="sldNum" sz="quarter" idx="5"/>
+          </p:nvPr>
+        </p:nvSpPr>
+        <p:spPr/>
+        <p:txBody>
+          <a:bodyPr/>
+          <a:lstStyle/>
+          <a:p>
+            <a:fld id="{A33D6E49-B626-4B80-9E21-BA59F75776F8}" type="slidenum">
+              <a:rPr lang="zh-TW" altLang="en-US" smtClean="0"/>
+              <a:t>4</a:t>
+            </a:fld>
+            <a:endParaRPr lang="zh-TW" altLang="en-US"/>
+          </a:p>
+        </p:txBody>
+      </p:sp>
+    </p:spTree>
+    <p:extLst>
+      <p:ext uri="{BB962C8B-B14F-4D97-AF65-F5344CB8AC3E}">
+        <p14:creationId xmlns:p14="http://schemas.microsoft.com/office/powerpoint/2010/main" val="1952004891"/>
+      </p:ext>
+    </p:extLst>
+  </p:cSld>
+  <p:clrMapOvr>
+    <a:masterClrMapping/>
+  </p:clrMapOvr>
+</p:notes>
+</file>
+
+<file path=ppt/notesSlides/notesSlide5.xml><?xml version="1.0" encoding="utf-8"?>
+<p:notes xmlns:a="http://schemas.openxmlformats.org/drawingml/2006/main" xmlns:r="http://schemas.openxmlformats.org/officeDocument/2006/relationships" xmlns:p="http://schemas.openxmlformats.org/presentationml/2006/main">
+  <p:cSld>
+    <p:spTree>
+      <p:nvGrpSpPr>
+        <p:cNvPr id="1" name=""/>
+        <p:cNvGrpSpPr/>
+        <p:nvPr/>
+      </p:nvGrpSpPr>
+      <p:grpSpPr>
+        <a:xfrm>
+          <a:off x="0" y="0"/>
+          <a:ext cx="0" cy="0"/>
+          <a:chOff x="0" y="0"/>
+          <a:chExt cx="0" cy="0"/>
+        </a:xfrm>
+      </p:grpSpPr>
+      <p:sp>
+        <p:nvSpPr>
+          <p:cNvPr id="2" name="投影片影像版面配置區 1"/>
+          <p:cNvSpPr>
+            <a:spLocks noGrp="1" noRot="1" noChangeAspect="1"/>
+          </p:cNvSpPr>
+          <p:nvPr>
+            <p:ph type="sldImg"/>
+          </p:nvPr>
+        </p:nvSpPr>
+        <p:spPr/>
+      </p:sp>
+      <p:sp>
+        <p:nvSpPr>
+          <p:cNvPr id="3" name="備忘稿版面配置區 2"/>
+          <p:cNvSpPr>
+            <a:spLocks noGrp="1"/>
+          </p:cNvSpPr>
+          <p:nvPr>
+            <p:ph type="body" idx="1"/>
+          </p:nvPr>
+        </p:nvSpPr>
+        <p:spPr/>
+        <p:txBody>
+          <a:bodyPr/>
+          <a:lstStyle/>
+          <a:p>
+            <a:r>
+              <a:rPr lang="zh-TW" altLang="en-US" b="0" i="0" dirty="0">
+                <a:solidFill>
+                  <a:srgbClr val="282523"/>
+                </a:solidFill>
+                <a:effectLst/>
+                <a:latin typeface="Ginto"/>
+              </a:rPr>
+              <a:t>小藍對主動脈瓣的位置一直搞錯，小藍把書上描述主動脈瓣的部分一次次看過還是無法準確判斷主動脈瓣。主角小藍是男生擁有深藍色短髮、白皮膚細長臉、戴細框眼鏡、藍紫色眼睛</a:t>
+            </a:r>
+            <a:r>
+              <a:rPr lang="en-US" altLang="zh-TW" b="0" i="0" dirty="0">
+                <a:solidFill>
+                  <a:srgbClr val="282523"/>
+                </a:solidFill>
+                <a:effectLst/>
+                <a:latin typeface="Ginto"/>
+              </a:rPr>
+              <a:t>(</a:t>
+            </a:r>
+            <a:r>
+              <a:rPr lang="zh-TW" altLang="en-US" b="0" i="0" dirty="0">
+                <a:solidFill>
+                  <a:srgbClr val="282523"/>
+                </a:solidFill>
+                <a:effectLst/>
+                <a:latin typeface="Ginto"/>
+              </a:rPr>
+              <a:t>和頭髮很像</a:t>
+            </a:r>
+            <a:r>
+              <a:rPr lang="en-US" altLang="zh-TW" b="0" i="0" dirty="0">
+                <a:solidFill>
+                  <a:srgbClr val="282523"/>
+                </a:solidFill>
+                <a:effectLst/>
+                <a:latin typeface="Ginto"/>
+              </a:rPr>
+              <a:t>)</a:t>
+            </a:r>
+            <a:r>
+              <a:rPr lang="zh-TW" altLang="en-US" b="0" i="0" dirty="0">
+                <a:solidFill>
+                  <a:srgbClr val="282523"/>
+                </a:solidFill>
+                <a:effectLst/>
+                <a:latin typeface="Ginto"/>
+              </a:rPr>
+              <a:t>看起來很和善並帶著微笑，並且是日本動漫風格，請根據前面描述生成小藍和適合他的腳色設定</a:t>
+            </a:r>
+            <a:r>
+              <a:rPr lang="en-US" altLang="zh-TW" b="0" i="0" dirty="0">
+                <a:solidFill>
+                  <a:srgbClr val="282523"/>
+                </a:solidFill>
+                <a:effectLst/>
+                <a:latin typeface="Ginto"/>
+              </a:rPr>
+              <a:t>(</a:t>
+            </a:r>
+            <a:r>
+              <a:rPr lang="zh-TW" altLang="en-US" b="0" i="0" dirty="0">
+                <a:solidFill>
+                  <a:srgbClr val="282523"/>
+                </a:solidFill>
+                <a:effectLst/>
+                <a:latin typeface="Ginto"/>
+              </a:rPr>
+              <a:t>醫學系、想成為心臟外科醫生</a:t>
+            </a:r>
+            <a:r>
+              <a:rPr lang="en-US" altLang="zh-TW" b="0" i="0" dirty="0">
+                <a:solidFill>
+                  <a:srgbClr val="282523"/>
+                </a:solidFill>
+                <a:effectLst/>
+                <a:latin typeface="Ginto"/>
+              </a:rPr>
+              <a:t>)</a:t>
+            </a:r>
+            <a:r>
+              <a:rPr lang="zh-TW" altLang="en-US" b="0" i="0" dirty="0">
+                <a:solidFill>
+                  <a:srgbClr val="282523"/>
+                </a:solidFill>
+                <a:effectLst/>
+                <a:latin typeface="Ginto"/>
+              </a:rPr>
+              <a:t>場景</a:t>
+            </a:r>
+            <a:r>
+              <a:rPr lang="en-US" altLang="zh-TW" b="0" i="0" dirty="0">
+                <a:solidFill>
+                  <a:srgbClr val="282523"/>
+                </a:solidFill>
+                <a:effectLst/>
+                <a:latin typeface="Ginto"/>
+              </a:rPr>
+              <a:t>(</a:t>
+            </a:r>
+            <a:r>
+              <a:rPr lang="zh-TW" altLang="en-US" b="0" i="0" dirty="0">
+                <a:solidFill>
+                  <a:srgbClr val="282523"/>
+                </a:solidFill>
+                <a:effectLst/>
+                <a:latin typeface="Ginto"/>
+              </a:rPr>
+              <a:t>包含</a:t>
+            </a:r>
+            <a:r>
+              <a:rPr lang="en-US" altLang="zh-TW" b="0" i="0" dirty="0">
+                <a:solidFill>
+                  <a:srgbClr val="282523"/>
+                </a:solidFill>
+                <a:effectLst/>
+                <a:latin typeface="Ginto"/>
+              </a:rPr>
+              <a:t>Q</a:t>
+            </a:r>
+            <a:r>
+              <a:rPr lang="zh-TW" altLang="en-US" b="0" i="0" dirty="0">
+                <a:solidFill>
+                  <a:srgbClr val="282523"/>
+                </a:solidFill>
+                <a:effectLst/>
+                <a:latin typeface="Ginto"/>
+              </a:rPr>
+              <a:t>版的主動脈瓣</a:t>
+            </a:r>
+            <a:r>
+              <a:rPr lang="en-US" altLang="zh-TW" b="0" i="0" dirty="0">
+                <a:solidFill>
+                  <a:srgbClr val="282523"/>
+                </a:solidFill>
+                <a:effectLst/>
+                <a:latin typeface="Ginto"/>
+              </a:rPr>
+              <a:t>)</a:t>
+            </a:r>
+            <a:r>
+              <a:rPr lang="zh-TW" altLang="en-US" b="0" i="0" dirty="0">
+                <a:solidFill>
+                  <a:srgbClr val="282523"/>
+                </a:solidFill>
+                <a:effectLst/>
+                <a:latin typeface="Ginto"/>
+              </a:rPr>
+              <a:t>還有疑惑的表情人物旁邊有問號，讓我可以看圖說故事。讓我可以看圖說故事</a:t>
+            </a:r>
+            <a:r>
+              <a:rPr lang="en-US" altLang="zh-TW" b="0" i="0" dirty="0">
+                <a:solidFill>
+                  <a:srgbClr val="282523"/>
+                </a:solidFill>
+                <a:effectLst/>
+                <a:latin typeface="Ginto"/>
+              </a:rPr>
+              <a:t>(</a:t>
+            </a:r>
+            <a:r>
+              <a:rPr lang="zh-TW" altLang="en-US" b="0" i="0" dirty="0">
+                <a:solidFill>
+                  <a:srgbClr val="282523"/>
+                </a:solidFill>
+                <a:effectLst/>
+                <a:latin typeface="Ginto"/>
+              </a:rPr>
+              <a:t>圖片中千萬不能有任何文字</a:t>
+            </a:r>
+            <a:r>
+              <a:rPr lang="en-US" altLang="zh-TW" b="0" i="0" dirty="0">
+                <a:solidFill>
+                  <a:srgbClr val="282523"/>
+                </a:solidFill>
+                <a:effectLst/>
+                <a:latin typeface="Ginto"/>
+              </a:rPr>
+              <a:t>)</a:t>
+            </a:r>
+            <a:r>
+              <a:rPr lang="zh-TW" altLang="en-US" b="0" i="0" dirty="0">
+                <a:solidFill>
+                  <a:srgbClr val="282523"/>
+                </a:solidFill>
+                <a:effectLst/>
+                <a:latin typeface="Ginto"/>
+              </a:rPr>
+              <a:t>。</a:t>
+            </a:r>
+            <a:endParaRPr lang="zh-TW" altLang="en-US" dirty="0"/>
+          </a:p>
+        </p:txBody>
+      </p:sp>
+      <p:sp>
+        <p:nvSpPr>
+          <p:cNvPr id="4" name="投影片編號版面配置區 3"/>
+          <p:cNvSpPr>
+            <a:spLocks noGrp="1"/>
+          </p:cNvSpPr>
+          <p:nvPr>
+            <p:ph type="sldNum" sz="quarter" idx="5"/>
+          </p:nvPr>
+        </p:nvSpPr>
+        <p:spPr/>
+        <p:txBody>
+          <a:bodyPr/>
+          <a:lstStyle/>
+          <a:p>
+            <a:fld id="{A33D6E49-B626-4B80-9E21-BA59F75776F8}" type="slidenum">
+              <a:rPr lang="zh-TW" altLang="en-US" smtClean="0"/>
+              <a:t>5</a:t>
+            </a:fld>
+            <a:endParaRPr lang="zh-TW" altLang="en-US"/>
+          </a:p>
+        </p:txBody>
+      </p:sp>
+    </p:spTree>
+    <p:extLst>
+      <p:ext uri="{BB962C8B-B14F-4D97-AF65-F5344CB8AC3E}">
+        <p14:creationId xmlns:p14="http://schemas.microsoft.com/office/powerpoint/2010/main" val="1813277496"/>
+      </p:ext>
+    </p:extLst>
+  </p:cSld>
+  <p:clrMapOvr>
+    <a:masterClrMapping/>
+  </p:clrMapOvr>
+</p:notes>
+</file>
+
+<file path=ppt/notesSlides/notesSlide6.xml><?xml version="1.0" encoding="utf-8"?>
+<p:notes xmlns:a="http://schemas.openxmlformats.org/drawingml/2006/main" xmlns:r="http://schemas.openxmlformats.org/officeDocument/2006/relationships" xmlns:p="http://schemas.openxmlformats.org/presentationml/2006/main">
+  <p:cSld>
+    <p:spTree>
+      <p:nvGrpSpPr>
+        <p:cNvPr id="1" name=""/>
+        <p:cNvGrpSpPr/>
+        <p:nvPr/>
+      </p:nvGrpSpPr>
+      <p:grpSpPr>
+        <a:xfrm>
+          <a:off x="0" y="0"/>
+          <a:ext cx="0" cy="0"/>
+          <a:chOff x="0" y="0"/>
+          <a:chExt cx="0" cy="0"/>
+        </a:xfrm>
+      </p:grpSpPr>
+      <p:sp>
+        <p:nvSpPr>
+          <p:cNvPr id="2" name="投影片影像版面配置區 1"/>
+          <p:cNvSpPr>
+            <a:spLocks noGrp="1" noRot="1" noChangeAspect="1"/>
+          </p:cNvSpPr>
+          <p:nvPr>
+            <p:ph type="sldImg"/>
+          </p:nvPr>
+        </p:nvSpPr>
+        <p:spPr/>
+      </p:sp>
+      <p:sp>
+        <p:nvSpPr>
+          <p:cNvPr id="3" name="備忘稿版面配置區 2"/>
+          <p:cNvSpPr>
+            <a:spLocks noGrp="1"/>
+          </p:cNvSpPr>
+          <p:nvPr>
+            <p:ph type="body" idx="1"/>
+          </p:nvPr>
+        </p:nvSpPr>
+        <p:spPr/>
+        <p:txBody>
+          <a:bodyPr/>
+          <a:lstStyle/>
+          <a:p>
+            <a:pPr marL="0" marR="0" lvl="0" indent="0" algn="l" defTabSz="914400" rtl="0" eaLnBrk="1" fontAlgn="auto" latinLnBrk="0" hangingPunct="1">
+              <a:lnSpc>
+                <a:spcPct val="100000"/>
+              </a:lnSpc>
+              <a:spcBef>
+                <a:spcPts val="0"/>
+              </a:spcBef>
+              <a:spcAft>
+                <a:spcPts val="0"/>
+              </a:spcAft>
+              <a:buClrTx/>
+              <a:buSzTx/>
+              <a:buFontTx/>
+              <a:buNone/>
+              <a:tabLst/>
+              <a:defRPr/>
+            </a:pPr>
+            <a:r>
+              <a:rPr lang="zh-TW" altLang="en-US" b="0" i="0" dirty="0">
+                <a:solidFill>
+                  <a:srgbClr val="282523"/>
+                </a:solidFill>
+                <a:effectLst/>
+                <a:latin typeface="Ginto"/>
+              </a:rPr>
+              <a:t>剛好我的老師和北科大資工系的老師在合作一個主動脈瓣偵測的計畫，所以請我幫忙標註主動脈瓣，也順便當作練習。主角小藍是男生擁有深藍色短髮、白皮膚細長臉、戴細框眼鏡、藍紫色眼睛</a:t>
+            </a:r>
+            <a:r>
+              <a:rPr lang="en-US" altLang="zh-TW" b="0" i="0" dirty="0">
+                <a:solidFill>
+                  <a:srgbClr val="282523"/>
+                </a:solidFill>
+                <a:effectLst/>
+                <a:latin typeface="Ginto"/>
+              </a:rPr>
+              <a:t>(</a:t>
+            </a:r>
+            <a:r>
+              <a:rPr lang="zh-TW" altLang="en-US" b="0" i="0" dirty="0">
+                <a:solidFill>
+                  <a:srgbClr val="282523"/>
+                </a:solidFill>
+                <a:effectLst/>
+                <a:latin typeface="Ginto"/>
+              </a:rPr>
+              <a:t>和頭髮很像</a:t>
+            </a:r>
+            <a:r>
+              <a:rPr lang="en-US" altLang="zh-TW" b="0" i="0" dirty="0">
+                <a:solidFill>
+                  <a:srgbClr val="282523"/>
+                </a:solidFill>
+                <a:effectLst/>
+                <a:latin typeface="Ginto"/>
+              </a:rPr>
+              <a:t>)</a:t>
+            </a:r>
+            <a:r>
+              <a:rPr lang="zh-TW" altLang="en-US" b="0" i="0" dirty="0">
+                <a:solidFill>
+                  <a:srgbClr val="282523"/>
+                </a:solidFill>
+                <a:effectLst/>
+                <a:latin typeface="Ginto"/>
+              </a:rPr>
+              <a:t>看起來很和善並帶著微笑，並且是日本動漫風格，穿著深藍色和淺藍色相間的短袖，請根據前面描述生成小藍和適合他的腳色設定</a:t>
+            </a:r>
+            <a:r>
+              <a:rPr lang="en-US" altLang="zh-TW" b="0" i="0" dirty="0">
+                <a:solidFill>
+                  <a:srgbClr val="282523"/>
+                </a:solidFill>
+                <a:effectLst/>
+                <a:latin typeface="Ginto"/>
+              </a:rPr>
+              <a:t>(</a:t>
+            </a:r>
+            <a:r>
+              <a:rPr lang="zh-TW" altLang="en-US" b="0" i="0" dirty="0">
+                <a:solidFill>
+                  <a:srgbClr val="282523"/>
+                </a:solidFill>
+                <a:effectLst/>
+                <a:latin typeface="Ginto"/>
+              </a:rPr>
+              <a:t>醫學系、想成為心臟外科醫生</a:t>
+            </a:r>
+            <a:r>
+              <a:rPr lang="en-US" altLang="zh-TW" b="0" i="0" dirty="0">
+                <a:solidFill>
+                  <a:srgbClr val="282523"/>
+                </a:solidFill>
+                <a:effectLst/>
+                <a:latin typeface="Ginto"/>
+              </a:rPr>
+              <a:t>)</a:t>
+            </a:r>
+            <a:r>
+              <a:rPr lang="zh-TW" altLang="en-US" b="0" i="0" dirty="0">
+                <a:solidFill>
+                  <a:srgbClr val="282523"/>
+                </a:solidFill>
+                <a:effectLst/>
+                <a:latin typeface="Ginto"/>
+              </a:rPr>
+              <a:t>場景，讓我可以看圖說故事。讓我可以看圖說故事</a:t>
+            </a:r>
+            <a:r>
+              <a:rPr lang="en-US" altLang="zh-TW" b="0" i="0" dirty="0">
+                <a:solidFill>
+                  <a:srgbClr val="282523"/>
+                </a:solidFill>
+                <a:effectLst/>
+                <a:latin typeface="Ginto"/>
+              </a:rPr>
+              <a:t>(</a:t>
+            </a:r>
+            <a:r>
+              <a:rPr lang="zh-TW" altLang="en-US" b="0" i="0" dirty="0">
+                <a:solidFill>
+                  <a:srgbClr val="282523"/>
+                </a:solidFill>
+                <a:effectLst/>
+                <a:latin typeface="Ginto"/>
+              </a:rPr>
+              <a:t>圖片中千萬不能有任何文字</a:t>
+            </a:r>
+            <a:r>
+              <a:rPr lang="en-US" altLang="zh-TW" b="0" i="0" dirty="0">
+                <a:solidFill>
+                  <a:srgbClr val="282523"/>
+                </a:solidFill>
+                <a:effectLst/>
+                <a:latin typeface="Ginto"/>
+              </a:rPr>
+              <a:t>)</a:t>
+            </a:r>
+            <a:r>
+              <a:rPr lang="zh-TW" altLang="en-US" b="0" i="0" dirty="0">
+                <a:solidFill>
+                  <a:srgbClr val="282523"/>
+                </a:solidFill>
+                <a:effectLst/>
+                <a:latin typeface="Ginto"/>
+              </a:rPr>
+              <a:t>。</a:t>
+            </a:r>
+            <a:endParaRPr lang="zh-TW" altLang="en-US" dirty="0"/>
+          </a:p>
+          <a:p>
+            <a:endParaRPr lang="zh-TW" altLang="en-US" dirty="0"/>
+          </a:p>
+        </p:txBody>
+      </p:sp>
+      <p:sp>
+        <p:nvSpPr>
+          <p:cNvPr id="4" name="投影片編號版面配置區 3"/>
+          <p:cNvSpPr>
+            <a:spLocks noGrp="1"/>
+          </p:cNvSpPr>
+          <p:nvPr>
+            <p:ph type="sldNum" sz="quarter" idx="5"/>
+          </p:nvPr>
+        </p:nvSpPr>
+        <p:spPr/>
+        <p:txBody>
+          <a:bodyPr/>
+          <a:lstStyle/>
+          <a:p>
+            <a:fld id="{A33D6E49-B626-4B80-9E21-BA59F75776F8}" type="slidenum">
+              <a:rPr lang="zh-TW" altLang="en-US" smtClean="0"/>
+              <a:t>6</a:t>
+            </a:fld>
+            <a:endParaRPr lang="zh-TW" altLang="en-US"/>
+          </a:p>
+        </p:txBody>
+      </p:sp>
+    </p:spTree>
+    <p:extLst>
+      <p:ext uri="{BB962C8B-B14F-4D97-AF65-F5344CB8AC3E}">
+        <p14:creationId xmlns:p14="http://schemas.microsoft.com/office/powerpoint/2010/main" val="3949013063"/>
+      </p:ext>
+    </p:extLst>
+  </p:cSld>
+  <p:clrMapOvr>
+    <a:masterClrMapping/>
+  </p:clrMapOvr>
+</p:notes>
+</file>
+
+<file path=ppt/notesSlides/notesSlide7.xml><?xml version="1.0" encoding="utf-8"?>
+<p:notes xmlns:a="http://schemas.openxmlformats.org/drawingml/2006/main" xmlns:r="http://schemas.openxmlformats.org/officeDocument/2006/relationships" xmlns:p="http://schemas.openxmlformats.org/presentationml/2006/main">
+  <p:cSld>
+    <p:spTree>
+      <p:nvGrpSpPr>
+        <p:cNvPr id="1" name=""/>
+        <p:cNvGrpSpPr/>
+        <p:nvPr/>
+      </p:nvGrpSpPr>
+      <p:grpSpPr>
+        <a:xfrm>
+          <a:off x="0" y="0"/>
+          <a:ext cx="0" cy="0"/>
+          <a:chOff x="0" y="0"/>
+          <a:chExt cx="0" cy="0"/>
+        </a:xfrm>
+      </p:grpSpPr>
+      <p:sp>
+        <p:nvSpPr>
+          <p:cNvPr id="2" name="投影片影像版面配置區 1"/>
+          <p:cNvSpPr>
+            <a:spLocks noGrp="1" noRot="1" noChangeAspect="1"/>
+          </p:cNvSpPr>
+          <p:nvPr>
+            <p:ph type="sldImg"/>
+          </p:nvPr>
+        </p:nvSpPr>
+        <p:spPr/>
+      </p:sp>
+      <p:sp>
+        <p:nvSpPr>
+          <p:cNvPr id="3" name="備忘稿版面配置區 2"/>
+          <p:cNvSpPr>
+            <a:spLocks noGrp="1"/>
+          </p:cNvSpPr>
+          <p:nvPr>
+            <p:ph type="body" idx="1"/>
+          </p:nvPr>
+        </p:nvSpPr>
+        <p:spPr/>
+        <p:txBody>
+          <a:bodyPr/>
+          <a:lstStyle/>
+          <a:p>
+            <a:pPr marL="0" marR="0" lvl="0" indent="0" algn="l" defTabSz="914400" rtl="0" eaLnBrk="1" fontAlgn="auto" latinLnBrk="0" hangingPunct="1">
+              <a:lnSpc>
+                <a:spcPct val="100000"/>
+              </a:lnSpc>
+              <a:spcBef>
+                <a:spcPts val="0"/>
+              </a:spcBef>
+              <a:spcAft>
+                <a:spcPts val="0"/>
+              </a:spcAft>
+              <a:buClrTx/>
+              <a:buSzTx/>
+              <a:buFontTx/>
+              <a:buNone/>
+              <a:tabLst/>
+              <a:defRPr/>
+            </a:pPr>
+            <a:r>
+              <a:rPr lang="zh-TW" altLang="en-US" b="0" i="0" dirty="0">
+                <a:solidFill>
+                  <a:srgbClr val="282523"/>
+                </a:solidFill>
+                <a:effectLst/>
+                <a:latin typeface="Ginto"/>
+              </a:rPr>
+              <a:t>一開始小藍還是搞不清楚主動脈瓣的位置，但透過一張張圖片的標註。主角小藍是男生擁有深藍色短髮、白皮膚細長臉、戴細框眼鏡、藍紫色眼睛</a:t>
+            </a:r>
+            <a:r>
+              <a:rPr lang="en-US" altLang="zh-TW" b="0" i="0" dirty="0">
+                <a:solidFill>
+                  <a:srgbClr val="282523"/>
+                </a:solidFill>
+                <a:effectLst/>
+                <a:latin typeface="Ginto"/>
+              </a:rPr>
+              <a:t>(</a:t>
+            </a:r>
+            <a:r>
+              <a:rPr lang="zh-TW" altLang="en-US" b="0" i="0" dirty="0">
+                <a:solidFill>
+                  <a:srgbClr val="282523"/>
+                </a:solidFill>
+                <a:effectLst/>
+                <a:latin typeface="Ginto"/>
+              </a:rPr>
+              <a:t>和頭髮很像</a:t>
+            </a:r>
+            <a:r>
+              <a:rPr lang="en-US" altLang="zh-TW" b="0" i="0" dirty="0">
+                <a:solidFill>
+                  <a:srgbClr val="282523"/>
+                </a:solidFill>
+                <a:effectLst/>
+                <a:latin typeface="Ginto"/>
+              </a:rPr>
+              <a:t>)</a:t>
+            </a:r>
+            <a:r>
+              <a:rPr lang="zh-TW" altLang="en-US" b="0" i="0" dirty="0">
+                <a:solidFill>
+                  <a:srgbClr val="282523"/>
+                </a:solidFill>
+                <a:effectLst/>
+                <a:latin typeface="Ginto"/>
+              </a:rPr>
+              <a:t>看起來很和善並帶著微笑，並且是日本動漫風格，穿著深藍色和淺藍色相間的短袖，請根據前面描述生成小藍和適合他的腳色設定</a:t>
+            </a:r>
+            <a:r>
+              <a:rPr lang="en-US" altLang="zh-TW" b="0" i="0" dirty="0">
+                <a:solidFill>
+                  <a:srgbClr val="282523"/>
+                </a:solidFill>
+                <a:effectLst/>
+                <a:latin typeface="Ginto"/>
+              </a:rPr>
+              <a:t>(</a:t>
+            </a:r>
+            <a:r>
+              <a:rPr lang="zh-TW" altLang="en-US" b="0" i="0" dirty="0">
+                <a:solidFill>
+                  <a:srgbClr val="282523"/>
+                </a:solidFill>
+                <a:effectLst/>
+                <a:latin typeface="Ginto"/>
+              </a:rPr>
+              <a:t>醫學系、想成為心臟外科醫生</a:t>
+            </a:r>
+            <a:r>
+              <a:rPr lang="en-US" altLang="zh-TW" b="0" i="0" dirty="0">
+                <a:solidFill>
+                  <a:srgbClr val="282523"/>
+                </a:solidFill>
+                <a:effectLst/>
+                <a:latin typeface="Ginto"/>
+              </a:rPr>
+              <a:t>)</a:t>
+            </a:r>
+            <a:r>
+              <a:rPr lang="zh-TW" altLang="en-US" b="0" i="0" dirty="0">
+                <a:solidFill>
+                  <a:srgbClr val="282523"/>
+                </a:solidFill>
+                <a:effectLst/>
+                <a:latin typeface="Ginto"/>
+              </a:rPr>
+              <a:t>場景，讓我可以看圖說故事。讓我可以看圖說故事</a:t>
+            </a:r>
+            <a:r>
+              <a:rPr lang="en-US" altLang="zh-TW" b="0" i="0" dirty="0">
+                <a:solidFill>
+                  <a:srgbClr val="282523"/>
+                </a:solidFill>
+                <a:effectLst/>
+                <a:latin typeface="Ginto"/>
+              </a:rPr>
+              <a:t>(</a:t>
+            </a:r>
+            <a:r>
+              <a:rPr lang="zh-TW" altLang="en-US" b="0" i="0" dirty="0">
+                <a:solidFill>
+                  <a:srgbClr val="282523"/>
+                </a:solidFill>
+                <a:effectLst/>
+                <a:latin typeface="Ginto"/>
+              </a:rPr>
+              <a:t>圖片中千萬不能有任何文字</a:t>
+            </a:r>
+            <a:r>
+              <a:rPr lang="en-US" altLang="zh-TW" b="0" i="0" dirty="0">
+                <a:solidFill>
+                  <a:srgbClr val="282523"/>
+                </a:solidFill>
+                <a:effectLst/>
+                <a:latin typeface="Ginto"/>
+              </a:rPr>
+              <a:t>)</a:t>
+            </a:r>
+            <a:r>
+              <a:rPr lang="zh-TW" altLang="en-US" b="0" i="0" dirty="0">
+                <a:solidFill>
+                  <a:srgbClr val="282523"/>
+                </a:solidFill>
+                <a:effectLst/>
+                <a:latin typeface="Ginto"/>
+              </a:rPr>
+              <a:t>。</a:t>
+            </a:r>
+            <a:endParaRPr lang="zh-TW" altLang="en-US" dirty="0"/>
+          </a:p>
+          <a:p>
+            <a:endParaRPr lang="zh-TW" altLang="en-US" dirty="0"/>
+          </a:p>
+        </p:txBody>
+      </p:sp>
+      <p:sp>
+        <p:nvSpPr>
+          <p:cNvPr id="4" name="投影片編號版面配置區 3"/>
+          <p:cNvSpPr>
+            <a:spLocks noGrp="1"/>
+          </p:cNvSpPr>
+          <p:nvPr>
+            <p:ph type="sldNum" sz="quarter" idx="5"/>
+          </p:nvPr>
+        </p:nvSpPr>
+        <p:spPr/>
+        <p:txBody>
+          <a:bodyPr/>
+          <a:lstStyle/>
+          <a:p>
+            <a:fld id="{A33D6E49-B626-4B80-9E21-BA59F75776F8}" type="slidenum">
+              <a:rPr lang="zh-TW" altLang="en-US" smtClean="0"/>
+              <a:t>7</a:t>
+            </a:fld>
+            <a:endParaRPr lang="zh-TW" altLang="en-US"/>
+          </a:p>
+        </p:txBody>
+      </p:sp>
+    </p:spTree>
+    <p:extLst>
+      <p:ext uri="{BB962C8B-B14F-4D97-AF65-F5344CB8AC3E}">
+        <p14:creationId xmlns:p14="http://schemas.microsoft.com/office/powerpoint/2010/main" val="937657847"/>
+      </p:ext>
+    </p:extLst>
+  </p:cSld>
+  <p:clrMapOvr>
+    <a:masterClrMapping/>
+  </p:clrMapOvr>
+</p:notes>
+</file>
+
+<file path=ppt/notesSlides/notesSlide8.xml><?xml version="1.0" encoding="utf-8"?>
+<p:notes xmlns:a="http://schemas.openxmlformats.org/drawingml/2006/main" xmlns:r="http://schemas.openxmlformats.org/officeDocument/2006/relationships" xmlns:p="http://schemas.openxmlformats.org/presentationml/2006/main">
+  <p:cSld>
+    <p:spTree>
+      <p:nvGrpSpPr>
+        <p:cNvPr id="1" name=""/>
+        <p:cNvGrpSpPr/>
+        <p:nvPr/>
+      </p:nvGrpSpPr>
+      <p:grpSpPr>
+        <a:xfrm>
+          <a:off x="0" y="0"/>
+          <a:ext cx="0" cy="0"/>
+          <a:chOff x="0" y="0"/>
+          <a:chExt cx="0" cy="0"/>
+        </a:xfrm>
+      </p:grpSpPr>
+      <p:sp>
+        <p:nvSpPr>
+          <p:cNvPr id="2" name="投影片影像版面配置區 1"/>
+          <p:cNvSpPr>
+            <a:spLocks noGrp="1" noRot="1" noChangeAspect="1"/>
+          </p:cNvSpPr>
+          <p:nvPr>
+            <p:ph type="sldImg"/>
+          </p:nvPr>
+        </p:nvSpPr>
+        <p:spPr/>
+      </p:sp>
+      <p:sp>
+        <p:nvSpPr>
+          <p:cNvPr id="3" name="備忘稿版面配置區 2"/>
+          <p:cNvSpPr>
+            <a:spLocks noGrp="1"/>
+          </p:cNvSpPr>
+          <p:nvPr>
+            <p:ph type="body" idx="1"/>
+          </p:nvPr>
+        </p:nvSpPr>
+        <p:spPr/>
+        <p:txBody>
+          <a:bodyPr/>
+          <a:lstStyle/>
+          <a:p>
+            <a:pPr marL="0" marR="0" lvl="0" indent="0" algn="l" defTabSz="914400" rtl="0" eaLnBrk="1" fontAlgn="auto" latinLnBrk="0" hangingPunct="1">
+              <a:lnSpc>
+                <a:spcPct val="100000"/>
+              </a:lnSpc>
+              <a:spcBef>
+                <a:spcPts val="0"/>
+              </a:spcBef>
+              <a:spcAft>
+                <a:spcPts val="0"/>
+              </a:spcAft>
+              <a:buClrTx/>
+              <a:buSzTx/>
+              <a:buFontTx/>
+              <a:buNone/>
+              <a:tabLst/>
+              <a:defRPr/>
+            </a:pPr>
+            <a:r>
+              <a:rPr lang="zh-TW" altLang="en-US" b="0" i="0" dirty="0">
+                <a:solidFill>
+                  <a:srgbClr val="282523"/>
+                </a:solidFill>
+                <a:effectLst/>
+                <a:latin typeface="Ginto"/>
+              </a:rPr>
+              <a:t>小藍是一名醫學系六年級的學生，立志要成為心臟外科醫師。主角小藍是男生擁有深藍色短髮、白皮膚細長臉、戴細框眼鏡、藍紫色眼睛</a:t>
+            </a:r>
+            <a:r>
+              <a:rPr lang="en-US" altLang="zh-TW" b="0" i="0" dirty="0">
+                <a:solidFill>
+                  <a:srgbClr val="282523"/>
+                </a:solidFill>
+                <a:effectLst/>
+                <a:latin typeface="Ginto"/>
+              </a:rPr>
+              <a:t>(</a:t>
+            </a:r>
+            <a:r>
+              <a:rPr lang="zh-TW" altLang="en-US" b="0" i="0" dirty="0">
+                <a:solidFill>
+                  <a:srgbClr val="282523"/>
+                </a:solidFill>
+                <a:effectLst/>
+                <a:latin typeface="Ginto"/>
+              </a:rPr>
+              <a:t>和頭髮很像</a:t>
+            </a:r>
+            <a:r>
+              <a:rPr lang="en-US" altLang="zh-TW" b="0" i="0" dirty="0">
+                <a:solidFill>
+                  <a:srgbClr val="282523"/>
+                </a:solidFill>
+                <a:effectLst/>
+                <a:latin typeface="Ginto"/>
+              </a:rPr>
+              <a:t>)</a:t>
+            </a:r>
+            <a:r>
+              <a:rPr lang="zh-TW" altLang="en-US" b="0" i="0" dirty="0">
+                <a:solidFill>
+                  <a:srgbClr val="282523"/>
+                </a:solidFill>
+                <a:effectLst/>
+                <a:latin typeface="Ginto"/>
+              </a:rPr>
+              <a:t>看起來很和善並帶著微笑，並且是日本動漫風格，穿著深藍色和淺藍色相間的短袖，請根據前面描述生成小藍和適合他的腳色設定</a:t>
+            </a:r>
+            <a:r>
+              <a:rPr lang="en-US" altLang="zh-TW" b="0" i="0" dirty="0">
+                <a:solidFill>
+                  <a:srgbClr val="282523"/>
+                </a:solidFill>
+                <a:effectLst/>
+                <a:latin typeface="Ginto"/>
+              </a:rPr>
+              <a:t>(</a:t>
+            </a:r>
+            <a:r>
+              <a:rPr lang="zh-TW" altLang="en-US" b="0" i="0" dirty="0">
+                <a:solidFill>
+                  <a:srgbClr val="282523"/>
+                </a:solidFill>
+                <a:effectLst/>
+                <a:latin typeface="Ginto"/>
+              </a:rPr>
+              <a:t>醫學系、想成為心臟外科醫生</a:t>
+            </a:r>
+            <a:r>
+              <a:rPr lang="en-US" altLang="zh-TW" b="0" i="0" dirty="0">
+                <a:solidFill>
+                  <a:srgbClr val="282523"/>
+                </a:solidFill>
+                <a:effectLst/>
+                <a:latin typeface="Ginto"/>
+              </a:rPr>
+              <a:t>)</a:t>
+            </a:r>
+            <a:r>
+              <a:rPr lang="zh-TW" altLang="en-US" b="0" i="0" dirty="0">
+                <a:solidFill>
+                  <a:srgbClr val="282523"/>
+                </a:solidFill>
+                <a:effectLst/>
+                <a:latin typeface="Ginto"/>
+              </a:rPr>
+              <a:t>場景，讓我可以看圖說故事。讓我可以看圖說故事</a:t>
+            </a:r>
+            <a:r>
+              <a:rPr lang="en-US" altLang="zh-TW" b="0" i="0" dirty="0">
+                <a:solidFill>
+                  <a:srgbClr val="282523"/>
+                </a:solidFill>
+                <a:effectLst/>
+                <a:latin typeface="Ginto"/>
+              </a:rPr>
+              <a:t>(</a:t>
+            </a:r>
+            <a:r>
+              <a:rPr lang="zh-TW" altLang="en-US" b="0" i="0" dirty="0">
+                <a:solidFill>
+                  <a:srgbClr val="282523"/>
+                </a:solidFill>
+                <a:effectLst/>
+                <a:latin typeface="Ginto"/>
+              </a:rPr>
+              <a:t>圖片中千萬不能有任何文字</a:t>
+            </a:r>
+            <a:r>
+              <a:rPr lang="en-US" altLang="zh-TW" b="0" i="0" dirty="0">
+                <a:solidFill>
+                  <a:srgbClr val="282523"/>
+                </a:solidFill>
+                <a:effectLst/>
+                <a:latin typeface="Ginto"/>
+              </a:rPr>
+              <a:t>)</a:t>
+            </a:r>
+            <a:r>
+              <a:rPr lang="zh-TW" altLang="en-US" b="0" i="0" dirty="0">
+                <a:solidFill>
+                  <a:srgbClr val="282523"/>
+                </a:solidFill>
+                <a:effectLst/>
+                <a:latin typeface="Ginto"/>
+              </a:rPr>
+              <a:t>。</a:t>
+            </a:r>
+            <a:endParaRPr lang="zh-TW" altLang="en-US" dirty="0"/>
+          </a:p>
+          <a:p>
+            <a:endParaRPr lang="zh-TW" altLang="en-US" dirty="0"/>
+          </a:p>
+        </p:txBody>
+      </p:sp>
+      <p:sp>
+        <p:nvSpPr>
+          <p:cNvPr id="4" name="投影片編號版面配置區 3"/>
+          <p:cNvSpPr>
+            <a:spLocks noGrp="1"/>
+          </p:cNvSpPr>
+          <p:nvPr>
+            <p:ph type="sldNum" sz="quarter" idx="5"/>
+          </p:nvPr>
+        </p:nvSpPr>
+        <p:spPr/>
+        <p:txBody>
+          <a:bodyPr/>
+          <a:lstStyle/>
+          <a:p>
+            <a:fld id="{A33D6E49-B626-4B80-9E21-BA59F75776F8}" type="slidenum">
+              <a:rPr lang="zh-TW" altLang="en-US" smtClean="0"/>
+              <a:t>8</a:t>
+            </a:fld>
+            <a:endParaRPr lang="zh-TW" altLang="en-US"/>
+          </a:p>
+        </p:txBody>
+      </p:sp>
+    </p:spTree>
+    <p:extLst>
+      <p:ext uri="{BB962C8B-B14F-4D97-AF65-F5344CB8AC3E}">
+        <p14:creationId xmlns:p14="http://schemas.microsoft.com/office/powerpoint/2010/main" val="1853951394"/>
+      </p:ext>
+    </p:extLst>
+  </p:cSld>
+  <p:clrMapOvr>
+    <a:masterClrMapping/>
+  </p:clrMapOvr>
+</p:notes>
 </file>
 
 <file path=ppt/slideLayouts/slideLayout1.xml><?xml version="1.0" encoding="utf-8"?>
@@ -129,7 +2375,7 @@
           <p:cNvPr id="2" name="標題 1">
             <a:extLst>
               <a:ext uri="{FF2B5EF4-FFF2-40B4-BE49-F238E27FC236}">
-                <a16:creationId xmlns:a16="http://schemas.microsoft.com/office/drawing/2014/main" id="{EB5CC918-B447-434E-B98E-5847BB49C259}"/>
+                <a16:creationId xmlns:a16="http://schemas.microsoft.com/office/drawing/2014/main" id="{DA976D70-B3AE-E9FD-2984-A2AE4B3E6C9F}"/>
               </a:ext>
             </a:extLst>
           </p:cNvPr>
@@ -166,7 +2412,7 @@
           <p:cNvPr id="3" name="副標題 2">
             <a:extLst>
               <a:ext uri="{FF2B5EF4-FFF2-40B4-BE49-F238E27FC236}">
-                <a16:creationId xmlns:a16="http://schemas.microsoft.com/office/drawing/2014/main" id="{817FCC70-CC4E-4CB6-B2CF-9FDA5AC4D346}"/>
+                <a16:creationId xmlns:a16="http://schemas.microsoft.com/office/drawing/2014/main" id="{6E73D6F4-59D5-F455-5F87-6F87DDDC53E6}"/>
               </a:ext>
             </a:extLst>
           </p:cNvPr>
@@ -236,7 +2482,7 @@
           <p:cNvPr id="4" name="日期版面配置區 3">
             <a:extLst>
               <a:ext uri="{FF2B5EF4-FFF2-40B4-BE49-F238E27FC236}">
-                <a16:creationId xmlns:a16="http://schemas.microsoft.com/office/drawing/2014/main" id="{BD08F018-0004-4322-AD0F-E6E740964233}"/>
+                <a16:creationId xmlns:a16="http://schemas.microsoft.com/office/drawing/2014/main" id="{6C760F2E-CB47-C886-36D4-362434994225}"/>
               </a:ext>
             </a:extLst>
           </p:cNvPr>
@@ -252,9 +2498,9 @@
           <a:bodyPr/>
           <a:lstStyle/>
           <a:p>
-            <a:fld id="{C3C90D7E-32D6-4894-AE08-7BBB3E610FC9}" type="datetimeFigureOut">
+            <a:fld id="{29C5B9B3-A2F1-4F61-B536-CCB8A05526C9}" type="datetimeFigureOut">
               <a:rPr lang="zh-TW" altLang="en-US" smtClean="0"/>
-              <a:t>2024/9/16</a:t>
+              <a:t>2024/10/21</a:t>
             </a:fld>
             <a:endParaRPr lang="zh-TW" altLang="en-US"/>
           </a:p>
@@ -265,7 +2511,7 @@
           <p:cNvPr id="5" name="頁尾版面配置區 4">
             <a:extLst>
               <a:ext uri="{FF2B5EF4-FFF2-40B4-BE49-F238E27FC236}">
-                <a16:creationId xmlns:a16="http://schemas.microsoft.com/office/drawing/2014/main" id="{30427B34-CB13-41C7-B2F2-CED9BDC5B595}"/>
+                <a16:creationId xmlns:a16="http://schemas.microsoft.com/office/drawing/2014/main" id="{F74A8A7B-077C-B48B-74ED-6E72EDB571DF}"/>
               </a:ext>
             </a:extLst>
           </p:cNvPr>
@@ -290,7 +2536,7 @@
           <p:cNvPr id="6" name="投影片編號版面配置區 5">
             <a:extLst>
               <a:ext uri="{FF2B5EF4-FFF2-40B4-BE49-F238E27FC236}">
-                <a16:creationId xmlns:a16="http://schemas.microsoft.com/office/drawing/2014/main" id="{76FA962E-5B03-439A-928C-87366876542D}"/>
+                <a16:creationId xmlns:a16="http://schemas.microsoft.com/office/drawing/2014/main" id="{A3D72F84-CF86-026D-027B-ABF6DC0B9AA8}"/>
               </a:ext>
             </a:extLst>
           </p:cNvPr>
@@ -306,7 +2552,7 @@
           <a:bodyPr/>
           <a:lstStyle/>
           <a:p>
-            <a:fld id="{E31EC408-072F-4346-BD0A-D6AA5788A305}" type="slidenum">
+            <a:fld id="{4EE9ADEE-C307-4E23-A7FD-F3C37E405BDB}" type="slidenum">
               <a:rPr lang="zh-TW" altLang="en-US" smtClean="0"/>
               <a:t>‹#›</a:t>
             </a:fld>
@@ -317,7 +2563,7 @@
     </p:spTree>
     <p:extLst>
       <p:ext uri="{BB962C8B-B14F-4D97-AF65-F5344CB8AC3E}">
-        <p14:creationId xmlns:p14="http://schemas.microsoft.com/office/powerpoint/2010/main" val="2963035110"/>
+        <p14:creationId xmlns:p14="http://schemas.microsoft.com/office/powerpoint/2010/main" val="3510674829"/>
       </p:ext>
     </p:extLst>
   </p:cSld>
@@ -349,7 +2595,7 @@
           <p:cNvPr id="2" name="標題 1">
             <a:extLst>
               <a:ext uri="{FF2B5EF4-FFF2-40B4-BE49-F238E27FC236}">
-                <a16:creationId xmlns:a16="http://schemas.microsoft.com/office/drawing/2014/main" id="{A02F0018-7F8E-4206-A929-07CDC6B5F34A}"/>
+                <a16:creationId xmlns:a16="http://schemas.microsoft.com/office/drawing/2014/main" id="{1A975D8A-2343-F8BB-7464-2B69AABD06C3}"/>
               </a:ext>
             </a:extLst>
           </p:cNvPr>
@@ -377,7 +2623,7 @@
           <p:cNvPr id="3" name="直排文字版面配置區 2">
             <a:extLst>
               <a:ext uri="{FF2B5EF4-FFF2-40B4-BE49-F238E27FC236}">
-                <a16:creationId xmlns:a16="http://schemas.microsoft.com/office/drawing/2014/main" id="{9B801E88-34C3-4545-A358-81F5614FED64}"/>
+                <a16:creationId xmlns:a16="http://schemas.microsoft.com/office/drawing/2014/main" id="{10554B4B-33BC-7A4A-026C-D1A9557AAA2B}"/>
               </a:ext>
             </a:extLst>
           </p:cNvPr>
@@ -434,7 +2680,7 @@
           <p:cNvPr id="4" name="日期版面配置區 3">
             <a:extLst>
               <a:ext uri="{FF2B5EF4-FFF2-40B4-BE49-F238E27FC236}">
-                <a16:creationId xmlns:a16="http://schemas.microsoft.com/office/drawing/2014/main" id="{60AFD716-8B99-4230-B55F-C8B88ECBB171}"/>
+                <a16:creationId xmlns:a16="http://schemas.microsoft.com/office/drawing/2014/main" id="{24EA3D59-A78A-8D47-B705-5A0901302CD6}"/>
               </a:ext>
             </a:extLst>
           </p:cNvPr>
@@ -450,9 +2696,9 @@
           <a:bodyPr/>
           <a:lstStyle/>
           <a:p>
-            <a:fld id="{C3C90D7E-32D6-4894-AE08-7BBB3E610FC9}" type="datetimeFigureOut">
+            <a:fld id="{29C5B9B3-A2F1-4F61-B536-CCB8A05526C9}" type="datetimeFigureOut">
               <a:rPr lang="zh-TW" altLang="en-US" smtClean="0"/>
-              <a:t>2024/9/16</a:t>
+              <a:t>2024/10/21</a:t>
             </a:fld>
             <a:endParaRPr lang="zh-TW" altLang="en-US"/>
           </a:p>
@@ -463,7 +2709,7 @@
           <p:cNvPr id="5" name="頁尾版面配置區 4">
             <a:extLst>
               <a:ext uri="{FF2B5EF4-FFF2-40B4-BE49-F238E27FC236}">
-                <a16:creationId xmlns:a16="http://schemas.microsoft.com/office/drawing/2014/main" id="{EA374743-76D9-4BF8-A60C-2F50B2636A8A}"/>
+                <a16:creationId xmlns:a16="http://schemas.microsoft.com/office/drawing/2014/main" id="{F87DE99F-0847-7795-CB37-7B2AFDBBC9F0}"/>
               </a:ext>
             </a:extLst>
           </p:cNvPr>
@@ -488,7 +2734,7 @@
           <p:cNvPr id="6" name="投影片編號版面配置區 5">
             <a:extLst>
               <a:ext uri="{FF2B5EF4-FFF2-40B4-BE49-F238E27FC236}">
-                <a16:creationId xmlns:a16="http://schemas.microsoft.com/office/drawing/2014/main" id="{00454594-6C11-4013-A666-A151E960EC9B}"/>
+                <a16:creationId xmlns:a16="http://schemas.microsoft.com/office/drawing/2014/main" id="{4166FFF0-6E97-23D5-ABD9-E185AFD27220}"/>
               </a:ext>
             </a:extLst>
           </p:cNvPr>
@@ -504,7 +2750,7 @@
           <a:bodyPr/>
           <a:lstStyle/>
           <a:p>
-            <a:fld id="{E31EC408-072F-4346-BD0A-D6AA5788A305}" type="slidenum">
+            <a:fld id="{4EE9ADEE-C307-4E23-A7FD-F3C37E405BDB}" type="slidenum">
               <a:rPr lang="zh-TW" altLang="en-US" smtClean="0"/>
               <a:t>‹#›</a:t>
             </a:fld>
@@ -515,7 +2761,7 @@
     </p:spTree>
     <p:extLst>
       <p:ext uri="{BB962C8B-B14F-4D97-AF65-F5344CB8AC3E}">
-        <p14:creationId xmlns:p14="http://schemas.microsoft.com/office/powerpoint/2010/main" val="188953001"/>
+        <p14:creationId xmlns:p14="http://schemas.microsoft.com/office/powerpoint/2010/main" val="539742792"/>
       </p:ext>
     </p:extLst>
   </p:cSld>
@@ -547,7 +2793,7 @@
           <p:cNvPr id="2" name="直排標題 1">
             <a:extLst>
               <a:ext uri="{FF2B5EF4-FFF2-40B4-BE49-F238E27FC236}">
-                <a16:creationId xmlns:a16="http://schemas.microsoft.com/office/drawing/2014/main" id="{70F760AC-E708-4605-85E2-7D0F424B3E29}"/>
+                <a16:creationId xmlns:a16="http://schemas.microsoft.com/office/drawing/2014/main" id="{22198C43-37F4-4C2B-AE11-CDEC704F7DF1}"/>
               </a:ext>
             </a:extLst>
           </p:cNvPr>
@@ -580,7 +2826,7 @@
           <p:cNvPr id="3" name="直排文字版面配置區 2">
             <a:extLst>
               <a:ext uri="{FF2B5EF4-FFF2-40B4-BE49-F238E27FC236}">
-                <a16:creationId xmlns:a16="http://schemas.microsoft.com/office/drawing/2014/main" id="{84BECF48-F3B6-4D47-82A8-C6AE92EDC2F0}"/>
+                <a16:creationId xmlns:a16="http://schemas.microsoft.com/office/drawing/2014/main" id="{35DBAB1D-51DF-8EE3-2DD9-4DC80B31B780}"/>
               </a:ext>
             </a:extLst>
           </p:cNvPr>
@@ -642,7 +2888,7 @@
           <p:cNvPr id="4" name="日期版面配置區 3">
             <a:extLst>
               <a:ext uri="{FF2B5EF4-FFF2-40B4-BE49-F238E27FC236}">
-                <a16:creationId xmlns:a16="http://schemas.microsoft.com/office/drawing/2014/main" id="{215DE52A-093E-4116-A2FE-F61BA999B89F}"/>
+                <a16:creationId xmlns:a16="http://schemas.microsoft.com/office/drawing/2014/main" id="{B34B281B-8505-26C7-5727-9DF3CE2F691B}"/>
               </a:ext>
             </a:extLst>
           </p:cNvPr>
@@ -658,9 +2904,9 @@
           <a:bodyPr/>
           <a:lstStyle/>
           <a:p>
-            <a:fld id="{C3C90D7E-32D6-4894-AE08-7BBB3E610FC9}" type="datetimeFigureOut">
+            <a:fld id="{29C5B9B3-A2F1-4F61-B536-CCB8A05526C9}" type="datetimeFigureOut">
               <a:rPr lang="zh-TW" altLang="en-US" smtClean="0"/>
-              <a:t>2024/9/16</a:t>
+              <a:t>2024/10/21</a:t>
             </a:fld>
             <a:endParaRPr lang="zh-TW" altLang="en-US"/>
           </a:p>
@@ -671,7 +2917,7 @@
           <p:cNvPr id="5" name="頁尾版面配置區 4">
             <a:extLst>
               <a:ext uri="{FF2B5EF4-FFF2-40B4-BE49-F238E27FC236}">
-                <a16:creationId xmlns:a16="http://schemas.microsoft.com/office/drawing/2014/main" id="{34553FE1-A5D9-4070-AA9C-378F491D4677}"/>
+                <a16:creationId xmlns:a16="http://schemas.microsoft.com/office/drawing/2014/main" id="{C6F3C085-A484-B3E5-312A-D546AB724642}"/>
               </a:ext>
             </a:extLst>
           </p:cNvPr>
@@ -696,7 +2942,7 @@
           <p:cNvPr id="6" name="投影片編號版面配置區 5">
             <a:extLst>
               <a:ext uri="{FF2B5EF4-FFF2-40B4-BE49-F238E27FC236}">
-                <a16:creationId xmlns:a16="http://schemas.microsoft.com/office/drawing/2014/main" id="{928EFDDC-5B11-4543-8144-518625EDA57F}"/>
+                <a16:creationId xmlns:a16="http://schemas.microsoft.com/office/drawing/2014/main" id="{0622DE67-1961-6A06-A155-E0842D39699D}"/>
               </a:ext>
             </a:extLst>
           </p:cNvPr>
@@ -712,7 +2958,7 @@
           <a:bodyPr/>
           <a:lstStyle/>
           <a:p>
-            <a:fld id="{E31EC408-072F-4346-BD0A-D6AA5788A305}" type="slidenum">
+            <a:fld id="{4EE9ADEE-C307-4E23-A7FD-F3C37E405BDB}" type="slidenum">
               <a:rPr lang="zh-TW" altLang="en-US" smtClean="0"/>
               <a:t>‹#›</a:t>
             </a:fld>
@@ -723,7 +2969,7 @@
     </p:spTree>
     <p:extLst>
       <p:ext uri="{BB962C8B-B14F-4D97-AF65-F5344CB8AC3E}">
-        <p14:creationId xmlns:p14="http://schemas.microsoft.com/office/powerpoint/2010/main" val="2483123943"/>
+        <p14:creationId xmlns:p14="http://schemas.microsoft.com/office/powerpoint/2010/main" val="4103155378"/>
       </p:ext>
     </p:extLst>
   </p:cSld>
@@ -755,7 +3001,7 @@
           <p:cNvPr id="2" name="標題 1">
             <a:extLst>
               <a:ext uri="{FF2B5EF4-FFF2-40B4-BE49-F238E27FC236}">
-                <a16:creationId xmlns:a16="http://schemas.microsoft.com/office/drawing/2014/main" id="{A1BFCF4C-FB58-444C-B754-A594851E4C7B}"/>
+                <a16:creationId xmlns:a16="http://schemas.microsoft.com/office/drawing/2014/main" id="{12036BD7-A7DD-6727-7652-E0BB5EC8453E}"/>
               </a:ext>
             </a:extLst>
           </p:cNvPr>
@@ -783,7 +3029,7 @@
           <p:cNvPr id="3" name="內容版面配置區 2">
             <a:extLst>
               <a:ext uri="{FF2B5EF4-FFF2-40B4-BE49-F238E27FC236}">
-                <a16:creationId xmlns:a16="http://schemas.microsoft.com/office/drawing/2014/main" id="{987C475D-648F-4511-A6FE-04B04F755F93}"/>
+                <a16:creationId xmlns:a16="http://schemas.microsoft.com/office/drawing/2014/main" id="{FA168BDC-E1FA-42C8-B16E-123794EF30B9}"/>
               </a:ext>
             </a:extLst>
           </p:cNvPr>
@@ -840,7 +3086,7 @@
           <p:cNvPr id="4" name="日期版面配置區 3">
             <a:extLst>
               <a:ext uri="{FF2B5EF4-FFF2-40B4-BE49-F238E27FC236}">
-                <a16:creationId xmlns:a16="http://schemas.microsoft.com/office/drawing/2014/main" id="{F511FCF8-D8F7-4914-920F-D63F2D97F713}"/>
+                <a16:creationId xmlns:a16="http://schemas.microsoft.com/office/drawing/2014/main" id="{E4CAC25A-DFB8-D10C-FBD1-5E7E483C4313}"/>
               </a:ext>
             </a:extLst>
           </p:cNvPr>
@@ -856,9 +3102,9 @@
           <a:bodyPr/>
           <a:lstStyle/>
           <a:p>
-            <a:fld id="{C3C90D7E-32D6-4894-AE08-7BBB3E610FC9}" type="datetimeFigureOut">
+            <a:fld id="{29C5B9B3-A2F1-4F61-B536-CCB8A05526C9}" type="datetimeFigureOut">
               <a:rPr lang="zh-TW" altLang="en-US" smtClean="0"/>
-              <a:t>2024/9/16</a:t>
+              <a:t>2024/10/21</a:t>
             </a:fld>
             <a:endParaRPr lang="zh-TW" altLang="en-US"/>
           </a:p>
@@ -869,7 +3115,7 @@
           <p:cNvPr id="5" name="頁尾版面配置區 4">
             <a:extLst>
               <a:ext uri="{FF2B5EF4-FFF2-40B4-BE49-F238E27FC236}">
-                <a16:creationId xmlns:a16="http://schemas.microsoft.com/office/drawing/2014/main" id="{7E1D3E8F-338D-4B4D-B411-5282866FF95D}"/>
+                <a16:creationId xmlns:a16="http://schemas.microsoft.com/office/drawing/2014/main" id="{CA2C2C33-7DAC-ED8E-2EE6-259E3B155BD0}"/>
               </a:ext>
             </a:extLst>
           </p:cNvPr>
@@ -894,7 +3140,7 @@
           <p:cNvPr id="6" name="投影片編號版面配置區 5">
             <a:extLst>
               <a:ext uri="{FF2B5EF4-FFF2-40B4-BE49-F238E27FC236}">
-                <a16:creationId xmlns:a16="http://schemas.microsoft.com/office/drawing/2014/main" id="{F7DF3AD5-06B6-42D8-AEDF-66CCE6582524}"/>
+                <a16:creationId xmlns:a16="http://schemas.microsoft.com/office/drawing/2014/main" id="{CAAC9AB5-FD7B-46AB-B4F6-45392837657F}"/>
               </a:ext>
             </a:extLst>
           </p:cNvPr>
@@ -910,7 +3156,7 @@
           <a:bodyPr/>
           <a:lstStyle/>
           <a:p>
-            <a:fld id="{E31EC408-072F-4346-BD0A-D6AA5788A305}" type="slidenum">
+            <a:fld id="{4EE9ADEE-C307-4E23-A7FD-F3C37E405BDB}" type="slidenum">
               <a:rPr lang="zh-TW" altLang="en-US" smtClean="0"/>
               <a:t>‹#›</a:t>
             </a:fld>
@@ -921,7 +3167,7 @@
     </p:spTree>
     <p:extLst>
       <p:ext uri="{BB962C8B-B14F-4D97-AF65-F5344CB8AC3E}">
-        <p14:creationId xmlns:p14="http://schemas.microsoft.com/office/powerpoint/2010/main" val="4198509733"/>
+        <p14:creationId xmlns:p14="http://schemas.microsoft.com/office/powerpoint/2010/main" val="3015580067"/>
       </p:ext>
     </p:extLst>
   </p:cSld>
@@ -953,7 +3199,7 @@
           <p:cNvPr id="2" name="標題 1">
             <a:extLst>
               <a:ext uri="{FF2B5EF4-FFF2-40B4-BE49-F238E27FC236}">
-                <a16:creationId xmlns:a16="http://schemas.microsoft.com/office/drawing/2014/main" id="{5986B870-2B24-4658-9AEB-3C92E8E40B41}"/>
+                <a16:creationId xmlns:a16="http://schemas.microsoft.com/office/drawing/2014/main" id="{4E8EB251-E2D3-965B-CD3C-D2B51BE2545D}"/>
               </a:ext>
             </a:extLst>
           </p:cNvPr>
@@ -990,7 +3236,7 @@
           <p:cNvPr id="3" name="文字版面配置區 2">
             <a:extLst>
               <a:ext uri="{FF2B5EF4-FFF2-40B4-BE49-F238E27FC236}">
-                <a16:creationId xmlns:a16="http://schemas.microsoft.com/office/drawing/2014/main" id="{90235018-E757-4630-8511-F466B919268F}"/>
+                <a16:creationId xmlns:a16="http://schemas.microsoft.com/office/drawing/2014/main" id="{E554C5A3-1665-67AA-342C-D4428F86C1B8}"/>
               </a:ext>
             </a:extLst>
           </p:cNvPr>
@@ -1115,7 +3361,7 @@
           <p:cNvPr id="4" name="日期版面配置區 3">
             <a:extLst>
               <a:ext uri="{FF2B5EF4-FFF2-40B4-BE49-F238E27FC236}">
-                <a16:creationId xmlns:a16="http://schemas.microsoft.com/office/drawing/2014/main" id="{37546C76-CF19-433D-9070-0A54A149F1B2}"/>
+                <a16:creationId xmlns:a16="http://schemas.microsoft.com/office/drawing/2014/main" id="{45AC117F-8A07-E19A-EFB4-D1AA2ADC5141}"/>
               </a:ext>
             </a:extLst>
           </p:cNvPr>
@@ -1131,9 +3377,9 @@
           <a:bodyPr/>
           <a:lstStyle/>
           <a:p>
-            <a:fld id="{C3C90D7E-32D6-4894-AE08-7BBB3E610FC9}" type="datetimeFigureOut">
+            <a:fld id="{29C5B9B3-A2F1-4F61-B536-CCB8A05526C9}" type="datetimeFigureOut">
               <a:rPr lang="zh-TW" altLang="en-US" smtClean="0"/>
-              <a:t>2024/9/16</a:t>
+              <a:t>2024/10/21</a:t>
             </a:fld>
             <a:endParaRPr lang="zh-TW" altLang="en-US"/>
           </a:p>
@@ -1144,7 +3390,7 @@
           <p:cNvPr id="5" name="頁尾版面配置區 4">
             <a:extLst>
               <a:ext uri="{FF2B5EF4-FFF2-40B4-BE49-F238E27FC236}">
-                <a16:creationId xmlns:a16="http://schemas.microsoft.com/office/drawing/2014/main" id="{9C9DC25F-827C-4564-AD0E-7FD815D53AF7}"/>
+                <a16:creationId xmlns:a16="http://schemas.microsoft.com/office/drawing/2014/main" id="{72D816F4-7FDA-B48B-6E55-791383BF451C}"/>
               </a:ext>
             </a:extLst>
           </p:cNvPr>
@@ -1169,7 +3415,7 @@
           <p:cNvPr id="6" name="投影片編號版面配置區 5">
             <a:extLst>
               <a:ext uri="{FF2B5EF4-FFF2-40B4-BE49-F238E27FC236}">
-                <a16:creationId xmlns:a16="http://schemas.microsoft.com/office/drawing/2014/main" id="{8C0653A6-68AA-4213-8D62-EAF9243D6998}"/>
+                <a16:creationId xmlns:a16="http://schemas.microsoft.com/office/drawing/2014/main" id="{1615913A-96EC-AAA6-CFA6-B8BB96A03F25}"/>
               </a:ext>
             </a:extLst>
           </p:cNvPr>
@@ -1185,7 +3431,7 @@
           <a:bodyPr/>
           <a:lstStyle/>
           <a:p>
-            <a:fld id="{E31EC408-072F-4346-BD0A-D6AA5788A305}" type="slidenum">
+            <a:fld id="{4EE9ADEE-C307-4E23-A7FD-F3C37E405BDB}" type="slidenum">
               <a:rPr lang="zh-TW" altLang="en-US" smtClean="0"/>
               <a:t>‹#›</a:t>
             </a:fld>
@@ -1196,7 +3442,7 @@
     </p:spTree>
     <p:extLst>
       <p:ext uri="{BB962C8B-B14F-4D97-AF65-F5344CB8AC3E}">
-        <p14:creationId xmlns:p14="http://schemas.microsoft.com/office/powerpoint/2010/main" val="3126775509"/>
+        <p14:creationId xmlns:p14="http://schemas.microsoft.com/office/powerpoint/2010/main" val="3212675566"/>
       </p:ext>
     </p:extLst>
   </p:cSld>
@@ -1228,7 +3474,7 @@
           <p:cNvPr id="2" name="標題 1">
             <a:extLst>
               <a:ext uri="{FF2B5EF4-FFF2-40B4-BE49-F238E27FC236}">
-                <a16:creationId xmlns:a16="http://schemas.microsoft.com/office/drawing/2014/main" id="{F8A74D77-9E6E-4FD1-97AD-0ADC1228B6AF}"/>
+                <a16:creationId xmlns:a16="http://schemas.microsoft.com/office/drawing/2014/main" id="{17FE02AE-01A3-ECD9-C75B-F2EFAEFA50EC}"/>
               </a:ext>
             </a:extLst>
           </p:cNvPr>
@@ -1256,7 +3502,7 @@
           <p:cNvPr id="3" name="內容版面配置區 2">
             <a:extLst>
               <a:ext uri="{FF2B5EF4-FFF2-40B4-BE49-F238E27FC236}">
-                <a16:creationId xmlns:a16="http://schemas.microsoft.com/office/drawing/2014/main" id="{9FDE4E9B-689C-4373-B281-9636BE211982}"/>
+                <a16:creationId xmlns:a16="http://schemas.microsoft.com/office/drawing/2014/main" id="{D97979E9-7F96-0952-7925-3830B72452EF}"/>
               </a:ext>
             </a:extLst>
           </p:cNvPr>
@@ -1318,7 +3564,7 @@
           <p:cNvPr id="4" name="內容版面配置區 3">
             <a:extLst>
               <a:ext uri="{FF2B5EF4-FFF2-40B4-BE49-F238E27FC236}">
-                <a16:creationId xmlns:a16="http://schemas.microsoft.com/office/drawing/2014/main" id="{CD25EC10-0BDA-4ECA-AB8E-059AC3378E22}"/>
+                <a16:creationId xmlns:a16="http://schemas.microsoft.com/office/drawing/2014/main" id="{F20E64D4-F84E-3BDB-0160-5D534AF44941}"/>
               </a:ext>
             </a:extLst>
           </p:cNvPr>
@@ -1380,7 +3626,7 @@
           <p:cNvPr id="5" name="日期版面配置區 4">
             <a:extLst>
               <a:ext uri="{FF2B5EF4-FFF2-40B4-BE49-F238E27FC236}">
-                <a16:creationId xmlns:a16="http://schemas.microsoft.com/office/drawing/2014/main" id="{63DAF127-0983-4C38-869C-C0A513FA9147}"/>
+                <a16:creationId xmlns:a16="http://schemas.microsoft.com/office/drawing/2014/main" id="{F2034B3B-6D09-A9DF-B586-8CA45F48EA3B}"/>
               </a:ext>
             </a:extLst>
           </p:cNvPr>
@@ -1396,9 +3642,9 @@
           <a:bodyPr/>
           <a:lstStyle/>
           <a:p>
-            <a:fld id="{C3C90D7E-32D6-4894-AE08-7BBB3E610FC9}" type="datetimeFigureOut">
+            <a:fld id="{29C5B9B3-A2F1-4F61-B536-CCB8A05526C9}" type="datetimeFigureOut">
               <a:rPr lang="zh-TW" altLang="en-US" smtClean="0"/>
-              <a:t>2024/9/16</a:t>
+              <a:t>2024/10/21</a:t>
             </a:fld>
             <a:endParaRPr lang="zh-TW" altLang="en-US"/>
           </a:p>
@@ -1409,7 +3655,7 @@
           <p:cNvPr id="6" name="頁尾版面配置區 5">
             <a:extLst>
               <a:ext uri="{FF2B5EF4-FFF2-40B4-BE49-F238E27FC236}">
-                <a16:creationId xmlns:a16="http://schemas.microsoft.com/office/drawing/2014/main" id="{E014CBA6-CCE3-4CF4-8E13-D895EDBD8F25}"/>
+                <a16:creationId xmlns:a16="http://schemas.microsoft.com/office/drawing/2014/main" id="{9265A043-078E-C04F-2396-B2B0D081BA48}"/>
               </a:ext>
             </a:extLst>
           </p:cNvPr>
@@ -1434,7 +3680,7 @@
           <p:cNvPr id="7" name="投影片編號版面配置區 6">
             <a:extLst>
               <a:ext uri="{FF2B5EF4-FFF2-40B4-BE49-F238E27FC236}">
-                <a16:creationId xmlns:a16="http://schemas.microsoft.com/office/drawing/2014/main" id="{5CEAA8E5-79B3-445E-B8C3-29BD56CE6D7A}"/>
+                <a16:creationId xmlns:a16="http://schemas.microsoft.com/office/drawing/2014/main" id="{82F5F841-2A10-826B-8032-DB3A5B512D0F}"/>
               </a:ext>
             </a:extLst>
           </p:cNvPr>
@@ -1450,7 +3696,7 @@
           <a:bodyPr/>
           <a:lstStyle/>
           <a:p>
-            <a:fld id="{E31EC408-072F-4346-BD0A-D6AA5788A305}" type="slidenum">
+            <a:fld id="{4EE9ADEE-C307-4E23-A7FD-F3C37E405BDB}" type="slidenum">
               <a:rPr lang="zh-TW" altLang="en-US" smtClean="0"/>
               <a:t>‹#›</a:t>
             </a:fld>
@@ -1461,7 +3707,7 @@
     </p:spTree>
     <p:extLst>
       <p:ext uri="{BB962C8B-B14F-4D97-AF65-F5344CB8AC3E}">
-        <p14:creationId xmlns:p14="http://schemas.microsoft.com/office/powerpoint/2010/main" val="3858213488"/>
+        <p14:creationId xmlns:p14="http://schemas.microsoft.com/office/powerpoint/2010/main" val="489600582"/>
       </p:ext>
     </p:extLst>
   </p:cSld>
@@ -1493,7 +3739,7 @@
           <p:cNvPr id="2" name="標題 1">
             <a:extLst>
               <a:ext uri="{FF2B5EF4-FFF2-40B4-BE49-F238E27FC236}">
-                <a16:creationId xmlns:a16="http://schemas.microsoft.com/office/drawing/2014/main" id="{A00F76B6-8DEC-4A74-A06A-BA0146321CD8}"/>
+                <a16:creationId xmlns:a16="http://schemas.microsoft.com/office/drawing/2014/main" id="{4EE7A46C-031E-4FD4-B3A5-D74E79BC5EDE}"/>
               </a:ext>
             </a:extLst>
           </p:cNvPr>
@@ -1526,7 +3772,7 @@
           <p:cNvPr id="3" name="文字版面配置區 2">
             <a:extLst>
               <a:ext uri="{FF2B5EF4-FFF2-40B4-BE49-F238E27FC236}">
-                <a16:creationId xmlns:a16="http://schemas.microsoft.com/office/drawing/2014/main" id="{EF00F5C5-99A7-4F16-855A-F170362659F7}"/>
+                <a16:creationId xmlns:a16="http://schemas.microsoft.com/office/drawing/2014/main" id="{C6AD010C-0F6F-F7E1-39F5-2AFF7D126009}"/>
               </a:ext>
             </a:extLst>
           </p:cNvPr>
@@ -1597,7 +3843,7 @@
           <p:cNvPr id="4" name="內容版面配置區 3">
             <a:extLst>
               <a:ext uri="{FF2B5EF4-FFF2-40B4-BE49-F238E27FC236}">
-                <a16:creationId xmlns:a16="http://schemas.microsoft.com/office/drawing/2014/main" id="{6722BEB2-C9B4-4C14-8234-D17E84349984}"/>
+                <a16:creationId xmlns:a16="http://schemas.microsoft.com/office/drawing/2014/main" id="{6B5A8FDF-5D10-FA0F-B935-AA33FC975EA8}"/>
               </a:ext>
             </a:extLst>
           </p:cNvPr>
@@ -1659,7 +3905,7 @@
           <p:cNvPr id="5" name="文字版面配置區 4">
             <a:extLst>
               <a:ext uri="{FF2B5EF4-FFF2-40B4-BE49-F238E27FC236}">
-                <a16:creationId xmlns:a16="http://schemas.microsoft.com/office/drawing/2014/main" id="{E4A41162-A0AC-4211-940F-4B92208F9B0E}"/>
+                <a16:creationId xmlns:a16="http://schemas.microsoft.com/office/drawing/2014/main" id="{D9781017-DC9E-9C01-ED76-C655A40595D1}"/>
               </a:ext>
             </a:extLst>
           </p:cNvPr>
@@ -1730,7 +3976,7 @@
           <p:cNvPr id="6" name="內容版面配置區 5">
             <a:extLst>
               <a:ext uri="{FF2B5EF4-FFF2-40B4-BE49-F238E27FC236}">
-                <a16:creationId xmlns:a16="http://schemas.microsoft.com/office/drawing/2014/main" id="{E8EA159A-F9D7-4F58-A7C3-6E5B65E42266}"/>
+                <a16:creationId xmlns:a16="http://schemas.microsoft.com/office/drawing/2014/main" id="{C57F7366-F22E-701A-BCF3-B1C0D5ACC465}"/>
               </a:ext>
             </a:extLst>
           </p:cNvPr>
@@ -1792,7 +4038,7 @@
           <p:cNvPr id="7" name="日期版面配置區 6">
             <a:extLst>
               <a:ext uri="{FF2B5EF4-FFF2-40B4-BE49-F238E27FC236}">
-                <a16:creationId xmlns:a16="http://schemas.microsoft.com/office/drawing/2014/main" id="{AE973E80-9141-48B7-A9D7-605A4541768F}"/>
+                <a16:creationId xmlns:a16="http://schemas.microsoft.com/office/drawing/2014/main" id="{AF02FBCA-6FBA-454E-14BC-502BB366AC6B}"/>
               </a:ext>
             </a:extLst>
           </p:cNvPr>
@@ -1808,9 +4054,9 @@
           <a:bodyPr/>
           <a:lstStyle/>
           <a:p>
-            <a:fld id="{C3C90D7E-32D6-4894-AE08-7BBB3E610FC9}" type="datetimeFigureOut">
+            <a:fld id="{29C5B9B3-A2F1-4F61-B536-CCB8A05526C9}" type="datetimeFigureOut">
               <a:rPr lang="zh-TW" altLang="en-US" smtClean="0"/>
-              <a:t>2024/9/16</a:t>
+              <a:t>2024/10/21</a:t>
             </a:fld>
             <a:endParaRPr lang="zh-TW" altLang="en-US"/>
           </a:p>
@@ -1821,7 +4067,7 @@
           <p:cNvPr id="8" name="頁尾版面配置區 7">
             <a:extLst>
               <a:ext uri="{FF2B5EF4-FFF2-40B4-BE49-F238E27FC236}">
-                <a16:creationId xmlns:a16="http://schemas.microsoft.com/office/drawing/2014/main" id="{6520B07A-79F8-43E7-8013-632DD2AED223}"/>
+                <a16:creationId xmlns:a16="http://schemas.microsoft.com/office/drawing/2014/main" id="{1ABFC794-6307-FE51-0B28-78E7F9978F01}"/>
               </a:ext>
             </a:extLst>
           </p:cNvPr>
@@ -1846,7 +4092,7 @@
           <p:cNvPr id="9" name="投影片編號版面配置區 8">
             <a:extLst>
               <a:ext uri="{FF2B5EF4-FFF2-40B4-BE49-F238E27FC236}">
-                <a16:creationId xmlns:a16="http://schemas.microsoft.com/office/drawing/2014/main" id="{3B997D8F-4F1C-4DE6-A82C-3E0C38ACAE96}"/>
+                <a16:creationId xmlns:a16="http://schemas.microsoft.com/office/drawing/2014/main" id="{286BB858-E757-A6F5-B6A7-9B9A67667339}"/>
               </a:ext>
             </a:extLst>
           </p:cNvPr>
@@ -1862,7 +4108,7 @@
           <a:bodyPr/>
           <a:lstStyle/>
           <a:p>
-            <a:fld id="{E31EC408-072F-4346-BD0A-D6AA5788A305}" type="slidenum">
+            <a:fld id="{4EE9ADEE-C307-4E23-A7FD-F3C37E405BDB}" type="slidenum">
               <a:rPr lang="zh-TW" altLang="en-US" smtClean="0"/>
               <a:t>‹#›</a:t>
             </a:fld>
@@ -1873,7 +4119,7 @@
     </p:spTree>
     <p:extLst>
       <p:ext uri="{BB962C8B-B14F-4D97-AF65-F5344CB8AC3E}">
-        <p14:creationId xmlns:p14="http://schemas.microsoft.com/office/powerpoint/2010/main" val="3379995638"/>
+        <p14:creationId xmlns:p14="http://schemas.microsoft.com/office/powerpoint/2010/main" val="2447247573"/>
       </p:ext>
     </p:extLst>
   </p:cSld>
@@ -1905,7 +4151,7 @@
           <p:cNvPr id="2" name="標題 1">
             <a:extLst>
               <a:ext uri="{FF2B5EF4-FFF2-40B4-BE49-F238E27FC236}">
-                <a16:creationId xmlns:a16="http://schemas.microsoft.com/office/drawing/2014/main" id="{6CE04611-FD10-429D-89AA-73C259B64293}"/>
+                <a16:creationId xmlns:a16="http://schemas.microsoft.com/office/drawing/2014/main" id="{4F016AE3-5955-6C0D-C3B7-942D214C789B}"/>
               </a:ext>
             </a:extLst>
           </p:cNvPr>
@@ -1933,7 +4179,7 @@
           <p:cNvPr id="3" name="日期版面配置區 2">
             <a:extLst>
               <a:ext uri="{FF2B5EF4-FFF2-40B4-BE49-F238E27FC236}">
-                <a16:creationId xmlns:a16="http://schemas.microsoft.com/office/drawing/2014/main" id="{2D9009F3-A280-4DA8-ACC4-187DE2172BCA}"/>
+                <a16:creationId xmlns:a16="http://schemas.microsoft.com/office/drawing/2014/main" id="{964A2DF1-F1D5-531F-E376-B18D8A37373F}"/>
               </a:ext>
             </a:extLst>
           </p:cNvPr>
@@ -1949,9 +4195,9 @@
           <a:bodyPr/>
           <a:lstStyle/>
           <a:p>
-            <a:fld id="{C3C90D7E-32D6-4894-AE08-7BBB3E610FC9}" type="datetimeFigureOut">
+            <a:fld id="{29C5B9B3-A2F1-4F61-B536-CCB8A05526C9}" type="datetimeFigureOut">
               <a:rPr lang="zh-TW" altLang="en-US" smtClean="0"/>
-              <a:t>2024/9/16</a:t>
+              <a:t>2024/10/21</a:t>
             </a:fld>
             <a:endParaRPr lang="zh-TW" altLang="en-US"/>
           </a:p>
@@ -1962,7 +4208,7 @@
           <p:cNvPr id="4" name="頁尾版面配置區 3">
             <a:extLst>
               <a:ext uri="{FF2B5EF4-FFF2-40B4-BE49-F238E27FC236}">
-                <a16:creationId xmlns:a16="http://schemas.microsoft.com/office/drawing/2014/main" id="{F8FD791E-F627-4DDB-AD69-F7639FDD1767}"/>
+                <a16:creationId xmlns:a16="http://schemas.microsoft.com/office/drawing/2014/main" id="{6977EC32-1FC2-FE16-C707-C525760BF208}"/>
               </a:ext>
             </a:extLst>
           </p:cNvPr>
@@ -1987,7 +4233,7 @@
           <p:cNvPr id="5" name="投影片編號版面配置區 4">
             <a:extLst>
               <a:ext uri="{FF2B5EF4-FFF2-40B4-BE49-F238E27FC236}">
-                <a16:creationId xmlns:a16="http://schemas.microsoft.com/office/drawing/2014/main" id="{CE9C3C73-9A1B-4A20-B40C-BF8E0726E9AE}"/>
+                <a16:creationId xmlns:a16="http://schemas.microsoft.com/office/drawing/2014/main" id="{B94AA43A-439C-A9B8-E9DA-6B00EA0680AE}"/>
               </a:ext>
             </a:extLst>
           </p:cNvPr>
@@ -2003,7 +4249,7 @@
           <a:bodyPr/>
           <a:lstStyle/>
           <a:p>
-            <a:fld id="{E31EC408-072F-4346-BD0A-D6AA5788A305}" type="slidenum">
+            <a:fld id="{4EE9ADEE-C307-4E23-A7FD-F3C37E405BDB}" type="slidenum">
               <a:rPr lang="zh-TW" altLang="en-US" smtClean="0"/>
               <a:t>‹#›</a:t>
             </a:fld>
@@ -2014,7 +4260,7 @@
     </p:spTree>
     <p:extLst>
       <p:ext uri="{BB962C8B-B14F-4D97-AF65-F5344CB8AC3E}">
-        <p14:creationId xmlns:p14="http://schemas.microsoft.com/office/powerpoint/2010/main" val="3116621787"/>
+        <p14:creationId xmlns:p14="http://schemas.microsoft.com/office/powerpoint/2010/main" val="3190650784"/>
       </p:ext>
     </p:extLst>
   </p:cSld>
@@ -2046,7 +4292,7 @@
           <p:cNvPr id="2" name="日期版面配置區 1">
             <a:extLst>
               <a:ext uri="{FF2B5EF4-FFF2-40B4-BE49-F238E27FC236}">
-                <a16:creationId xmlns:a16="http://schemas.microsoft.com/office/drawing/2014/main" id="{1E1D8EED-F2A7-4221-9887-0DBB62EB3F80}"/>
+                <a16:creationId xmlns:a16="http://schemas.microsoft.com/office/drawing/2014/main" id="{0F5BF86D-96E3-2394-4AA0-1B63B3E6B5AD}"/>
               </a:ext>
             </a:extLst>
           </p:cNvPr>
@@ -2062,9 +4308,9 @@
           <a:bodyPr/>
           <a:lstStyle/>
           <a:p>
-            <a:fld id="{C3C90D7E-32D6-4894-AE08-7BBB3E610FC9}" type="datetimeFigureOut">
+            <a:fld id="{29C5B9B3-A2F1-4F61-B536-CCB8A05526C9}" type="datetimeFigureOut">
               <a:rPr lang="zh-TW" altLang="en-US" smtClean="0"/>
-              <a:t>2024/9/16</a:t>
+              <a:t>2024/10/21</a:t>
             </a:fld>
             <a:endParaRPr lang="zh-TW" altLang="en-US"/>
           </a:p>
@@ -2075,7 +4321,7 @@
           <p:cNvPr id="3" name="頁尾版面配置區 2">
             <a:extLst>
               <a:ext uri="{FF2B5EF4-FFF2-40B4-BE49-F238E27FC236}">
-                <a16:creationId xmlns:a16="http://schemas.microsoft.com/office/drawing/2014/main" id="{10593B39-DC86-45A7-85EF-B4DB9C28DC80}"/>
+                <a16:creationId xmlns:a16="http://schemas.microsoft.com/office/drawing/2014/main" id="{23DD814D-0E6D-E4D5-2836-CBFE7F17DB59}"/>
               </a:ext>
             </a:extLst>
           </p:cNvPr>
@@ -2100,7 +4346,7 @@
           <p:cNvPr id="4" name="投影片編號版面配置區 3">
             <a:extLst>
               <a:ext uri="{FF2B5EF4-FFF2-40B4-BE49-F238E27FC236}">
-                <a16:creationId xmlns:a16="http://schemas.microsoft.com/office/drawing/2014/main" id="{3D9056B2-6966-4CAF-94D1-2295A737E168}"/>
+                <a16:creationId xmlns:a16="http://schemas.microsoft.com/office/drawing/2014/main" id="{A59051D0-DD56-CB01-BB56-30818DB77F92}"/>
               </a:ext>
             </a:extLst>
           </p:cNvPr>
@@ -2116,7 +4362,7 @@
           <a:bodyPr/>
           <a:lstStyle/>
           <a:p>
-            <a:fld id="{E31EC408-072F-4346-BD0A-D6AA5788A305}" type="slidenum">
+            <a:fld id="{4EE9ADEE-C307-4E23-A7FD-F3C37E405BDB}" type="slidenum">
               <a:rPr lang="zh-TW" altLang="en-US" smtClean="0"/>
               <a:t>‹#›</a:t>
             </a:fld>
@@ -2127,7 +4373,7 @@
     </p:spTree>
     <p:extLst>
       <p:ext uri="{BB962C8B-B14F-4D97-AF65-F5344CB8AC3E}">
-        <p14:creationId xmlns:p14="http://schemas.microsoft.com/office/powerpoint/2010/main" val="3887241942"/>
+        <p14:creationId xmlns:p14="http://schemas.microsoft.com/office/powerpoint/2010/main" val="3026067423"/>
       </p:ext>
     </p:extLst>
   </p:cSld>
@@ -2159,7 +4405,7 @@
           <p:cNvPr id="2" name="標題 1">
             <a:extLst>
               <a:ext uri="{FF2B5EF4-FFF2-40B4-BE49-F238E27FC236}">
-                <a16:creationId xmlns:a16="http://schemas.microsoft.com/office/drawing/2014/main" id="{5C3076DF-D16B-4600-9550-96C6A8DD7F1A}"/>
+                <a16:creationId xmlns:a16="http://schemas.microsoft.com/office/drawing/2014/main" id="{7D7CCEC5-B3DF-64BE-C58A-4AC64149AB60}"/>
               </a:ext>
             </a:extLst>
           </p:cNvPr>
@@ -2196,7 +4442,7 @@
           <p:cNvPr id="3" name="內容版面配置區 2">
             <a:extLst>
               <a:ext uri="{FF2B5EF4-FFF2-40B4-BE49-F238E27FC236}">
-                <a16:creationId xmlns:a16="http://schemas.microsoft.com/office/drawing/2014/main" id="{9CD3D667-FDE5-4F5D-9495-588EC18912CE}"/>
+                <a16:creationId xmlns:a16="http://schemas.microsoft.com/office/drawing/2014/main" id="{F736C49C-1950-0B41-3E46-48F49346DD09}"/>
               </a:ext>
             </a:extLst>
           </p:cNvPr>
@@ -2286,7 +4532,7 @@
           <p:cNvPr id="4" name="文字版面配置區 3">
             <a:extLst>
               <a:ext uri="{FF2B5EF4-FFF2-40B4-BE49-F238E27FC236}">
-                <a16:creationId xmlns:a16="http://schemas.microsoft.com/office/drawing/2014/main" id="{22F511E7-BEEF-4F51-BA0E-52C1908D5608}"/>
+                <a16:creationId xmlns:a16="http://schemas.microsoft.com/office/drawing/2014/main" id="{BF265988-FA11-0A49-29A2-042E3BAB94DC}"/>
               </a:ext>
             </a:extLst>
           </p:cNvPr>
@@ -2357,7 +4603,7 @@
           <p:cNvPr id="5" name="日期版面配置區 4">
             <a:extLst>
               <a:ext uri="{FF2B5EF4-FFF2-40B4-BE49-F238E27FC236}">
-                <a16:creationId xmlns:a16="http://schemas.microsoft.com/office/drawing/2014/main" id="{88060697-A92E-4178-A790-FCBB90D70573}"/>
+                <a16:creationId xmlns:a16="http://schemas.microsoft.com/office/drawing/2014/main" id="{FB8D51EE-312D-D8E1-E50C-E9429E65A006}"/>
               </a:ext>
             </a:extLst>
           </p:cNvPr>
@@ -2373,9 +4619,9 @@
           <a:bodyPr/>
           <a:lstStyle/>
           <a:p>
-            <a:fld id="{C3C90D7E-32D6-4894-AE08-7BBB3E610FC9}" type="datetimeFigureOut">
+            <a:fld id="{29C5B9B3-A2F1-4F61-B536-CCB8A05526C9}" type="datetimeFigureOut">
               <a:rPr lang="zh-TW" altLang="en-US" smtClean="0"/>
-              <a:t>2024/9/16</a:t>
+              <a:t>2024/10/21</a:t>
             </a:fld>
             <a:endParaRPr lang="zh-TW" altLang="en-US"/>
           </a:p>
@@ -2386,7 +4632,7 @@
           <p:cNvPr id="6" name="頁尾版面配置區 5">
             <a:extLst>
               <a:ext uri="{FF2B5EF4-FFF2-40B4-BE49-F238E27FC236}">
-                <a16:creationId xmlns:a16="http://schemas.microsoft.com/office/drawing/2014/main" id="{2A8E3F57-A99A-4C4C-BF14-EE42AB99CE78}"/>
+                <a16:creationId xmlns:a16="http://schemas.microsoft.com/office/drawing/2014/main" id="{BF1C416B-F274-BC8D-7ADF-759D9EB21F7A}"/>
               </a:ext>
             </a:extLst>
           </p:cNvPr>
@@ -2411,7 +4657,7 @@
           <p:cNvPr id="7" name="投影片編號版面配置區 6">
             <a:extLst>
               <a:ext uri="{FF2B5EF4-FFF2-40B4-BE49-F238E27FC236}">
-                <a16:creationId xmlns:a16="http://schemas.microsoft.com/office/drawing/2014/main" id="{39234440-6924-48D7-AC1A-200D5946BCA9}"/>
+                <a16:creationId xmlns:a16="http://schemas.microsoft.com/office/drawing/2014/main" id="{9A356433-3122-3468-7D43-70C2227839A1}"/>
               </a:ext>
             </a:extLst>
           </p:cNvPr>
@@ -2427,7 +4673,7 @@
           <a:bodyPr/>
           <a:lstStyle/>
           <a:p>
-            <a:fld id="{E31EC408-072F-4346-BD0A-D6AA5788A305}" type="slidenum">
+            <a:fld id="{4EE9ADEE-C307-4E23-A7FD-F3C37E405BDB}" type="slidenum">
               <a:rPr lang="zh-TW" altLang="en-US" smtClean="0"/>
               <a:t>‹#›</a:t>
             </a:fld>
@@ -2438,7 +4684,7 @@
     </p:spTree>
     <p:extLst>
       <p:ext uri="{BB962C8B-B14F-4D97-AF65-F5344CB8AC3E}">
-        <p14:creationId xmlns:p14="http://schemas.microsoft.com/office/powerpoint/2010/main" val="2036183199"/>
+        <p14:creationId xmlns:p14="http://schemas.microsoft.com/office/powerpoint/2010/main" val="1132258869"/>
       </p:ext>
     </p:extLst>
   </p:cSld>
@@ -2470,7 +4716,7 @@
           <p:cNvPr id="2" name="標題 1">
             <a:extLst>
               <a:ext uri="{FF2B5EF4-FFF2-40B4-BE49-F238E27FC236}">
-                <a16:creationId xmlns:a16="http://schemas.microsoft.com/office/drawing/2014/main" id="{B2E81694-0B93-4D65-9DA3-21597478A96C}"/>
+                <a16:creationId xmlns:a16="http://schemas.microsoft.com/office/drawing/2014/main" id="{65EDCA45-57DF-5D8F-B2C2-7D4505E7F021}"/>
               </a:ext>
             </a:extLst>
           </p:cNvPr>
@@ -2507,7 +4753,7 @@
           <p:cNvPr id="3" name="圖片版面配置區 2">
             <a:extLst>
               <a:ext uri="{FF2B5EF4-FFF2-40B4-BE49-F238E27FC236}">
-                <a16:creationId xmlns:a16="http://schemas.microsoft.com/office/drawing/2014/main" id="{23E4D718-8CB0-4334-BB8A-FB8B57D7CDC6}"/>
+                <a16:creationId xmlns:a16="http://schemas.microsoft.com/office/drawing/2014/main" id="{AF4A52AC-C9B6-E2B8-FB72-1998C389A32A}"/>
               </a:ext>
             </a:extLst>
           </p:cNvPr>
@@ -2574,7 +4820,7 @@
           <p:cNvPr id="4" name="文字版面配置區 3">
             <a:extLst>
               <a:ext uri="{FF2B5EF4-FFF2-40B4-BE49-F238E27FC236}">
-                <a16:creationId xmlns:a16="http://schemas.microsoft.com/office/drawing/2014/main" id="{0DC47463-53E7-4FE3-B60B-1657D11127BD}"/>
+                <a16:creationId xmlns:a16="http://schemas.microsoft.com/office/drawing/2014/main" id="{BF80E7E9-1AD6-0A5C-0EBE-0AFB2C82627C}"/>
               </a:ext>
             </a:extLst>
           </p:cNvPr>
@@ -2645,7 +4891,7 @@
           <p:cNvPr id="5" name="日期版面配置區 4">
             <a:extLst>
               <a:ext uri="{FF2B5EF4-FFF2-40B4-BE49-F238E27FC236}">
-                <a16:creationId xmlns:a16="http://schemas.microsoft.com/office/drawing/2014/main" id="{28875DC5-6AFF-40C0-8C77-F81A0A3E1B0F}"/>
+                <a16:creationId xmlns:a16="http://schemas.microsoft.com/office/drawing/2014/main" id="{3CFCE465-F81A-5DA5-87EA-1C083DC46F07}"/>
               </a:ext>
             </a:extLst>
           </p:cNvPr>
@@ -2661,9 +4907,9 @@
           <a:bodyPr/>
           <a:lstStyle/>
           <a:p>
-            <a:fld id="{C3C90D7E-32D6-4894-AE08-7BBB3E610FC9}" type="datetimeFigureOut">
+            <a:fld id="{29C5B9B3-A2F1-4F61-B536-CCB8A05526C9}" type="datetimeFigureOut">
               <a:rPr lang="zh-TW" altLang="en-US" smtClean="0"/>
-              <a:t>2024/9/16</a:t>
+              <a:t>2024/10/21</a:t>
             </a:fld>
             <a:endParaRPr lang="zh-TW" altLang="en-US"/>
           </a:p>
@@ -2674,7 +4920,7 @@
           <p:cNvPr id="6" name="頁尾版面配置區 5">
             <a:extLst>
               <a:ext uri="{FF2B5EF4-FFF2-40B4-BE49-F238E27FC236}">
-                <a16:creationId xmlns:a16="http://schemas.microsoft.com/office/drawing/2014/main" id="{24F8A973-6D07-4F0C-97A0-280FEFC238E0}"/>
+                <a16:creationId xmlns:a16="http://schemas.microsoft.com/office/drawing/2014/main" id="{D80D1145-2FE4-20F5-18DD-CD3847E5EBCC}"/>
               </a:ext>
             </a:extLst>
           </p:cNvPr>
@@ -2699,7 +4945,7 @@
           <p:cNvPr id="7" name="投影片編號版面配置區 6">
             <a:extLst>
               <a:ext uri="{FF2B5EF4-FFF2-40B4-BE49-F238E27FC236}">
-                <a16:creationId xmlns:a16="http://schemas.microsoft.com/office/drawing/2014/main" id="{DB60BB1E-F41B-40F0-929B-5208374980BF}"/>
+                <a16:creationId xmlns:a16="http://schemas.microsoft.com/office/drawing/2014/main" id="{4C2BB238-618F-D544-3F41-B16C9D55642B}"/>
               </a:ext>
             </a:extLst>
           </p:cNvPr>
@@ -2715,7 +4961,7 @@
           <a:bodyPr/>
           <a:lstStyle/>
           <a:p>
-            <a:fld id="{E31EC408-072F-4346-BD0A-D6AA5788A305}" type="slidenum">
+            <a:fld id="{4EE9ADEE-C307-4E23-A7FD-F3C37E405BDB}" type="slidenum">
               <a:rPr lang="zh-TW" altLang="en-US" smtClean="0"/>
               <a:t>‹#›</a:t>
             </a:fld>
@@ -2726,7 +4972,7 @@
     </p:spTree>
     <p:extLst>
       <p:ext uri="{BB962C8B-B14F-4D97-AF65-F5344CB8AC3E}">
-        <p14:creationId xmlns:p14="http://schemas.microsoft.com/office/powerpoint/2010/main" val="3148270851"/>
+        <p14:creationId xmlns:p14="http://schemas.microsoft.com/office/powerpoint/2010/main" val="2529010464"/>
       </p:ext>
     </p:extLst>
   </p:cSld>
@@ -2740,9 +4986,14 @@
 <p:sldMaster xmlns:a="http://schemas.openxmlformats.org/drawingml/2006/main" xmlns:r="http://schemas.openxmlformats.org/officeDocument/2006/relationships" xmlns:p="http://schemas.openxmlformats.org/presentationml/2006/main">
   <p:cSld>
     <p:bg>
-      <p:bgRef idx="1001">
-        <a:schemeClr val="bg1"/>
-      </p:bgRef>
+      <p:bgPr>
+        <a:solidFill>
+          <a:schemeClr val="accent1">
+            <a:lumMod val="50000"/>
+          </a:schemeClr>
+        </a:solidFill>
+        <a:effectLst/>
+      </p:bgPr>
     </p:bg>
     <p:spTree>
       <p:nvGrpSpPr>
@@ -2763,7 +5014,7 @@
           <p:cNvPr id="2" name="標題版面配置區 1">
             <a:extLst>
               <a:ext uri="{FF2B5EF4-FFF2-40B4-BE49-F238E27FC236}">
-                <a16:creationId xmlns:a16="http://schemas.microsoft.com/office/drawing/2014/main" id="{B8575AAC-624C-4B52-ABD4-699B1E35D2CF}"/>
+                <a16:creationId xmlns:a16="http://schemas.microsoft.com/office/drawing/2014/main" id="{8C1C56B7-AD6F-55E1-C71D-CE97CC703658}"/>
               </a:ext>
             </a:extLst>
           </p:cNvPr>
@@ -2801,7 +5052,7 @@
           <p:cNvPr id="3" name="文字版面配置區 2">
             <a:extLst>
               <a:ext uri="{FF2B5EF4-FFF2-40B4-BE49-F238E27FC236}">
-                <a16:creationId xmlns:a16="http://schemas.microsoft.com/office/drawing/2014/main" id="{76722991-C57D-471F-8271-C419A1CFB074}"/>
+                <a16:creationId xmlns:a16="http://schemas.microsoft.com/office/drawing/2014/main" id="{51FF5F18-265B-3FA2-E9DC-A5662FA05244}"/>
               </a:ext>
             </a:extLst>
           </p:cNvPr>
@@ -2868,7 +5119,7 @@
           <p:cNvPr id="4" name="日期版面配置區 3">
             <a:extLst>
               <a:ext uri="{FF2B5EF4-FFF2-40B4-BE49-F238E27FC236}">
-                <a16:creationId xmlns:a16="http://schemas.microsoft.com/office/drawing/2014/main" id="{85C839DD-8CBF-4E23-A0C7-7C039E950BB8}"/>
+                <a16:creationId xmlns:a16="http://schemas.microsoft.com/office/drawing/2014/main" id="{26940CDD-D6AE-E4C5-52FF-4A686EAF8769}"/>
               </a:ext>
             </a:extLst>
           </p:cNvPr>
@@ -2902,9 +5153,9 @@
             </a:lvl1pPr>
           </a:lstStyle>
           <a:p>
-            <a:fld id="{C3C90D7E-32D6-4894-AE08-7BBB3E610FC9}" type="datetimeFigureOut">
+            <a:fld id="{29C5B9B3-A2F1-4F61-B536-CCB8A05526C9}" type="datetimeFigureOut">
               <a:rPr lang="zh-TW" altLang="en-US" smtClean="0"/>
-              <a:t>2024/9/16</a:t>
+              <a:t>2024/10/21</a:t>
             </a:fld>
             <a:endParaRPr lang="zh-TW" altLang="en-US"/>
           </a:p>
@@ -2915,7 +5166,7 @@
           <p:cNvPr id="5" name="頁尾版面配置區 4">
             <a:extLst>
               <a:ext uri="{FF2B5EF4-FFF2-40B4-BE49-F238E27FC236}">
-                <a16:creationId xmlns:a16="http://schemas.microsoft.com/office/drawing/2014/main" id="{12802D8A-77D4-418C-8190-43B6ADED2131}"/>
+                <a16:creationId xmlns:a16="http://schemas.microsoft.com/office/drawing/2014/main" id="{0487224F-CEAE-66E5-A09E-3B2C7558B39C}"/>
               </a:ext>
             </a:extLst>
           </p:cNvPr>
@@ -2958,7 +5209,7 @@
           <p:cNvPr id="6" name="投影片編號版面配置區 5">
             <a:extLst>
               <a:ext uri="{FF2B5EF4-FFF2-40B4-BE49-F238E27FC236}">
-                <a16:creationId xmlns:a16="http://schemas.microsoft.com/office/drawing/2014/main" id="{7072B55E-2BE2-4AF4-AFF8-2A716F492F1C}"/>
+                <a16:creationId xmlns:a16="http://schemas.microsoft.com/office/drawing/2014/main" id="{69EFB1CF-E458-277A-1D9C-9BE0679325ED}"/>
               </a:ext>
             </a:extLst>
           </p:cNvPr>
@@ -2992,7 +5243,7 @@
             </a:lvl1pPr>
           </a:lstStyle>
           <a:p>
-            <a:fld id="{E31EC408-072F-4346-BD0A-D6AA5788A305}" type="slidenum">
+            <a:fld id="{4EE9ADEE-C307-4E23-A7FD-F3C37E405BDB}" type="slidenum">
               <a:rPr lang="zh-TW" altLang="en-US" smtClean="0"/>
               <a:t>‹#›</a:t>
             </a:fld>
@@ -3003,7 +5254,7 @@
     </p:spTree>
     <p:extLst>
       <p:ext uri="{BB962C8B-B14F-4D97-AF65-F5344CB8AC3E}">
-        <p14:creationId xmlns:p14="http://schemas.microsoft.com/office/powerpoint/2010/main" val="2016052060"/>
+        <p14:creationId xmlns:p14="http://schemas.microsoft.com/office/powerpoint/2010/main" val="3357876529"/>
       </p:ext>
     </p:extLst>
   </p:cSld>
@@ -3326,7 +5577,7 @@
           <p:cNvPr id="2" name="標題 1">
             <a:extLst>
               <a:ext uri="{FF2B5EF4-FFF2-40B4-BE49-F238E27FC236}">
-                <a16:creationId xmlns:a16="http://schemas.microsoft.com/office/drawing/2014/main" id="{32532283-9F93-4E44-8138-32796965361F}"/>
+                <a16:creationId xmlns:a16="http://schemas.microsoft.com/office/drawing/2014/main" id="{011BBF44-C638-7AB6-485E-0562A91579B3}"/>
               </a:ext>
             </a:extLst>
           </p:cNvPr>
@@ -3337,44 +5588,1068 @@
             <p:ph type="ctrTitle"/>
           </p:nvPr>
         </p:nvSpPr>
-        <p:spPr/>
-        <p:txBody>
-          <a:bodyPr/>
-          <a:lstStyle/>
-          <a:p>
-            <a:endParaRPr lang="zh-TW" altLang="en-US"/>
-          </a:p>
-        </p:txBody>
-      </p:sp>
-      <p:sp>
-        <p:nvSpPr>
-          <p:cNvPr id="3" name="副標題 2">
-            <a:extLst>
-              <a:ext uri="{FF2B5EF4-FFF2-40B4-BE49-F238E27FC236}">
-                <a16:creationId xmlns:a16="http://schemas.microsoft.com/office/drawing/2014/main" id="{8C946F38-524D-4B98-B9CB-80AEE57E455A}"/>
-              </a:ext>
-            </a:extLst>
-          </p:cNvPr>
-          <p:cNvSpPr>
-            <a:spLocks noGrp="1"/>
-          </p:cNvSpPr>
-          <p:nvPr>
-            <p:ph type="subTitle" idx="1"/>
-          </p:nvPr>
-        </p:nvSpPr>
-        <p:spPr/>
-        <p:txBody>
-          <a:bodyPr/>
-          <a:lstStyle/>
-          <a:p>
-            <a:endParaRPr lang="zh-TW" altLang="en-US"/>
+        <p:spPr>
+          <a:xfrm>
+            <a:off x="869577" y="1059610"/>
+            <a:ext cx="5298141" cy="876766"/>
+          </a:xfrm>
+        </p:spPr>
+        <p:txBody>
+          <a:bodyPr>
+            <a:normAutofit fontScale="90000"/>
+          </a:bodyPr>
+          <a:lstStyle/>
+          <a:p>
+            <a:r>
+              <a:rPr lang="zh-TW" altLang="en-US">
+                <a:solidFill>
+                  <a:schemeClr val="bg2">
+                    <a:lumMod val="75000"/>
+                  </a:schemeClr>
+                </a:solidFill>
+                <a:latin typeface="標楷體" panose="03000509000000000000" pitchFamily="65" charset="-120"/>
+                <a:ea typeface="標楷體" panose="03000509000000000000" pitchFamily="65" charset="-120"/>
+              </a:rPr>
+              <a:t>自我介紹</a:t>
+            </a:r>
+            <a:endParaRPr lang="zh-TW" altLang="en-US" dirty="0">
+              <a:solidFill>
+                <a:schemeClr val="bg2">
+                  <a:lumMod val="75000"/>
+                </a:schemeClr>
+              </a:solidFill>
+              <a:latin typeface="標楷體" panose="03000509000000000000" pitchFamily="65" charset="-120"/>
+              <a:ea typeface="標楷體" panose="03000509000000000000" pitchFamily="65" charset="-120"/>
+            </a:endParaRPr>
           </a:p>
         </p:txBody>
       </p:sp>
     </p:spTree>
     <p:extLst>
       <p:ext uri="{BB962C8B-B14F-4D97-AF65-F5344CB8AC3E}">
-        <p14:creationId xmlns:p14="http://schemas.microsoft.com/office/powerpoint/2010/main" val="1328321055"/>
+        <p14:creationId xmlns:p14="http://schemas.microsoft.com/office/powerpoint/2010/main" val="770513088"/>
+      </p:ext>
+    </p:extLst>
+  </p:cSld>
+  <p:clrMapOvr>
+    <a:masterClrMapping/>
+  </p:clrMapOvr>
+</p:sld>
+</file>
+
+<file path=ppt/slides/slide2.xml><?xml version="1.0" encoding="utf-8"?>
+<p:sld xmlns:a="http://schemas.openxmlformats.org/drawingml/2006/main" xmlns:r="http://schemas.openxmlformats.org/officeDocument/2006/relationships" xmlns:p="http://schemas.openxmlformats.org/presentationml/2006/main">
+  <p:cSld>
+    <p:spTree>
+      <p:nvGrpSpPr>
+        <p:cNvPr id="1" name=""/>
+        <p:cNvGrpSpPr/>
+        <p:nvPr/>
+      </p:nvGrpSpPr>
+      <p:grpSpPr>
+        <a:xfrm>
+          <a:off x="0" y="0"/>
+          <a:ext cx="0" cy="0"/>
+          <a:chOff x="0" y="0"/>
+          <a:chExt cx="0" cy="0"/>
+        </a:xfrm>
+      </p:grpSpPr>
+      <p:sp>
+        <p:nvSpPr>
+          <p:cNvPr id="2" name="標題 1">
+            <a:extLst>
+              <a:ext uri="{FF2B5EF4-FFF2-40B4-BE49-F238E27FC236}">
+                <a16:creationId xmlns:a16="http://schemas.microsoft.com/office/drawing/2014/main" id="{011BBF44-C638-7AB6-485E-0562A91579B3}"/>
+              </a:ext>
+            </a:extLst>
+          </p:cNvPr>
+          <p:cNvSpPr>
+            <a:spLocks noGrp="1"/>
+          </p:cNvSpPr>
+          <p:nvPr>
+            <p:ph type="ctrTitle"/>
+          </p:nvPr>
+        </p:nvSpPr>
+        <p:spPr>
+          <a:xfrm>
+            <a:off x="272418" y="205273"/>
+            <a:ext cx="10998962" cy="527454"/>
+          </a:xfrm>
+        </p:spPr>
+        <p:txBody>
+          <a:bodyPr>
+            <a:normAutofit/>
+          </a:bodyPr>
+          <a:lstStyle/>
+          <a:p>
+            <a:pPr algn="l"/>
+            <a:r>
+              <a:rPr lang="en-US" altLang="zh-TW" sz="2800" dirty="0">
+                <a:solidFill>
+                  <a:schemeClr val="bg2">
+                    <a:lumMod val="75000"/>
+                  </a:schemeClr>
+                </a:solidFill>
+                <a:latin typeface="標楷體" panose="03000509000000000000" pitchFamily="65" charset="-120"/>
+                <a:ea typeface="標楷體" panose="03000509000000000000" pitchFamily="65" charset="-120"/>
+              </a:rPr>
+              <a:t>1.</a:t>
+            </a:r>
+            <a:r>
+              <a:rPr lang="zh-TW" altLang="en-US" sz="2800" dirty="0">
+                <a:solidFill>
+                  <a:schemeClr val="bg2">
+                    <a:lumMod val="75000"/>
+                  </a:schemeClr>
+                </a:solidFill>
+                <a:latin typeface="標楷體" panose="03000509000000000000" pitchFamily="65" charset="-120"/>
+                <a:ea typeface="標楷體" panose="03000509000000000000" pitchFamily="65" charset="-120"/>
+              </a:rPr>
+              <a:t>目標</a:t>
+            </a:r>
+            <a:r>
+              <a:rPr lang="en-US" altLang="zh-TW" sz="2800" dirty="0">
+                <a:solidFill>
+                  <a:schemeClr val="bg2">
+                    <a:lumMod val="75000"/>
+                  </a:schemeClr>
+                </a:solidFill>
+                <a:latin typeface="標楷體" panose="03000509000000000000" pitchFamily="65" charset="-120"/>
+                <a:ea typeface="標楷體" panose="03000509000000000000" pitchFamily="65" charset="-120"/>
+              </a:rPr>
+              <a:t>:</a:t>
+            </a:r>
+            <a:r>
+              <a:rPr lang="zh-TW" altLang="en-US" sz="2800" dirty="0">
+                <a:solidFill>
+                  <a:schemeClr val="bg2">
+                    <a:lumMod val="75000"/>
+                  </a:schemeClr>
+                </a:solidFill>
+                <a:latin typeface="標楷體" panose="03000509000000000000" pitchFamily="65" charset="-120"/>
+                <a:ea typeface="標楷體" panose="03000509000000000000" pitchFamily="65" charset="-120"/>
+              </a:rPr>
+              <a:t>我是一名醫學系六年級的學生，立志要成為心臟外科醫師。</a:t>
+            </a:r>
+          </a:p>
+        </p:txBody>
+      </p:sp>
+      <p:pic>
+        <p:nvPicPr>
+          <p:cNvPr id="7" name="圖片 6">
+            <a:extLst>
+              <a:ext uri="{FF2B5EF4-FFF2-40B4-BE49-F238E27FC236}">
+                <a16:creationId xmlns:a16="http://schemas.microsoft.com/office/drawing/2014/main" id="{B0FE35C7-EC4D-52B3-2696-1DA6CED811FA}"/>
+              </a:ext>
+            </a:extLst>
+          </p:cNvPr>
+          <p:cNvPicPr>
+            <a:picLocks noChangeAspect="1"/>
+          </p:cNvPicPr>
+          <p:nvPr/>
+        </p:nvPicPr>
+        <p:blipFill>
+          <a:blip r:embed="rId3">
+            <a:extLst>
+              <a:ext uri="{28A0092B-C50C-407E-A947-70E740481C1C}">
+                <a14:useLocalDpi xmlns:a14="http://schemas.microsoft.com/office/drawing/2010/main" val="0"/>
+              </a:ext>
+            </a:extLst>
+          </a:blip>
+          <a:stretch>
+            <a:fillRect/>
+          </a:stretch>
+        </p:blipFill>
+        <p:spPr>
+          <a:xfrm>
+            <a:off x="272418" y="732727"/>
+            <a:ext cx="5920000" cy="5920000"/>
+          </a:xfrm>
+          <a:prstGeom prst="rect">
+            <a:avLst/>
+          </a:prstGeom>
+        </p:spPr>
+      </p:pic>
+    </p:spTree>
+    <p:extLst>
+      <p:ext uri="{BB962C8B-B14F-4D97-AF65-F5344CB8AC3E}">
+        <p14:creationId xmlns:p14="http://schemas.microsoft.com/office/powerpoint/2010/main" val="1669961037"/>
+      </p:ext>
+    </p:extLst>
+  </p:cSld>
+  <p:clrMapOvr>
+    <a:masterClrMapping/>
+  </p:clrMapOvr>
+</p:sld>
+</file>
+
+<file path=ppt/slides/slide3.xml><?xml version="1.0" encoding="utf-8"?>
+<p:sld xmlns:a="http://schemas.openxmlformats.org/drawingml/2006/main" xmlns:r="http://schemas.openxmlformats.org/officeDocument/2006/relationships" xmlns:p="http://schemas.openxmlformats.org/presentationml/2006/main">
+  <p:cSld>
+    <p:spTree>
+      <p:nvGrpSpPr>
+        <p:cNvPr id="1" name=""/>
+        <p:cNvGrpSpPr/>
+        <p:nvPr/>
+      </p:nvGrpSpPr>
+      <p:grpSpPr>
+        <a:xfrm>
+          <a:off x="0" y="0"/>
+          <a:ext cx="0" cy="0"/>
+          <a:chOff x="0" y="0"/>
+          <a:chExt cx="0" cy="0"/>
+        </a:xfrm>
+      </p:grpSpPr>
+      <p:sp>
+        <p:nvSpPr>
+          <p:cNvPr id="2" name="標題 1">
+            <a:extLst>
+              <a:ext uri="{FF2B5EF4-FFF2-40B4-BE49-F238E27FC236}">
+                <a16:creationId xmlns:a16="http://schemas.microsoft.com/office/drawing/2014/main" id="{011BBF44-C638-7AB6-485E-0562A91579B3}"/>
+              </a:ext>
+            </a:extLst>
+          </p:cNvPr>
+          <p:cNvSpPr>
+            <a:spLocks noGrp="1"/>
+          </p:cNvSpPr>
+          <p:nvPr>
+            <p:ph type="ctrTitle"/>
+          </p:nvPr>
+        </p:nvSpPr>
+        <p:spPr>
+          <a:xfrm>
+            <a:off x="272418" y="205273"/>
+            <a:ext cx="10998962" cy="527454"/>
+          </a:xfrm>
+        </p:spPr>
+        <p:txBody>
+          <a:bodyPr>
+            <a:normAutofit/>
+          </a:bodyPr>
+          <a:lstStyle/>
+          <a:p>
+            <a:pPr algn="l"/>
+            <a:r>
+              <a:rPr lang="en-US" altLang="zh-TW" sz="2800" dirty="0">
+                <a:solidFill>
+                  <a:schemeClr val="bg2">
+                    <a:lumMod val="75000"/>
+                  </a:schemeClr>
+                </a:solidFill>
+                <a:latin typeface="標楷體" panose="03000509000000000000" pitchFamily="65" charset="-120"/>
+                <a:ea typeface="標楷體" panose="03000509000000000000" pitchFamily="65" charset="-120"/>
+              </a:rPr>
+              <a:t>2.</a:t>
+            </a:r>
+            <a:r>
+              <a:rPr lang="zh-TW" altLang="en-US" sz="2800" dirty="0">
+                <a:solidFill>
+                  <a:schemeClr val="bg2">
+                    <a:lumMod val="75000"/>
+                  </a:schemeClr>
+                </a:solidFill>
+                <a:latin typeface="標楷體" panose="03000509000000000000" pitchFamily="65" charset="-120"/>
+                <a:ea typeface="標楷體" panose="03000509000000000000" pitchFamily="65" charset="-120"/>
+              </a:rPr>
+              <a:t>阻礙</a:t>
+            </a:r>
+            <a:r>
+              <a:rPr lang="en-US" altLang="zh-TW" sz="2800" dirty="0">
+                <a:solidFill>
+                  <a:schemeClr val="bg2">
+                    <a:lumMod val="75000"/>
+                  </a:schemeClr>
+                </a:solidFill>
+                <a:latin typeface="標楷體" panose="03000509000000000000" pitchFamily="65" charset="-120"/>
+                <a:ea typeface="標楷體" panose="03000509000000000000" pitchFamily="65" charset="-120"/>
+              </a:rPr>
+              <a:t>:</a:t>
+            </a:r>
+            <a:r>
+              <a:rPr lang="zh-TW" altLang="en-US" sz="2800" dirty="0">
+                <a:solidFill>
+                  <a:schemeClr val="bg2">
+                    <a:lumMod val="75000"/>
+                  </a:schemeClr>
+                </a:solidFill>
+                <a:latin typeface="標楷體" panose="03000509000000000000" pitchFamily="65" charset="-120"/>
+                <a:ea typeface="標楷體" panose="03000509000000000000" pitchFamily="65" charset="-120"/>
+              </a:rPr>
+              <a:t>但是我對主動脈瓣的位置一直搞錯。</a:t>
+            </a:r>
+          </a:p>
+        </p:txBody>
+      </p:sp>
+      <p:pic>
+        <p:nvPicPr>
+          <p:cNvPr id="4" name="圖片 3">
+            <a:extLst>
+              <a:ext uri="{FF2B5EF4-FFF2-40B4-BE49-F238E27FC236}">
+                <a16:creationId xmlns:a16="http://schemas.microsoft.com/office/drawing/2014/main" id="{F1CEA8B5-D42E-B03D-EF17-B45BC19B0B5A}"/>
+              </a:ext>
+            </a:extLst>
+          </p:cNvPr>
+          <p:cNvPicPr>
+            <a:picLocks noChangeAspect="1"/>
+          </p:cNvPicPr>
+          <p:nvPr/>
+        </p:nvPicPr>
+        <p:blipFill>
+          <a:blip r:embed="rId3">
+            <a:extLst>
+              <a:ext uri="{28A0092B-C50C-407E-A947-70E740481C1C}">
+                <a14:useLocalDpi xmlns:a14="http://schemas.microsoft.com/office/drawing/2010/main" val="0"/>
+              </a:ext>
+            </a:extLst>
+          </a:blip>
+          <a:stretch>
+            <a:fillRect/>
+          </a:stretch>
+        </p:blipFill>
+        <p:spPr>
+          <a:xfrm>
+            <a:off x="272418" y="732727"/>
+            <a:ext cx="5920000" cy="5920000"/>
+          </a:xfrm>
+          <a:prstGeom prst="rect">
+            <a:avLst/>
+          </a:prstGeom>
+        </p:spPr>
+      </p:pic>
+    </p:spTree>
+    <p:extLst>
+      <p:ext uri="{BB962C8B-B14F-4D97-AF65-F5344CB8AC3E}">
+        <p14:creationId xmlns:p14="http://schemas.microsoft.com/office/powerpoint/2010/main" val="1913505172"/>
+      </p:ext>
+    </p:extLst>
+  </p:cSld>
+  <p:clrMapOvr>
+    <a:masterClrMapping/>
+  </p:clrMapOvr>
+</p:sld>
+</file>
+
+<file path=ppt/slides/slide4.xml><?xml version="1.0" encoding="utf-8"?>
+<p:sld xmlns:a="http://schemas.openxmlformats.org/drawingml/2006/main" xmlns:r="http://schemas.openxmlformats.org/officeDocument/2006/relationships" xmlns:p="http://schemas.openxmlformats.org/presentationml/2006/main">
+  <p:cSld>
+    <p:spTree>
+      <p:nvGrpSpPr>
+        <p:cNvPr id="1" name=""/>
+        <p:cNvGrpSpPr/>
+        <p:nvPr/>
+      </p:nvGrpSpPr>
+      <p:grpSpPr>
+        <a:xfrm>
+          <a:off x="0" y="0"/>
+          <a:ext cx="0" cy="0"/>
+          <a:chOff x="0" y="0"/>
+          <a:chExt cx="0" cy="0"/>
+        </a:xfrm>
+      </p:grpSpPr>
+      <p:sp>
+        <p:nvSpPr>
+          <p:cNvPr id="2" name="標題 1">
+            <a:extLst>
+              <a:ext uri="{FF2B5EF4-FFF2-40B4-BE49-F238E27FC236}">
+                <a16:creationId xmlns:a16="http://schemas.microsoft.com/office/drawing/2014/main" id="{011BBF44-C638-7AB6-485E-0562A91579B3}"/>
+              </a:ext>
+            </a:extLst>
+          </p:cNvPr>
+          <p:cNvSpPr>
+            <a:spLocks noGrp="1"/>
+          </p:cNvSpPr>
+          <p:nvPr>
+            <p:ph type="ctrTitle"/>
+          </p:nvPr>
+        </p:nvSpPr>
+        <p:spPr>
+          <a:xfrm>
+            <a:off x="272418" y="205273"/>
+            <a:ext cx="10998962" cy="527454"/>
+          </a:xfrm>
+        </p:spPr>
+        <p:txBody>
+          <a:bodyPr>
+            <a:normAutofit/>
+          </a:bodyPr>
+          <a:lstStyle/>
+          <a:p>
+            <a:pPr algn="l"/>
+            <a:r>
+              <a:rPr lang="en-US" altLang="zh-TW" sz="2800" dirty="0">
+                <a:solidFill>
+                  <a:schemeClr val="bg2">
+                    <a:lumMod val="75000"/>
+                  </a:schemeClr>
+                </a:solidFill>
+                <a:latin typeface="標楷體" panose="03000509000000000000" pitchFamily="65" charset="-120"/>
+                <a:ea typeface="標楷體" panose="03000509000000000000" pitchFamily="65" charset="-120"/>
+              </a:rPr>
+              <a:t>3.</a:t>
+            </a:r>
+            <a:r>
+              <a:rPr lang="zh-TW" altLang="en-US" sz="2800" dirty="0">
+                <a:solidFill>
+                  <a:schemeClr val="bg2">
+                    <a:lumMod val="75000"/>
+                  </a:schemeClr>
+                </a:solidFill>
+                <a:latin typeface="標楷體" panose="03000509000000000000" pitchFamily="65" charset="-120"/>
+                <a:ea typeface="標楷體" panose="03000509000000000000" pitchFamily="65" charset="-120"/>
+              </a:rPr>
+              <a:t>努力</a:t>
+            </a:r>
+            <a:r>
+              <a:rPr lang="en-US" altLang="zh-TW" sz="2800" dirty="0">
+                <a:solidFill>
+                  <a:schemeClr val="bg2">
+                    <a:lumMod val="75000"/>
+                  </a:schemeClr>
+                </a:solidFill>
+                <a:latin typeface="標楷體" panose="03000509000000000000" pitchFamily="65" charset="-120"/>
+                <a:ea typeface="標楷體" panose="03000509000000000000" pitchFamily="65" charset="-120"/>
+              </a:rPr>
+              <a:t>:</a:t>
+            </a:r>
+            <a:r>
+              <a:rPr lang="zh-TW" altLang="en-US" sz="2800" dirty="0">
+                <a:solidFill>
+                  <a:schemeClr val="bg2">
+                    <a:lumMod val="75000"/>
+                  </a:schemeClr>
+                </a:solidFill>
+                <a:latin typeface="標楷體" panose="03000509000000000000" pitchFamily="65" charset="-120"/>
+                <a:ea typeface="標楷體" panose="03000509000000000000" pitchFamily="65" charset="-120"/>
+              </a:rPr>
+              <a:t>我努力的把書上描述主動脈瓣的章節看了又看。</a:t>
+            </a:r>
+          </a:p>
+        </p:txBody>
+      </p:sp>
+      <p:pic>
+        <p:nvPicPr>
+          <p:cNvPr id="4" name="圖片 3">
+            <a:extLst>
+              <a:ext uri="{FF2B5EF4-FFF2-40B4-BE49-F238E27FC236}">
+                <a16:creationId xmlns:a16="http://schemas.microsoft.com/office/drawing/2014/main" id="{4FABA0E7-6450-283A-029D-E13515B51308}"/>
+              </a:ext>
+            </a:extLst>
+          </p:cNvPr>
+          <p:cNvPicPr>
+            <a:picLocks noChangeAspect="1"/>
+          </p:cNvPicPr>
+          <p:nvPr/>
+        </p:nvPicPr>
+        <p:blipFill>
+          <a:blip r:embed="rId3">
+            <a:extLst>
+              <a:ext uri="{28A0092B-C50C-407E-A947-70E740481C1C}">
+                <a14:useLocalDpi xmlns:a14="http://schemas.microsoft.com/office/drawing/2010/main" val="0"/>
+              </a:ext>
+            </a:extLst>
+          </a:blip>
+          <a:stretch>
+            <a:fillRect/>
+          </a:stretch>
+        </p:blipFill>
+        <p:spPr>
+          <a:xfrm>
+            <a:off x="272418" y="732727"/>
+            <a:ext cx="5920000" cy="5920000"/>
+          </a:xfrm>
+          <a:prstGeom prst="rect">
+            <a:avLst/>
+          </a:prstGeom>
+        </p:spPr>
+      </p:pic>
+    </p:spTree>
+    <p:extLst>
+      <p:ext uri="{BB962C8B-B14F-4D97-AF65-F5344CB8AC3E}">
+        <p14:creationId xmlns:p14="http://schemas.microsoft.com/office/powerpoint/2010/main" val="4147189706"/>
+      </p:ext>
+    </p:extLst>
+  </p:cSld>
+  <p:clrMapOvr>
+    <a:masterClrMapping/>
+  </p:clrMapOvr>
+</p:sld>
+</file>
+
+<file path=ppt/slides/slide5.xml><?xml version="1.0" encoding="utf-8"?>
+<p:sld xmlns:a="http://schemas.openxmlformats.org/drawingml/2006/main" xmlns:r="http://schemas.openxmlformats.org/officeDocument/2006/relationships" xmlns:p="http://schemas.openxmlformats.org/presentationml/2006/main">
+  <p:cSld>
+    <p:spTree>
+      <p:nvGrpSpPr>
+        <p:cNvPr id="1" name=""/>
+        <p:cNvGrpSpPr/>
+        <p:nvPr/>
+      </p:nvGrpSpPr>
+      <p:grpSpPr>
+        <a:xfrm>
+          <a:off x="0" y="0"/>
+          <a:ext cx="0" cy="0"/>
+          <a:chOff x="0" y="0"/>
+          <a:chExt cx="0" cy="0"/>
+        </a:xfrm>
+      </p:grpSpPr>
+      <p:sp>
+        <p:nvSpPr>
+          <p:cNvPr id="2" name="標題 1">
+            <a:extLst>
+              <a:ext uri="{FF2B5EF4-FFF2-40B4-BE49-F238E27FC236}">
+                <a16:creationId xmlns:a16="http://schemas.microsoft.com/office/drawing/2014/main" id="{011BBF44-C638-7AB6-485E-0562A91579B3}"/>
+              </a:ext>
+            </a:extLst>
+          </p:cNvPr>
+          <p:cNvSpPr>
+            <a:spLocks noGrp="1"/>
+          </p:cNvSpPr>
+          <p:nvPr>
+            <p:ph type="ctrTitle"/>
+          </p:nvPr>
+        </p:nvSpPr>
+        <p:spPr>
+          <a:xfrm>
+            <a:off x="272418" y="205273"/>
+            <a:ext cx="10998962" cy="527454"/>
+          </a:xfrm>
+        </p:spPr>
+        <p:txBody>
+          <a:bodyPr>
+            <a:normAutofit/>
+          </a:bodyPr>
+          <a:lstStyle/>
+          <a:p>
+            <a:pPr algn="l"/>
+            <a:r>
+              <a:rPr lang="en-US" altLang="zh-TW" sz="2800" dirty="0">
+                <a:solidFill>
+                  <a:schemeClr val="bg2">
+                    <a:lumMod val="75000"/>
+                  </a:schemeClr>
+                </a:solidFill>
+                <a:latin typeface="標楷體" panose="03000509000000000000" pitchFamily="65" charset="-120"/>
+                <a:ea typeface="標楷體" panose="03000509000000000000" pitchFamily="65" charset="-120"/>
+              </a:rPr>
+              <a:t>4.</a:t>
+            </a:r>
+            <a:r>
+              <a:rPr lang="zh-TW" altLang="en-US" sz="2800" dirty="0">
+                <a:solidFill>
+                  <a:schemeClr val="bg2">
+                    <a:lumMod val="75000"/>
+                  </a:schemeClr>
+                </a:solidFill>
+                <a:latin typeface="標楷體" panose="03000509000000000000" pitchFamily="65" charset="-120"/>
+                <a:ea typeface="標楷體" panose="03000509000000000000" pitchFamily="65" charset="-120"/>
+              </a:rPr>
+              <a:t>結果</a:t>
+            </a:r>
+            <a:r>
+              <a:rPr lang="en-US" altLang="zh-TW" sz="2800" dirty="0">
+                <a:solidFill>
+                  <a:schemeClr val="bg2">
+                    <a:lumMod val="75000"/>
+                  </a:schemeClr>
+                </a:solidFill>
+                <a:latin typeface="標楷體" panose="03000509000000000000" pitchFamily="65" charset="-120"/>
+                <a:ea typeface="標楷體" panose="03000509000000000000" pitchFamily="65" charset="-120"/>
+              </a:rPr>
+              <a:t>:</a:t>
+            </a:r>
+            <a:r>
+              <a:rPr lang="zh-TW" altLang="en-US" sz="2800" dirty="0">
+                <a:solidFill>
+                  <a:schemeClr val="bg2">
+                    <a:lumMod val="75000"/>
+                  </a:schemeClr>
+                </a:solidFill>
+                <a:latin typeface="標楷體" panose="03000509000000000000" pitchFamily="65" charset="-120"/>
+                <a:ea typeface="標楷體" panose="03000509000000000000" pitchFamily="65" charset="-120"/>
+              </a:rPr>
+              <a:t>但還是無法準確判斷主動脈瓣。</a:t>
+            </a:r>
+          </a:p>
+        </p:txBody>
+      </p:sp>
+      <p:pic>
+        <p:nvPicPr>
+          <p:cNvPr id="4" name="圖片 3">
+            <a:extLst>
+              <a:ext uri="{FF2B5EF4-FFF2-40B4-BE49-F238E27FC236}">
+                <a16:creationId xmlns:a16="http://schemas.microsoft.com/office/drawing/2014/main" id="{8469201E-CA60-B2A1-7620-51CA8066D5E6}"/>
+              </a:ext>
+            </a:extLst>
+          </p:cNvPr>
+          <p:cNvPicPr>
+            <a:picLocks noChangeAspect="1"/>
+          </p:cNvPicPr>
+          <p:nvPr/>
+        </p:nvPicPr>
+        <p:blipFill>
+          <a:blip r:embed="rId3">
+            <a:extLst>
+              <a:ext uri="{28A0092B-C50C-407E-A947-70E740481C1C}">
+                <a14:useLocalDpi xmlns:a14="http://schemas.microsoft.com/office/drawing/2010/main" val="0"/>
+              </a:ext>
+            </a:extLst>
+          </a:blip>
+          <a:stretch>
+            <a:fillRect/>
+          </a:stretch>
+        </p:blipFill>
+        <p:spPr>
+          <a:xfrm>
+            <a:off x="272418" y="732727"/>
+            <a:ext cx="5920000" cy="5920000"/>
+          </a:xfrm>
+          <a:prstGeom prst="rect">
+            <a:avLst/>
+          </a:prstGeom>
+        </p:spPr>
+      </p:pic>
+    </p:spTree>
+    <p:extLst>
+      <p:ext uri="{BB962C8B-B14F-4D97-AF65-F5344CB8AC3E}">
+        <p14:creationId xmlns:p14="http://schemas.microsoft.com/office/powerpoint/2010/main" val="2754110732"/>
+      </p:ext>
+    </p:extLst>
+  </p:cSld>
+  <p:clrMapOvr>
+    <a:masterClrMapping/>
+  </p:clrMapOvr>
+</p:sld>
+</file>
+
+<file path=ppt/slides/slide6.xml><?xml version="1.0" encoding="utf-8"?>
+<p:sld xmlns:a="http://schemas.openxmlformats.org/drawingml/2006/main" xmlns:r="http://schemas.openxmlformats.org/officeDocument/2006/relationships" xmlns:p="http://schemas.openxmlformats.org/presentationml/2006/main">
+  <p:cSld>
+    <p:spTree>
+      <p:nvGrpSpPr>
+        <p:cNvPr id="1" name=""/>
+        <p:cNvGrpSpPr/>
+        <p:nvPr/>
+      </p:nvGrpSpPr>
+      <p:grpSpPr>
+        <a:xfrm>
+          <a:off x="0" y="0"/>
+          <a:ext cx="0" cy="0"/>
+          <a:chOff x="0" y="0"/>
+          <a:chExt cx="0" cy="0"/>
+        </a:xfrm>
+      </p:grpSpPr>
+      <p:sp>
+        <p:nvSpPr>
+          <p:cNvPr id="2" name="標題 1">
+            <a:extLst>
+              <a:ext uri="{FF2B5EF4-FFF2-40B4-BE49-F238E27FC236}">
+                <a16:creationId xmlns:a16="http://schemas.microsoft.com/office/drawing/2014/main" id="{011BBF44-C638-7AB6-485E-0562A91579B3}"/>
+              </a:ext>
+            </a:extLst>
+          </p:cNvPr>
+          <p:cNvSpPr>
+            <a:spLocks noGrp="1"/>
+          </p:cNvSpPr>
+          <p:nvPr>
+            <p:ph type="ctrTitle"/>
+          </p:nvPr>
+        </p:nvSpPr>
+        <p:spPr>
+          <a:xfrm>
+            <a:off x="163229" y="205273"/>
+            <a:ext cx="12187990" cy="494523"/>
+          </a:xfrm>
+        </p:spPr>
+        <p:txBody>
+          <a:bodyPr>
+            <a:noAutofit/>
+          </a:bodyPr>
+          <a:lstStyle/>
+          <a:p>
+            <a:pPr algn="l"/>
+            <a:r>
+              <a:rPr lang="en-US" altLang="zh-TW" sz="2700" dirty="0">
+                <a:solidFill>
+                  <a:schemeClr val="bg2">
+                    <a:lumMod val="75000"/>
+                  </a:schemeClr>
+                </a:solidFill>
+                <a:latin typeface="標楷體" panose="03000509000000000000" pitchFamily="65" charset="-120"/>
+                <a:ea typeface="標楷體" panose="03000509000000000000" pitchFamily="65" charset="-120"/>
+              </a:rPr>
+              <a:t>5.</a:t>
+            </a:r>
+            <a:r>
+              <a:rPr lang="zh-TW" altLang="en-US" sz="2700" dirty="0">
+                <a:solidFill>
+                  <a:schemeClr val="bg2">
+                    <a:lumMod val="75000"/>
+                  </a:schemeClr>
+                </a:solidFill>
+                <a:latin typeface="標楷體" panose="03000509000000000000" pitchFamily="65" charset="-120"/>
+                <a:ea typeface="標楷體" panose="03000509000000000000" pitchFamily="65" charset="-120"/>
+              </a:rPr>
+              <a:t>意外</a:t>
+            </a:r>
+            <a:r>
+              <a:rPr lang="en-US" altLang="zh-TW" sz="2700" dirty="0">
+                <a:solidFill>
+                  <a:schemeClr val="bg2">
+                    <a:lumMod val="75000"/>
+                  </a:schemeClr>
+                </a:solidFill>
+                <a:latin typeface="標楷體" panose="03000509000000000000" pitchFamily="65" charset="-120"/>
+                <a:ea typeface="標楷體" panose="03000509000000000000" pitchFamily="65" charset="-120"/>
+              </a:rPr>
+              <a:t>:</a:t>
+            </a:r>
+            <a:r>
+              <a:rPr lang="zh-TW" altLang="en-US" sz="2700" dirty="0">
+                <a:solidFill>
+                  <a:schemeClr val="bg2">
+                    <a:lumMod val="75000"/>
+                  </a:schemeClr>
+                </a:solidFill>
+                <a:latin typeface="標楷體" panose="03000509000000000000" pitchFamily="65" charset="-120"/>
+                <a:ea typeface="標楷體" panose="03000509000000000000" pitchFamily="65" charset="-120"/>
+              </a:rPr>
+              <a:t>剛好我的老師和北科大資工系的老師在合作一個主動脈瓣偵測的計畫。</a:t>
+            </a:r>
+          </a:p>
+        </p:txBody>
+      </p:sp>
+      <p:pic>
+        <p:nvPicPr>
+          <p:cNvPr id="4" name="圖片 3">
+            <a:extLst>
+              <a:ext uri="{FF2B5EF4-FFF2-40B4-BE49-F238E27FC236}">
+                <a16:creationId xmlns:a16="http://schemas.microsoft.com/office/drawing/2014/main" id="{F4D3E6E2-9B5F-6439-153A-4350F1BCA9AC}"/>
+              </a:ext>
+            </a:extLst>
+          </p:cNvPr>
+          <p:cNvPicPr>
+            <a:picLocks noChangeAspect="1"/>
+          </p:cNvPicPr>
+          <p:nvPr/>
+        </p:nvPicPr>
+        <p:blipFill>
+          <a:blip r:embed="rId3">
+            <a:extLst>
+              <a:ext uri="{28A0092B-C50C-407E-A947-70E740481C1C}">
+                <a14:useLocalDpi xmlns:a14="http://schemas.microsoft.com/office/drawing/2010/main" val="0"/>
+              </a:ext>
+            </a:extLst>
+          </a:blip>
+          <a:stretch>
+            <a:fillRect/>
+          </a:stretch>
+        </p:blipFill>
+        <p:spPr>
+          <a:xfrm>
+            <a:off x="272417" y="699796"/>
+            <a:ext cx="5952931" cy="5952931"/>
+          </a:xfrm>
+          <a:prstGeom prst="rect">
+            <a:avLst/>
+          </a:prstGeom>
+        </p:spPr>
+      </p:pic>
+    </p:spTree>
+    <p:extLst>
+      <p:ext uri="{BB962C8B-B14F-4D97-AF65-F5344CB8AC3E}">
+        <p14:creationId xmlns:p14="http://schemas.microsoft.com/office/powerpoint/2010/main" val="2375628326"/>
+      </p:ext>
+    </p:extLst>
+  </p:cSld>
+  <p:clrMapOvr>
+    <a:masterClrMapping/>
+  </p:clrMapOvr>
+</p:sld>
+</file>
+
+<file path=ppt/slides/slide7.xml><?xml version="1.0" encoding="utf-8"?>
+<p:sld xmlns:a="http://schemas.openxmlformats.org/drawingml/2006/main" xmlns:r="http://schemas.openxmlformats.org/officeDocument/2006/relationships" xmlns:p="http://schemas.openxmlformats.org/presentationml/2006/main">
+  <p:cSld>
+    <p:spTree>
+      <p:nvGrpSpPr>
+        <p:cNvPr id="1" name=""/>
+        <p:cNvGrpSpPr/>
+        <p:nvPr/>
+      </p:nvGrpSpPr>
+      <p:grpSpPr>
+        <a:xfrm>
+          <a:off x="0" y="0"/>
+          <a:ext cx="0" cy="0"/>
+          <a:chOff x="0" y="0"/>
+          <a:chExt cx="0" cy="0"/>
+        </a:xfrm>
+      </p:grpSpPr>
+      <p:sp>
+        <p:nvSpPr>
+          <p:cNvPr id="2" name="標題 1">
+            <a:extLst>
+              <a:ext uri="{FF2B5EF4-FFF2-40B4-BE49-F238E27FC236}">
+                <a16:creationId xmlns:a16="http://schemas.microsoft.com/office/drawing/2014/main" id="{011BBF44-C638-7AB6-485E-0562A91579B3}"/>
+              </a:ext>
+            </a:extLst>
+          </p:cNvPr>
+          <p:cNvSpPr>
+            <a:spLocks noGrp="1"/>
+          </p:cNvSpPr>
+          <p:nvPr>
+            <p:ph type="ctrTitle"/>
+          </p:nvPr>
+        </p:nvSpPr>
+        <p:spPr>
+          <a:xfrm>
+            <a:off x="272417" y="205273"/>
+            <a:ext cx="12119749" cy="527454"/>
+          </a:xfrm>
+        </p:spPr>
+        <p:txBody>
+          <a:bodyPr>
+            <a:noAutofit/>
+          </a:bodyPr>
+          <a:lstStyle/>
+          <a:p>
+            <a:pPr algn="l"/>
+            <a:r>
+              <a:rPr lang="en-US" altLang="zh-TW" sz="2800" dirty="0">
+                <a:solidFill>
+                  <a:schemeClr val="bg2">
+                    <a:lumMod val="75000"/>
+                  </a:schemeClr>
+                </a:solidFill>
+                <a:latin typeface="標楷體" panose="03000509000000000000" pitchFamily="65" charset="-120"/>
+                <a:ea typeface="標楷體" panose="03000509000000000000" pitchFamily="65" charset="-120"/>
+              </a:rPr>
+              <a:t>6.</a:t>
+            </a:r>
+            <a:r>
+              <a:rPr lang="zh-TW" altLang="en-US" sz="2800" dirty="0">
+                <a:solidFill>
+                  <a:schemeClr val="bg2">
+                    <a:lumMod val="75000"/>
+                  </a:schemeClr>
+                </a:solidFill>
+                <a:latin typeface="標楷體" panose="03000509000000000000" pitchFamily="65" charset="-120"/>
+                <a:ea typeface="標楷體" panose="03000509000000000000" pitchFamily="65" charset="-120"/>
+              </a:rPr>
+              <a:t>轉彎</a:t>
+            </a:r>
+            <a:r>
+              <a:rPr lang="en-US" altLang="zh-TW" sz="2800" dirty="0">
+                <a:solidFill>
+                  <a:schemeClr val="bg2">
+                    <a:lumMod val="75000"/>
+                  </a:schemeClr>
+                </a:solidFill>
+                <a:latin typeface="標楷體" panose="03000509000000000000" pitchFamily="65" charset="-120"/>
+                <a:ea typeface="標楷體" panose="03000509000000000000" pitchFamily="65" charset="-120"/>
+              </a:rPr>
+              <a:t>:</a:t>
+            </a:r>
+            <a:r>
+              <a:rPr lang="zh-TW" altLang="en-US" sz="2800" dirty="0">
+                <a:solidFill>
+                  <a:schemeClr val="bg2">
+                    <a:lumMod val="75000"/>
+                  </a:schemeClr>
+                </a:solidFill>
+                <a:latin typeface="標楷體" panose="03000509000000000000" pitchFamily="65" charset="-120"/>
+                <a:ea typeface="標楷體" panose="03000509000000000000" pitchFamily="65" charset="-120"/>
+              </a:rPr>
+              <a:t>一開始我還是搞不清楚主動脈瓣的位置，但透過一張張圖片的標註。</a:t>
+            </a:r>
+          </a:p>
+        </p:txBody>
+      </p:sp>
+      <p:pic>
+        <p:nvPicPr>
+          <p:cNvPr id="4" name="圖片 3">
+            <a:extLst>
+              <a:ext uri="{FF2B5EF4-FFF2-40B4-BE49-F238E27FC236}">
+                <a16:creationId xmlns:a16="http://schemas.microsoft.com/office/drawing/2014/main" id="{87932ABD-1F53-5047-4B8E-54D6E2832BB7}"/>
+              </a:ext>
+            </a:extLst>
+          </p:cNvPr>
+          <p:cNvPicPr>
+            <a:picLocks noChangeAspect="1"/>
+          </p:cNvPicPr>
+          <p:nvPr/>
+        </p:nvPicPr>
+        <p:blipFill>
+          <a:blip r:embed="rId3">
+            <a:extLst>
+              <a:ext uri="{28A0092B-C50C-407E-A947-70E740481C1C}">
+                <a14:useLocalDpi xmlns:a14="http://schemas.microsoft.com/office/drawing/2010/main" val="0"/>
+              </a:ext>
+            </a:extLst>
+          </a:blip>
+          <a:stretch>
+            <a:fillRect/>
+          </a:stretch>
+        </p:blipFill>
+        <p:spPr>
+          <a:xfrm>
+            <a:off x="272418" y="732727"/>
+            <a:ext cx="5920000" cy="5920000"/>
+          </a:xfrm>
+          <a:prstGeom prst="rect">
+            <a:avLst/>
+          </a:prstGeom>
+        </p:spPr>
+      </p:pic>
+    </p:spTree>
+    <p:extLst>
+      <p:ext uri="{BB962C8B-B14F-4D97-AF65-F5344CB8AC3E}">
+        <p14:creationId xmlns:p14="http://schemas.microsoft.com/office/powerpoint/2010/main" val="1642784093"/>
+      </p:ext>
+    </p:extLst>
+  </p:cSld>
+  <p:clrMapOvr>
+    <a:masterClrMapping/>
+  </p:clrMapOvr>
+</p:sld>
+</file>
+
+<file path=ppt/slides/slide8.xml><?xml version="1.0" encoding="utf-8"?>
+<p:sld xmlns:a="http://schemas.openxmlformats.org/drawingml/2006/main" xmlns:r="http://schemas.openxmlformats.org/officeDocument/2006/relationships" xmlns:p="http://schemas.openxmlformats.org/presentationml/2006/main">
+  <p:cSld>
+    <p:spTree>
+      <p:nvGrpSpPr>
+        <p:cNvPr id="1" name=""/>
+        <p:cNvGrpSpPr/>
+        <p:nvPr/>
+      </p:nvGrpSpPr>
+      <p:grpSpPr>
+        <a:xfrm>
+          <a:off x="0" y="0"/>
+          <a:ext cx="0" cy="0"/>
+          <a:chOff x="0" y="0"/>
+          <a:chExt cx="0" cy="0"/>
+        </a:xfrm>
+      </p:grpSpPr>
+      <p:sp>
+        <p:nvSpPr>
+          <p:cNvPr id="2" name="標題 1">
+            <a:extLst>
+              <a:ext uri="{FF2B5EF4-FFF2-40B4-BE49-F238E27FC236}">
+                <a16:creationId xmlns:a16="http://schemas.microsoft.com/office/drawing/2014/main" id="{011BBF44-C638-7AB6-485E-0562A91579B3}"/>
+              </a:ext>
+            </a:extLst>
+          </p:cNvPr>
+          <p:cNvSpPr>
+            <a:spLocks noGrp="1"/>
+          </p:cNvSpPr>
+          <p:nvPr>
+            <p:ph type="ctrTitle"/>
+          </p:nvPr>
+        </p:nvSpPr>
+        <p:spPr>
+          <a:xfrm>
+            <a:off x="272418" y="205273"/>
+            <a:ext cx="10998962" cy="527454"/>
+          </a:xfrm>
+        </p:spPr>
+        <p:txBody>
+          <a:bodyPr>
+            <a:normAutofit/>
+          </a:bodyPr>
+          <a:lstStyle/>
+          <a:p>
+            <a:pPr algn="l"/>
+            <a:r>
+              <a:rPr lang="en-US" altLang="zh-TW" sz="2800" dirty="0">
+                <a:solidFill>
+                  <a:schemeClr val="bg2">
+                    <a:lumMod val="75000"/>
+                  </a:schemeClr>
+                </a:solidFill>
+                <a:latin typeface="標楷體" panose="03000509000000000000" pitchFamily="65" charset="-120"/>
+                <a:ea typeface="標楷體" panose="03000509000000000000" pitchFamily="65" charset="-120"/>
+              </a:rPr>
+              <a:t>7.</a:t>
+            </a:r>
+            <a:r>
+              <a:rPr lang="zh-TW" altLang="en-US" sz="2800" dirty="0">
+                <a:solidFill>
+                  <a:schemeClr val="bg2">
+                    <a:lumMod val="75000"/>
+                  </a:schemeClr>
+                </a:solidFill>
+                <a:latin typeface="標楷體" panose="03000509000000000000" pitchFamily="65" charset="-120"/>
+                <a:ea typeface="標楷體" panose="03000509000000000000" pitchFamily="65" charset="-120"/>
+              </a:rPr>
+              <a:t>結局</a:t>
+            </a:r>
+            <a:r>
+              <a:rPr lang="en-US" altLang="zh-TW" sz="2800" dirty="0">
+                <a:solidFill>
+                  <a:schemeClr val="bg2">
+                    <a:lumMod val="75000"/>
+                  </a:schemeClr>
+                </a:solidFill>
+                <a:latin typeface="標楷體" panose="03000509000000000000" pitchFamily="65" charset="-120"/>
+                <a:ea typeface="標楷體" panose="03000509000000000000" pitchFamily="65" charset="-120"/>
+              </a:rPr>
+              <a:t>:</a:t>
+            </a:r>
+            <a:r>
+              <a:rPr lang="zh-TW" altLang="en-US" sz="2800" dirty="0">
+                <a:solidFill>
+                  <a:schemeClr val="bg2">
+                    <a:lumMod val="75000"/>
+                  </a:schemeClr>
+                </a:solidFill>
+                <a:latin typeface="標楷體" panose="03000509000000000000" pitchFamily="65" charset="-120"/>
+                <a:ea typeface="標楷體" panose="03000509000000000000" pitchFamily="65" charset="-120"/>
+              </a:rPr>
+              <a:t>我現在只要看到心臟圖片，就能準確的知道主動脈瓣的位置。</a:t>
+            </a:r>
+          </a:p>
+        </p:txBody>
+      </p:sp>
+      <p:pic>
+        <p:nvPicPr>
+          <p:cNvPr id="4" name="圖片 3">
+            <a:extLst>
+              <a:ext uri="{FF2B5EF4-FFF2-40B4-BE49-F238E27FC236}">
+                <a16:creationId xmlns:a16="http://schemas.microsoft.com/office/drawing/2014/main" id="{F37D26C6-3DFB-8A89-7073-FFB728786145}"/>
+              </a:ext>
+            </a:extLst>
+          </p:cNvPr>
+          <p:cNvPicPr>
+            <a:picLocks noChangeAspect="1"/>
+          </p:cNvPicPr>
+          <p:nvPr/>
+        </p:nvPicPr>
+        <p:blipFill>
+          <a:blip r:embed="rId3">
+            <a:extLst>
+              <a:ext uri="{28A0092B-C50C-407E-A947-70E740481C1C}">
+                <a14:useLocalDpi xmlns:a14="http://schemas.microsoft.com/office/drawing/2010/main" val="0"/>
+              </a:ext>
+            </a:extLst>
+          </a:blip>
+          <a:stretch>
+            <a:fillRect/>
+          </a:stretch>
+        </p:blipFill>
+        <p:spPr>
+          <a:xfrm>
+            <a:off x="272418" y="732727"/>
+            <a:ext cx="5864290" cy="5864290"/>
+          </a:xfrm>
+          <a:prstGeom prst="rect">
+            <a:avLst/>
+          </a:prstGeom>
+        </p:spPr>
+      </p:pic>
+    </p:spTree>
+    <p:extLst>
+      <p:ext uri="{BB962C8B-B14F-4D97-AF65-F5344CB8AC3E}">
+        <p14:creationId xmlns:p14="http://schemas.microsoft.com/office/powerpoint/2010/main" val="2071910783"/>
       </p:ext>
     </p:extLst>
   </p:cSld>
@@ -3677,4 +6952,299 @@
     </a:ext>
   </a:extLst>
 </a:theme>
+</file>
+
+<file path=ppt/theme/theme2.xml><?xml version="1.0" encoding="utf-8"?>
+<a:theme xmlns:a="http://schemas.openxmlformats.org/drawingml/2006/main" name="Office 佈景主題">
+  <a:themeElements>
+    <a:clrScheme name="Office">
+      <a:dk1>
+        <a:sysClr val="windowText" lastClr="000000"/>
+      </a:dk1>
+      <a:lt1>
+        <a:sysClr val="window" lastClr="FFFFFF"/>
+      </a:lt1>
+      <a:dk2>
+        <a:srgbClr val="44546A"/>
+      </a:dk2>
+      <a:lt2>
+        <a:srgbClr val="E7E6E6"/>
+      </a:lt2>
+      <a:accent1>
+        <a:srgbClr val="4472C4"/>
+      </a:accent1>
+      <a:accent2>
+        <a:srgbClr val="ED7D31"/>
+      </a:accent2>
+      <a:accent3>
+        <a:srgbClr val="A5A5A5"/>
+      </a:accent3>
+      <a:accent4>
+        <a:srgbClr val="FFC000"/>
+      </a:accent4>
+      <a:accent5>
+        <a:srgbClr val="5B9BD5"/>
+      </a:accent5>
+      <a:accent6>
+        <a:srgbClr val="70AD47"/>
+      </a:accent6>
+      <a:hlink>
+        <a:srgbClr val="0563C1"/>
+      </a:hlink>
+      <a:folHlink>
+        <a:srgbClr val="954F72"/>
+      </a:folHlink>
+    </a:clrScheme>
+    <a:fontScheme name="Office">
+      <a:majorFont>
+        <a:latin typeface="Calibri Light" panose="020F0302020204030204"/>
+        <a:ea typeface=""/>
+        <a:cs typeface=""/>
+        <a:font script="Jpan" typeface="游ゴシック Light"/>
+        <a:font script="Hang" typeface="맑은 고딕"/>
+        <a:font script="Hans" typeface="等线 Light"/>
+        <a:font script="Hant" typeface="新細明體"/>
+        <a:font script="Arab" typeface="Times New Roman"/>
+        <a:font script="Hebr" typeface="Times New Roman"/>
+        <a:font script="Thai" typeface="Angsana New"/>
+        <a:font script="Ethi" typeface="Nyala"/>
+        <a:font script="Beng" typeface="Vrinda"/>
+        <a:font script="Gujr" typeface="Shruti"/>
+        <a:font script="Khmr" typeface="MoolBoran"/>
+        <a:font script="Knda" typeface="Tunga"/>
+        <a:font script="Guru" typeface="Raavi"/>
+        <a:font script="Cans" typeface="Euphemia"/>
+        <a:font script="Cher" typeface="Plantagenet Cherokee"/>
+        <a:font script="Yiii" typeface="Microsoft Yi Baiti"/>
+        <a:font script="Tibt" typeface="Microsoft Himalaya"/>
+        <a:font script="Thaa" typeface="MV Boli"/>
+        <a:font script="Deva" typeface="Mangal"/>
+        <a:font script="Telu" typeface="Gautami"/>
+        <a:font script="Taml" typeface="Latha"/>
+        <a:font script="Syrc" typeface="Estrangelo Edessa"/>
+        <a:font script="Orya" typeface="Kalinga"/>
+        <a:font script="Mlym" typeface="Kartika"/>
+        <a:font script="Laoo" typeface="DokChampa"/>
+        <a:font script="Sinh" typeface="Iskoola Pota"/>
+        <a:font script="Mong" typeface="Mongolian Baiti"/>
+        <a:font script="Viet" typeface="Times New Roman"/>
+        <a:font script="Uigh" typeface="Microsoft Uighur"/>
+        <a:font script="Geor" typeface="Sylfaen"/>
+        <a:font script="Armn" typeface="Arial"/>
+        <a:font script="Bugi" typeface="Leelawadee UI"/>
+        <a:font script="Bopo" typeface="Microsoft JhengHei"/>
+        <a:font script="Java" typeface="Javanese Text"/>
+        <a:font script="Lisu" typeface="Segoe UI"/>
+        <a:font script="Mymr" typeface="Myanmar Text"/>
+        <a:font script="Nkoo" typeface="Ebrima"/>
+        <a:font script="Olck" typeface="Nirmala UI"/>
+        <a:font script="Osma" typeface="Ebrima"/>
+        <a:font script="Phag" typeface="Phagspa"/>
+        <a:font script="Syrn" typeface="Estrangelo Edessa"/>
+        <a:font script="Syrj" typeface="Estrangelo Edessa"/>
+        <a:font script="Syre" typeface="Estrangelo Edessa"/>
+        <a:font script="Sora" typeface="Nirmala UI"/>
+        <a:font script="Tale" typeface="Microsoft Tai Le"/>
+        <a:font script="Talu" typeface="Microsoft New Tai Lue"/>
+        <a:font script="Tfng" typeface="Ebrima"/>
+      </a:majorFont>
+      <a:minorFont>
+        <a:latin typeface="Calibri" panose="020F0502020204030204"/>
+        <a:ea typeface=""/>
+        <a:cs typeface=""/>
+        <a:font script="Jpan" typeface="游ゴシック"/>
+        <a:font script="Hang" typeface="맑은 고딕"/>
+        <a:font script="Hans" typeface="等线"/>
+        <a:font script="Hant" typeface="新細明體"/>
+        <a:font script="Arab" typeface="Arial"/>
+        <a:font script="Hebr" typeface="Arial"/>
+        <a:font script="Thai" typeface="Cordia New"/>
+        <a:font script="Ethi" typeface="Nyala"/>
+        <a:font script="Beng" typeface="Vrinda"/>
+        <a:font script="Gujr" typeface="Shruti"/>
+        <a:font script="Khmr" typeface="DaunPenh"/>
+        <a:font script="Knda" typeface="Tunga"/>
+        <a:font script="Guru" typeface="Raavi"/>
+        <a:font script="Cans" typeface="Euphemia"/>
+        <a:font script="Cher" typeface="Plantagenet Cherokee"/>
+        <a:font script="Yiii" typeface="Microsoft Yi Baiti"/>
+        <a:font script="Tibt" typeface="Microsoft Himalaya"/>
+        <a:font script="Thaa" typeface="MV Boli"/>
+        <a:font script="Deva" typeface="Mangal"/>
+        <a:font script="Telu" typeface="Gautami"/>
+        <a:font script="Taml" typeface="Latha"/>
+        <a:font script="Syrc" typeface="Estrangelo Edessa"/>
+        <a:font script="Orya" typeface="Kalinga"/>
+        <a:font script="Mlym" typeface="Kartika"/>
+        <a:font script="Laoo" typeface="DokChampa"/>
+        <a:font script="Sinh" typeface="Iskoola Pota"/>
+        <a:font script="Mong" typeface="Mongolian Baiti"/>
+        <a:font script="Viet" typeface="Arial"/>
+        <a:font script="Uigh" typeface="Microsoft Uighur"/>
+        <a:font script="Geor" typeface="Sylfaen"/>
+        <a:font script="Armn" typeface="Arial"/>
+        <a:font script="Bugi" typeface="Leelawadee UI"/>
+        <a:font script="Bopo" typeface="Microsoft JhengHei"/>
+        <a:font script="Java" typeface="Javanese Text"/>
+        <a:font script="Lisu" typeface="Segoe UI"/>
+        <a:font script="Mymr" typeface="Myanmar Text"/>
+        <a:font script="Nkoo" typeface="Ebrima"/>
+        <a:font script="Olck" typeface="Nirmala UI"/>
+        <a:font script="Osma" typeface="Ebrima"/>
+        <a:font script="Phag" typeface="Phagspa"/>
+        <a:font script="Syrn" typeface="Estrangelo Edessa"/>
+        <a:font script="Syrj" typeface="Estrangelo Edessa"/>
+        <a:font script="Syre" typeface="Estrangelo Edessa"/>
+        <a:font script="Sora" typeface="Nirmala UI"/>
+        <a:font script="Tale" typeface="Microsoft Tai Le"/>
+        <a:font script="Talu" typeface="Microsoft New Tai Lue"/>
+        <a:font script="Tfng" typeface="Ebrima"/>
+      </a:minorFont>
+    </a:fontScheme>
+    <a:fmtScheme name="Office">
+      <a:fillStyleLst>
+        <a:solidFill>
+          <a:schemeClr val="phClr"/>
+        </a:solidFill>
+        <a:gradFill rotWithShape="1">
+          <a:gsLst>
+            <a:gs pos="0">
+              <a:schemeClr val="phClr">
+                <a:lumMod val="110000"/>
+                <a:satMod val="105000"/>
+                <a:tint val="67000"/>
+              </a:schemeClr>
+            </a:gs>
+            <a:gs pos="50000">
+              <a:schemeClr val="phClr">
+                <a:lumMod val="105000"/>
+                <a:satMod val="103000"/>
+                <a:tint val="73000"/>
+              </a:schemeClr>
+            </a:gs>
+            <a:gs pos="100000">
+              <a:schemeClr val="phClr">
+                <a:lumMod val="105000"/>
+                <a:satMod val="109000"/>
+                <a:tint val="81000"/>
+              </a:schemeClr>
+            </a:gs>
+          </a:gsLst>
+          <a:lin ang="5400000" scaled="0"/>
+        </a:gradFill>
+        <a:gradFill rotWithShape="1">
+          <a:gsLst>
+            <a:gs pos="0">
+              <a:schemeClr val="phClr">
+                <a:satMod val="103000"/>
+                <a:lumMod val="102000"/>
+                <a:tint val="94000"/>
+              </a:schemeClr>
+            </a:gs>
+            <a:gs pos="50000">
+              <a:schemeClr val="phClr">
+                <a:satMod val="110000"/>
+                <a:lumMod val="100000"/>
+                <a:shade val="100000"/>
+              </a:schemeClr>
+            </a:gs>
+            <a:gs pos="100000">
+              <a:schemeClr val="phClr">
+                <a:lumMod val="99000"/>
+                <a:satMod val="120000"/>
+                <a:shade val="78000"/>
+              </a:schemeClr>
+            </a:gs>
+          </a:gsLst>
+          <a:lin ang="5400000" scaled="0"/>
+        </a:gradFill>
+      </a:fillStyleLst>
+      <a:lnStyleLst>
+        <a:ln w="6350" cap="flat" cmpd="sng" algn="ctr">
+          <a:solidFill>
+            <a:schemeClr val="phClr"/>
+          </a:solidFill>
+          <a:prstDash val="solid"/>
+          <a:miter lim="800000"/>
+        </a:ln>
+        <a:ln w="12700" cap="flat" cmpd="sng" algn="ctr">
+          <a:solidFill>
+            <a:schemeClr val="phClr"/>
+          </a:solidFill>
+          <a:prstDash val="solid"/>
+          <a:miter lim="800000"/>
+        </a:ln>
+        <a:ln w="19050" cap="flat" cmpd="sng" algn="ctr">
+          <a:solidFill>
+            <a:schemeClr val="phClr"/>
+          </a:solidFill>
+          <a:prstDash val="solid"/>
+          <a:miter lim="800000"/>
+        </a:ln>
+      </a:lnStyleLst>
+      <a:effectStyleLst>
+        <a:effectStyle>
+          <a:effectLst/>
+        </a:effectStyle>
+        <a:effectStyle>
+          <a:effectLst/>
+        </a:effectStyle>
+        <a:effectStyle>
+          <a:effectLst>
+            <a:outerShdw blurRad="57150" dist="19050" dir="5400000" algn="ctr" rotWithShape="0">
+              <a:srgbClr val="000000">
+                <a:alpha val="63000"/>
+              </a:srgbClr>
+            </a:outerShdw>
+          </a:effectLst>
+        </a:effectStyle>
+      </a:effectStyleLst>
+      <a:bgFillStyleLst>
+        <a:solidFill>
+          <a:schemeClr val="phClr"/>
+        </a:solidFill>
+        <a:solidFill>
+          <a:schemeClr val="phClr">
+            <a:tint val="95000"/>
+            <a:satMod val="170000"/>
+          </a:schemeClr>
+        </a:solidFill>
+        <a:gradFill rotWithShape="1">
+          <a:gsLst>
+            <a:gs pos="0">
+              <a:schemeClr val="phClr">
+                <a:tint val="93000"/>
+                <a:satMod val="150000"/>
+                <a:shade val="98000"/>
+                <a:lumMod val="102000"/>
+              </a:schemeClr>
+            </a:gs>
+            <a:gs pos="50000">
+              <a:schemeClr val="phClr">
+                <a:tint val="98000"/>
+                <a:satMod val="130000"/>
+                <a:shade val="90000"/>
+                <a:lumMod val="103000"/>
+              </a:schemeClr>
+            </a:gs>
+            <a:gs pos="100000">
+              <a:schemeClr val="phClr">
+                <a:shade val="63000"/>
+                <a:satMod val="120000"/>
+              </a:schemeClr>
+            </a:gs>
+          </a:gsLst>
+          <a:lin ang="5400000" scaled="0"/>
+        </a:gradFill>
+      </a:bgFillStyleLst>
+    </a:fmtScheme>
+  </a:themeElements>
+  <a:objectDefaults/>
+  <a:extraClrSchemeLst/>
+  <a:extLst>
+    <a:ext uri="{05A4C25C-085E-4340-85A3-A5531E510DB2}">
+      <thm15:themeFamily xmlns:thm15="http://schemas.microsoft.com/office/thememl/2012/main" name="Office Theme" id="{62F939B6-93AF-4DB8-9C6B-D6C7DFDC589F}" vid="{4A3C46E8-61CC-4603-A589-7422A47A8E4A}"/>
+    </a:ext>
+  </a:extLst>
+</a:theme>
 </file>